--- a/Лекция 10 - статические классы, операторы.pptx
+++ b/Лекция 10 - статические классы, операторы.pptx
@@ -5,18 +5,17 @@
     <p:sldMasterId id="2147483648" r:id="rId1"/>
   </p:sldMasterIdLst>
   <p:notesMasterIdLst>
-    <p:notesMasterId r:id="rId11"/>
+    <p:notesMasterId r:id="rId10"/>
   </p:notesMasterIdLst>
   <p:sldIdLst>
     <p:sldId id="256" r:id="rId2"/>
-    <p:sldId id="375" r:id="rId3"/>
-    <p:sldId id="314" r:id="rId4"/>
-    <p:sldId id="328" r:id="rId5"/>
-    <p:sldId id="315" r:id="rId6"/>
-    <p:sldId id="316" r:id="rId7"/>
-    <p:sldId id="376" r:id="rId8"/>
-    <p:sldId id="377" r:id="rId9"/>
-    <p:sldId id="378" r:id="rId10"/>
+    <p:sldId id="314" r:id="rId3"/>
+    <p:sldId id="328" r:id="rId4"/>
+    <p:sldId id="315" r:id="rId5"/>
+    <p:sldId id="316" r:id="rId6"/>
+    <p:sldId id="376" r:id="rId7"/>
+    <p:sldId id="377" r:id="rId8"/>
+    <p:sldId id="378" r:id="rId9"/>
   </p:sldIdLst>
   <p:sldSz cx="9144000" cy="6858000" type="screen4x3"/>
   <p:notesSz cx="6858000" cy="9144000"/>
@@ -134,10 +133,6 @@
 </p:presentation>
 </file>
 
-<file path=ppt/revisionInfo.xml><?xml version="1.0" encoding="utf-8"?>
-<p1510:revInfo xmlns:a="http://schemas.openxmlformats.org/drawingml/2006/main" xmlns:r="http://schemas.openxmlformats.org/officeDocument/2006/relationships" xmlns:p1510="http://schemas.microsoft.com/office/powerpoint/2015/10/main"/>
-</file>
-
 <file path=ppt/notesMasters/notesMaster1.xml><?xml version="1.0" encoding="utf-8"?>
 <p:notesMaster xmlns:a="http://schemas.openxmlformats.org/drawingml/2006/main" xmlns:r="http://schemas.openxmlformats.org/officeDocument/2006/relationships" xmlns:p="http://schemas.openxmlformats.org/presentationml/2006/main">
   <p:cSld>
@@ -220,7 +215,7 @@
           <a:p>
             <a:fld id="{57B1F2C7-647D-4E6C-9518-78BBA26636CD}" type="datetimeFigureOut">
               <a:rPr lang="ru-RU" smtClean="0"/>
-              <a:t>13.12.2017</a:t>
+              <a:t>12.11.2022</a:t>
             </a:fld>
             <a:endParaRPr lang="ru-RU"/>
           </a:p>
@@ -552,7 +547,7 @@
             <a:fld id="{BA8A8B59-8917-444D-81C9-9183FFFD5E18}" type="slidenum">
               <a:rPr lang="ru-RU" smtClean="0"/>
               <a:pPr/>
-              <a:t>4</a:t>
+              <a:t>3</a:t>
             </a:fld>
             <a:endParaRPr lang="ru-RU"/>
           </a:p>
@@ -639,7 +634,7 @@
             <a:fld id="{BA8A8B59-8917-444D-81C9-9183FFFD5E18}" type="slidenum">
               <a:rPr lang="ru-RU" smtClean="0"/>
               <a:pPr/>
-              <a:t>5</a:t>
+              <a:t>4</a:t>
             </a:fld>
             <a:endParaRPr lang="ru-RU"/>
           </a:p>
@@ -837,7 +832,7 @@
           <a:p>
             <a:fld id="{C73210D8-0ADD-4144-99DB-36AF6F7F4769}" type="datetime1">
               <a:rPr lang="ru-RU" smtClean="0"/>
-              <a:t>13.12.2017</a:t>
+              <a:t>12.11.2022</a:t>
             </a:fld>
             <a:endParaRPr lang="ru-RU"/>
           </a:p>
@@ -1001,7 +996,7 @@
           <a:p>
             <a:fld id="{27A63F07-4B06-4241-8BF1-A9844368449D}" type="datetime1">
               <a:rPr lang="ru-RU" smtClean="0"/>
-              <a:t>13.12.2017</a:t>
+              <a:t>12.11.2022</a:t>
             </a:fld>
             <a:endParaRPr lang="ru-RU"/>
           </a:p>
@@ -1175,7 +1170,7 @@
           <a:p>
             <a:fld id="{3F8AB66D-523D-4507-8278-3E470C7309EC}" type="datetime1">
               <a:rPr lang="ru-RU" smtClean="0"/>
-              <a:t>13.12.2017</a:t>
+              <a:t>12.11.2022</a:t>
             </a:fld>
             <a:endParaRPr lang="ru-RU"/>
           </a:p>
@@ -1339,7 +1334,7 @@
           <a:p>
             <a:fld id="{0A9BC236-CEED-4B53-84F1-244A32BF83C2}" type="datetime1">
               <a:rPr lang="ru-RU" smtClean="0"/>
-              <a:t>13.12.2017</a:t>
+              <a:t>12.11.2022</a:t>
             </a:fld>
             <a:endParaRPr lang="ru-RU"/>
           </a:p>
@@ -1580,7 +1575,7 @@
           <a:p>
             <a:fld id="{C463DB76-D7B4-49A6-8E2B-EDDC0BDFD794}" type="datetime1">
               <a:rPr lang="ru-RU" smtClean="0"/>
-              <a:t>13.12.2017</a:t>
+              <a:t>12.11.2022</a:t>
             </a:fld>
             <a:endParaRPr lang="ru-RU"/>
           </a:p>
@@ -1861,7 +1856,7 @@
           <a:p>
             <a:fld id="{8EDEA1B5-828D-41D8-B8F3-6BEE18A37870}" type="datetime1">
               <a:rPr lang="ru-RU" smtClean="0"/>
-              <a:t>13.12.2017</a:t>
+              <a:t>12.11.2022</a:t>
             </a:fld>
             <a:endParaRPr lang="ru-RU"/>
           </a:p>
@@ -2276,7 +2271,7 @@
           <a:p>
             <a:fld id="{05792716-711D-42EE-8BD8-AC77A163DBF3}" type="datetime1">
               <a:rPr lang="ru-RU" smtClean="0"/>
-              <a:t>13.12.2017</a:t>
+              <a:t>12.11.2022</a:t>
             </a:fld>
             <a:endParaRPr lang="ru-RU"/>
           </a:p>
@@ -2389,7 +2384,7 @@
           <a:p>
             <a:fld id="{D513BA53-E41C-4416-8973-8825CA91D5D7}" type="datetime1">
               <a:rPr lang="ru-RU" smtClean="0"/>
-              <a:t>13.12.2017</a:t>
+              <a:t>12.11.2022</a:t>
             </a:fld>
             <a:endParaRPr lang="ru-RU"/>
           </a:p>
@@ -2480,7 +2475,7 @@
           <a:p>
             <a:fld id="{50A6215C-0471-40A4-B786-2B3C7B63D11F}" type="datetime1">
               <a:rPr lang="ru-RU" smtClean="0"/>
-              <a:t>13.12.2017</a:t>
+              <a:t>12.11.2022</a:t>
             </a:fld>
             <a:endParaRPr lang="ru-RU"/>
           </a:p>
@@ -2751,7 +2746,7 @@
           <a:p>
             <a:fld id="{F0F66C35-C07B-4696-A226-4295686BDE80}" type="datetime1">
               <a:rPr lang="ru-RU" smtClean="0"/>
-              <a:t>13.12.2017</a:t>
+              <a:t>12.11.2022</a:t>
             </a:fld>
             <a:endParaRPr lang="ru-RU"/>
           </a:p>
@@ -2999,7 +2994,7 @@
           <a:p>
             <a:fld id="{7A03856C-7F4A-4A83-A46C-A5B39F0F2C10}" type="datetime1">
               <a:rPr lang="ru-RU" smtClean="0"/>
-              <a:t>13.12.2017</a:t>
+              <a:t>12.11.2022</a:t>
             </a:fld>
             <a:endParaRPr lang="ru-RU"/>
           </a:p>
@@ -3206,7 +3201,7 @@
           <a:p>
             <a:fld id="{073A2CB4-22C2-44D0-88EC-161B1103081B}" type="datetime1">
               <a:rPr lang="ru-RU" smtClean="0"/>
-              <a:t>13.12.2017</a:t>
+              <a:t>12.11.2022</a:t>
             </a:fld>
             <a:endParaRPr lang="ru-RU"/>
           </a:p>
@@ -3699,13 +3694,7 @@
       </p:grpSpPr>
       <p:sp>
         <p:nvSpPr>
-          <p:cNvPr id="2" name="Заголовок 1">
-            <a:extLst>
-              <a:ext uri="{FF2B5EF4-FFF2-40B4-BE49-F238E27FC236}">
-                <a16:creationId xmlns:a16="http://schemas.microsoft.com/office/drawing/2014/main" id="{C1C82C6F-E6D7-4D87-B253-76CCE80C8DDA}"/>
-              </a:ext>
-            </a:extLst>
-          </p:cNvPr>
+          <p:cNvPr id="2" name="Заголовок 1"/>
           <p:cNvSpPr>
             <a:spLocks noGrp="1"/>
           </p:cNvSpPr>
@@ -3718,19 +3707,16 @@
           <a:bodyPr/>
           <a:lstStyle/>
           <a:p>
-            <a:endParaRPr lang="ru-RU"/>
-          </a:p>
-        </p:txBody>
-      </p:sp>
-      <p:sp>
-        <p:nvSpPr>
-          <p:cNvPr id="3" name="Объект 2">
-            <a:extLst>
-              <a:ext uri="{FF2B5EF4-FFF2-40B4-BE49-F238E27FC236}">
-                <a16:creationId xmlns:a16="http://schemas.microsoft.com/office/drawing/2014/main" id="{A2FD8CBC-28B8-4895-90C4-DAAA0ABA0EFA}"/>
-              </a:ext>
-            </a:extLst>
-          </p:cNvPr>
+            <a:r>
+              <a:rPr lang="ru-RU" dirty="0"/>
+              <a:t>Статические классы</a:t>
+            </a:r>
+          </a:p>
+        </p:txBody>
+      </p:sp>
+      <p:sp>
+        <p:nvSpPr>
+          <p:cNvPr id="3" name="Содержимое 2"/>
           <p:cNvSpPr>
             <a:spLocks noGrp="1"/>
           </p:cNvSpPr>
@@ -3743,72 +3729,76 @@
           <a:bodyPr/>
           <a:lstStyle/>
           <a:p>
-            <a:pPr marL="0" indent="0">
-              <a:buNone/>
-            </a:pPr>
+            <a:r>
+              <a:rPr lang="ru-RU" dirty="0"/>
+              <a:t>Позволяют создавать:</a:t>
+            </a:r>
+          </a:p>
+          <a:p>
+            <a:pPr lvl="1"/>
+            <a:r>
+              <a:rPr lang="ru-RU" dirty="0"/>
+              <a:t>глобальные объекты;</a:t>
+            </a:r>
+          </a:p>
+          <a:p>
+            <a:pPr lvl="1"/>
+            <a:r>
+              <a:rPr lang="ru-RU" dirty="0"/>
+              <a:t>обертки над функциями</a:t>
+            </a:r>
             <a:r>
               <a:rPr lang="en-US" dirty="0"/>
-              <a:t>7 </a:t>
+              <a:t>, </a:t>
             </a:r>
             <a:r>
               <a:rPr lang="ru-RU" dirty="0"/>
-              <a:t>декабря  </a:t>
-            </a:r>
-          </a:p>
-          <a:p>
-            <a:pPr marL="0" indent="0">
-              <a:buNone/>
-            </a:pPr>
+              <a:t>написанными на </a:t>
+            </a:r>
+            <a:r>
+              <a:rPr lang="en-US" dirty="0"/>
+              <a:t>C (</a:t>
+            </a:r>
             <a:r>
               <a:rPr lang="ru-RU" dirty="0"/>
-              <a:t>11:30 – </a:t>
+              <a:t>например, библиотеки </a:t>
             </a:r>
             <a:r>
               <a:rPr lang="en-US" dirty="0"/>
-              <a:t>14:30</a:t>
+              <a:t>Win32 API</a:t>
+            </a:r>
+            <a:r>
+              <a:rPr lang="ru-RU" dirty="0"/>
+              <a:t>) – функции, помеченные атрибутом </a:t>
+            </a:r>
+            <a:r>
+              <a:rPr lang="en-US" dirty="0"/>
+              <a:t>[</a:t>
+            </a:r>
+            <a:r>
+              <a:rPr lang="en-US" dirty="0" err="1"/>
+              <a:t>DllImport</a:t>
+            </a:r>
+            <a:r>
+              <a:rPr lang="en-US" dirty="0"/>
+              <a:t>]</a:t>
             </a:r>
             <a:endParaRPr lang="ru-RU" dirty="0"/>
           </a:p>
           <a:p>
-            <a:pPr marL="0" indent="0">
-              <a:buNone/>
-            </a:pPr>
             <a:r>
               <a:rPr lang="ru-RU" dirty="0"/>
-              <a:t>Ярмарка вакансий</a:t>
-            </a:r>
-            <a:endParaRPr lang="en-US" dirty="0"/>
-          </a:p>
-          <a:p>
-            <a:pPr marL="0" indent="0">
-              <a:buNone/>
-            </a:pPr>
-            <a:r>
-              <a:rPr lang="en-US" dirty="0"/>
-              <a:t>7 </a:t>
-            </a:r>
-            <a:r>
-              <a:rPr lang="ru-RU" dirty="0"/>
-              <a:t>корпус НГТУ (на Немировича Данченко, между обл. больницей и торговым центром), второй этаж</a:t>
-            </a:r>
-          </a:p>
-          <a:p>
-            <a:pPr marL="0" indent="0">
-              <a:buNone/>
-            </a:pPr>
+              <a:t>Статическими могут быть как классы целиком, так и отдельные члены класса</a:t>
+            </a:r>
+          </a:p>
+          <a:p>
             <a:endParaRPr lang="ru-RU" dirty="0"/>
           </a:p>
         </p:txBody>
       </p:sp>
       <p:sp>
         <p:nvSpPr>
-          <p:cNvPr id="4" name="Номер слайда 3">
-            <a:extLst>
-              <a:ext uri="{FF2B5EF4-FFF2-40B4-BE49-F238E27FC236}">
-                <a16:creationId xmlns:a16="http://schemas.microsoft.com/office/drawing/2014/main" id="{211B5ED6-8541-4A7C-ABE1-E9F9E0E10A67}"/>
-              </a:ext>
-            </a:extLst>
-          </p:cNvPr>
+          <p:cNvPr id="4" name="Номер слайда 3"/>
           <p:cNvSpPr>
             <a:spLocks noGrp="1"/>
           </p:cNvSpPr>
@@ -3821,7 +3811,7 @@
           <a:bodyPr/>
           <a:lstStyle/>
           <a:p>
-            <a:fld id="{725C68B6-61C2-468F-89AB-4B9F7531AA68}" type="slidenum">
+            <a:fld id="{194E9D9E-8475-4C3D-B07C-FDD1702DB06B}" type="slidenum">
               <a:rPr lang="ru-RU" smtClean="0"/>
               <a:pPr/>
               <a:t>2</a:t>
@@ -3833,7 +3823,7 @@
     </p:spTree>
     <p:extLst>
       <p:ext uri="{BB962C8B-B14F-4D97-AF65-F5344CB8AC3E}">
-        <p14:creationId xmlns:p14="http://schemas.microsoft.com/office/powerpoint/2010/main" val="1144961153"/>
+        <p14:creationId xmlns:p14="http://schemas.microsoft.com/office/powerpoint/2010/main" val="2598933327"/>
       </p:ext>
     </p:extLst>
   </p:cSld>
@@ -3870,9 +3860,16 @@
             <p:ph type="title"/>
           </p:nvPr>
         </p:nvSpPr>
-        <p:spPr/>
-        <p:txBody>
-          <a:bodyPr/>
+        <p:spPr>
+          <a:xfrm>
+            <a:off x="467544" y="0"/>
+            <a:ext cx="8229600" cy="764704"/>
+          </a:xfrm>
+        </p:spPr>
+        <p:txBody>
+          <a:bodyPr>
+            <a:normAutofit/>
+          </a:bodyPr>
           <a:lstStyle/>
           <a:p>
             <a:r>
@@ -3892,75 +3889,257 @@
             <p:ph idx="1"/>
           </p:nvPr>
         </p:nvSpPr>
-        <p:spPr/>
-        <p:txBody>
-          <a:bodyPr/>
-          <a:lstStyle/>
-          <a:p>
-            <a:r>
-              <a:rPr lang="ru-RU" dirty="0"/>
-              <a:t>Позволяют создавать:</a:t>
-            </a:r>
-          </a:p>
-          <a:p>
-            <a:pPr lvl="1"/>
-            <a:r>
-              <a:rPr lang="ru-RU" dirty="0"/>
-              <a:t>глобальные объекты;</a:t>
-            </a:r>
-          </a:p>
-          <a:p>
-            <a:pPr lvl="1"/>
-            <a:r>
-              <a:rPr lang="ru-RU" dirty="0"/>
-              <a:t>обертки над функциями</a:t>
-            </a:r>
-            <a:r>
-              <a:rPr lang="en-US" dirty="0"/>
+        <p:spPr>
+          <a:xfrm>
+            <a:off x="0" y="764704"/>
+            <a:ext cx="9144000" cy="6093296"/>
+          </a:xfrm>
+        </p:spPr>
+        <p:txBody>
+          <a:bodyPr>
+            <a:normAutofit fontScale="62500" lnSpcReduction="20000"/>
+          </a:bodyPr>
+          <a:lstStyle/>
+          <a:p>
+            <a:pPr>
+              <a:buNone/>
+            </a:pPr>
+            <a:r>
+              <a:rPr lang="en-US" sz="4200" dirty="0"/>
+              <a:t>using System.IO;</a:t>
+            </a:r>
+            <a:endParaRPr lang="ru-RU" sz="4200" dirty="0"/>
+          </a:p>
+          <a:p>
+            <a:pPr>
+              <a:buNone/>
+            </a:pPr>
+            <a:r>
+              <a:rPr lang="en-US" sz="4200" dirty="0"/>
+              <a:t>public static class Log</a:t>
+            </a:r>
+            <a:endParaRPr lang="ru-RU" sz="4200" dirty="0"/>
+          </a:p>
+          <a:p>
+            <a:pPr>
+              <a:buNone/>
+            </a:pPr>
+            <a:r>
+              <a:rPr lang="ru-RU" sz="4200" dirty="0"/>
+              <a:t>{</a:t>
+            </a:r>
+          </a:p>
+          <a:p>
+            <a:pPr>
+              <a:buNone/>
+            </a:pPr>
+            <a:r>
+              <a:rPr lang="ru-RU" sz="4200" dirty="0"/>
+              <a:t>	</a:t>
+            </a:r>
+            <a:r>
+              <a:rPr lang="en-US" sz="4200" dirty="0"/>
+              <a:t> static string  _</a:t>
+            </a:r>
+            <a:r>
+              <a:rPr lang="en-US" sz="4200" dirty="0" err="1"/>
+              <a:t>fileName</a:t>
+            </a:r>
+            <a:r>
+              <a:rPr lang="en-US" sz="4200" dirty="0"/>
+              <a:t> = “mylog.log”;</a:t>
+            </a:r>
+          </a:p>
+          <a:p>
+            <a:pPr>
+              <a:buNone/>
+            </a:pPr>
+            <a:r>
+              <a:rPr lang="en-US" sz="4200" dirty="0"/>
+              <a:t>      static </a:t>
+            </a:r>
+            <a:r>
+              <a:rPr lang="en-US" sz="4200" dirty="0" err="1"/>
+              <a:t>StreamWriter</a:t>
+            </a:r>
+            <a:r>
+              <a:rPr lang="en-US" sz="4200" dirty="0"/>
+              <a:t>   _writer;</a:t>
+            </a:r>
+          </a:p>
+          <a:p>
+            <a:pPr>
+              <a:buNone/>
+            </a:pPr>
+            <a:r>
+              <a:rPr lang="en-US" sz="4200" dirty="0"/>
+              <a:t>	 static int  _eventide = 0;</a:t>
+            </a:r>
+          </a:p>
+          <a:p>
+            <a:pPr>
+              <a:buNone/>
+            </a:pPr>
+            <a:r>
+              <a:rPr lang="en-US" sz="4200" dirty="0"/>
+              <a:t>	 public static void Write( </a:t>
+            </a:r>
+            <a:r>
+              <a:rPr lang="en-US" sz="4200" dirty="0" err="1"/>
+              <a:t>int</a:t>
+            </a:r>
+            <a:r>
+              <a:rPr lang="en-US" sz="4200" dirty="0"/>
+              <a:t> </a:t>
+            </a:r>
+            <a:r>
+              <a:rPr lang="en-US" sz="4200" dirty="0" err="1"/>
+              <a:t>eventType</a:t>
+            </a:r>
+            <a:r>
+              <a:rPr lang="en-US" sz="4200" dirty="0"/>
+              <a:t>, string message ) </a:t>
+            </a:r>
+          </a:p>
+          <a:p>
+            <a:pPr>
+              <a:buNone/>
+            </a:pPr>
+            <a:r>
+              <a:rPr lang="en-US" sz="4200" dirty="0"/>
+              <a:t>       {</a:t>
+            </a:r>
+            <a:endParaRPr lang="ru-RU" sz="4200" dirty="0"/>
+          </a:p>
+          <a:p>
+            <a:pPr>
+              <a:buNone/>
+            </a:pPr>
+            <a:r>
+              <a:rPr lang="ru-RU" sz="4200" dirty="0"/>
+              <a:t>		 </a:t>
+            </a:r>
+            <a:r>
+              <a:rPr lang="en-US" sz="4200" dirty="0"/>
+              <a:t>    </a:t>
+            </a:r>
+            <a:r>
+              <a:rPr lang="en-US" sz="4200" dirty="0" err="1"/>
+              <a:t>writer.WriteLine</a:t>
+            </a:r>
+            <a:r>
+              <a:rPr lang="en-US" sz="4200" dirty="0"/>
+              <a:t>( “{0,20} {1,5},{2,5}, {3,50}", </a:t>
+            </a:r>
+          </a:p>
+          <a:p>
+            <a:pPr>
+              <a:buNone/>
+            </a:pPr>
+            <a:r>
+              <a:rPr lang="en-US" sz="4200" dirty="0"/>
+              <a:t>		     </a:t>
+            </a:r>
+            <a:r>
+              <a:rPr lang="en-US" sz="4200" dirty="0" err="1"/>
+              <a:t>DateTime.Now</a:t>
+            </a:r>
+            <a:r>
+              <a:rPr lang="en-US" sz="4200" dirty="0"/>
+              <a:t>, _</a:t>
+            </a:r>
+            <a:r>
+              <a:rPr lang="en-US" sz="4200" dirty="0" err="1"/>
+              <a:t>eventId</a:t>
+            </a:r>
+            <a:r>
+              <a:rPr lang="en-US" sz="4200" dirty="0"/>
               <a:t>, </a:t>
             </a:r>
             <a:r>
-              <a:rPr lang="ru-RU" dirty="0"/>
-              <a:t>написанными на </a:t>
-            </a:r>
-            <a:r>
-              <a:rPr lang="en-US" dirty="0"/>
-              <a:t>C (</a:t>
-            </a:r>
-            <a:r>
-              <a:rPr lang="ru-RU" dirty="0"/>
-              <a:t>например, библиотеки </a:t>
-            </a:r>
-            <a:r>
-              <a:rPr lang="en-US" dirty="0"/>
-              <a:t>Win32 API</a:t>
-            </a:r>
-            <a:r>
-              <a:rPr lang="ru-RU" dirty="0"/>
-              <a:t>) – функции, помеченные атрибутом </a:t>
-            </a:r>
-            <a:r>
-              <a:rPr lang="en-US" dirty="0"/>
-              <a:t>[</a:t>
-            </a:r>
-            <a:r>
-              <a:rPr lang="en-US" dirty="0" err="1"/>
-              <a:t>DllImport</a:t>
-            </a:r>
-            <a:r>
-              <a:rPr lang="en-US" dirty="0"/>
-              <a:t>]</a:t>
-            </a:r>
-            <a:endParaRPr lang="ru-RU" dirty="0"/>
-          </a:p>
-          <a:p>
-            <a:r>
-              <a:rPr lang="ru-RU" dirty="0"/>
-              <a:t>Статическими могут быть как классы целиком, так и отдельные члены класса</a:t>
-            </a:r>
-          </a:p>
-          <a:p>
-            <a:endParaRPr lang="ru-RU" dirty="0"/>
+              <a:rPr lang="en-US" sz="4200" dirty="0" err="1"/>
+              <a:t>eventType</a:t>
+            </a:r>
+            <a:r>
+              <a:rPr lang="en-US" sz="4200" dirty="0"/>
+              <a:t>, message );</a:t>
+            </a:r>
+          </a:p>
+          <a:p>
+            <a:pPr>
+              <a:buNone/>
+            </a:pPr>
+            <a:r>
+              <a:rPr lang="en-US" sz="4200" dirty="0"/>
+              <a:t>          	     </a:t>
+            </a:r>
+            <a:r>
+              <a:rPr lang="en-US" sz="4200" dirty="0" err="1"/>
+              <a:t>writer.Flush</a:t>
+            </a:r>
+            <a:r>
+              <a:rPr lang="en-US" sz="4200" dirty="0"/>
+              <a:t>( );</a:t>
+            </a:r>
+            <a:r>
+              <a:rPr lang="ru-RU" sz="4200" dirty="0"/>
+              <a:t> </a:t>
+            </a:r>
+            <a:endParaRPr lang="en-US" sz="4200" dirty="0"/>
+          </a:p>
+          <a:p>
+            <a:pPr>
+              <a:buNone/>
+            </a:pPr>
+            <a:r>
+              <a:rPr lang="en-US" sz="4200" dirty="0"/>
+              <a:t>		</a:t>
+            </a:r>
+            <a:r>
+              <a:rPr lang="ru-RU" sz="4200" dirty="0"/>
+              <a:t>     </a:t>
+            </a:r>
+            <a:r>
+              <a:rPr lang="en-US" sz="4200" dirty="0" err="1"/>
+              <a:t>eventId</a:t>
+            </a:r>
+            <a:r>
+              <a:rPr lang="ru-RU" sz="4200" dirty="0"/>
+              <a:t>++</a:t>
+            </a:r>
+            <a:r>
+              <a:rPr lang="en-US" sz="4200" dirty="0"/>
+              <a:t>;        </a:t>
+            </a:r>
+          </a:p>
+          <a:p>
+            <a:pPr>
+              <a:buNone/>
+            </a:pPr>
+            <a:r>
+              <a:rPr lang="en-US" sz="4200" dirty="0"/>
+              <a:t>	}</a:t>
+            </a:r>
+            <a:endParaRPr lang="ru-RU" sz="4200" dirty="0"/>
+          </a:p>
+          <a:p>
+            <a:pPr>
+              <a:buNone/>
+            </a:pPr>
+            <a:r>
+              <a:rPr lang="en-US" sz="4200" dirty="0"/>
+              <a:t>}</a:t>
+            </a:r>
+          </a:p>
+          <a:p>
+            <a:pPr>
+              <a:buNone/>
+            </a:pPr>
+            <a:r>
+              <a:rPr lang="ru-RU" sz="4200" dirty="0"/>
+              <a:t>В каких случаях, данный код не будет работать корректно?</a:t>
+            </a:r>
+            <a:endParaRPr lang="en-US" sz="4200" dirty="0"/>
           </a:p>
         </p:txBody>
       </p:sp>
@@ -3984,14 +4163,14 @@
               <a:pPr/>
               <a:t>3</a:t>
             </a:fld>
-            <a:endParaRPr lang="ru-RU"/>
+            <a:endParaRPr lang="ru-RU" dirty="0"/>
           </a:p>
         </p:txBody>
       </p:sp>
     </p:spTree>
     <p:extLst>
       <p:ext uri="{BB962C8B-B14F-4D97-AF65-F5344CB8AC3E}">
-        <p14:creationId xmlns:p14="http://schemas.microsoft.com/office/powerpoint/2010/main" val="2598933327"/>
+        <p14:creationId xmlns:p14="http://schemas.microsoft.com/office/powerpoint/2010/main" val="4258497918"/>
       </p:ext>
     </p:extLst>
   </p:cSld>
@@ -4065,7 +4244,7 @@
         </p:spPr>
         <p:txBody>
           <a:bodyPr>
-            <a:normAutofit fontScale="62500" lnSpcReduction="20000"/>
+            <a:normAutofit fontScale="55000" lnSpcReduction="20000"/>
           </a:bodyPr>
           <a:lstStyle/>
           <a:p>
@@ -4141,7 +4320,23 @@
             </a:pPr>
             <a:r>
               <a:rPr lang="en-US" sz="4200" dirty="0"/>
-              <a:t>	 static int  _eventide = 0;</a:t>
+              <a:t>	 static </a:t>
+            </a:r>
+            <a:r>
+              <a:rPr lang="en-US" sz="4200" dirty="0" err="1"/>
+              <a:t>int</a:t>
+            </a:r>
+            <a:r>
+              <a:rPr lang="en-US" sz="4200" dirty="0"/>
+              <a:t>  _</a:t>
+            </a:r>
+            <a:r>
+              <a:rPr lang="en-US" sz="4200" dirty="0" err="1"/>
+              <a:t>eventId</a:t>
+            </a:r>
+            <a:r>
+              <a:rPr lang="en-US" sz="4200" dirty="0"/>
+              <a:t>;</a:t>
             </a:r>
           </a:p>
           <a:p>
@@ -4185,11 +4380,29 @@
             </a:pPr>
             <a:r>
               <a:rPr lang="ru-RU" sz="4200" dirty="0"/>
-              <a:t>		 </a:t>
+              <a:t>		</a:t>
             </a:r>
             <a:r>
               <a:rPr lang="en-US" sz="4200" dirty="0"/>
-              <a:t>    </a:t>
+              <a:t>lock( _writer) </a:t>
+            </a:r>
+          </a:p>
+          <a:p>
+            <a:pPr>
+              <a:buNone/>
+            </a:pPr>
+            <a:r>
+              <a:rPr lang="en-US" sz="4200" dirty="0"/>
+              <a:t>		{</a:t>
+            </a:r>
+          </a:p>
+          <a:p>
+            <a:pPr>
+              <a:buNone/>
+            </a:pPr>
+            <a:r>
+              <a:rPr lang="en-US" sz="4200" dirty="0"/>
+              <a:t>		     </a:t>
             </a:r>
             <a:r>
               <a:rPr lang="en-US" sz="4200" dirty="0" err="1"/>
@@ -4261,23 +4474,32 @@
             </a:pPr>
             <a:r>
               <a:rPr lang="en-US" sz="4200" dirty="0"/>
-              <a:t>		</a:t>
-            </a:r>
-            <a:r>
-              <a:rPr lang="ru-RU" sz="4200" dirty="0"/>
-              <a:t>     </a:t>
+              <a:t>		}	</a:t>
+            </a:r>
+          </a:p>
+          <a:p>
+            <a:pPr>
+              <a:buNone/>
+            </a:pPr>
+            <a:r>
+              <a:rPr lang="en-US" sz="4200" dirty="0"/>
+              <a:t>              </a:t>
+            </a:r>
+            <a:r>
+              <a:rPr lang="en-US" sz="4200" dirty="0" err="1"/>
+              <a:t>Interlocked.Increment</a:t>
+            </a:r>
+            <a:r>
+              <a:rPr lang="en-US" sz="4200" dirty="0"/>
+              <a:t>( ref </a:t>
             </a:r>
             <a:r>
               <a:rPr lang="en-US" sz="4200" dirty="0" err="1"/>
               <a:t>eventId</a:t>
             </a:r>
             <a:r>
-              <a:rPr lang="ru-RU" sz="4200" dirty="0"/>
-              <a:t>++</a:t>
-            </a:r>
-            <a:r>
               <a:rPr lang="en-US" sz="4200" dirty="0"/>
-              <a:t>;        </a:t>
+              <a:t> );        </a:t>
             </a:r>
           </a:p>
           <a:p>
@@ -4288,26 +4510,6 @@
               <a:rPr lang="en-US" sz="4200" dirty="0"/>
               <a:t>	}</a:t>
             </a:r>
-            <a:endParaRPr lang="ru-RU" sz="4200" dirty="0"/>
-          </a:p>
-          <a:p>
-            <a:pPr>
-              <a:buNone/>
-            </a:pPr>
-            <a:r>
-              <a:rPr lang="en-US" sz="4200" dirty="0"/>
-              <a:t>}</a:t>
-            </a:r>
-          </a:p>
-          <a:p>
-            <a:pPr>
-              <a:buNone/>
-            </a:pPr>
-            <a:r>
-              <a:rPr lang="ru-RU" sz="4200" dirty="0"/>
-              <a:t>В каких случаях, данный код не будет работать корректно?</a:t>
-            </a:r>
-            <a:endParaRPr lang="en-US" sz="4200" dirty="0"/>
           </a:p>
         </p:txBody>
       </p:sp>
@@ -4331,14 +4533,14 @@
               <a:pPr/>
               <a:t>4</a:t>
             </a:fld>
-            <a:endParaRPr lang="ru-RU" dirty="0"/>
+            <a:endParaRPr lang="ru-RU"/>
           </a:p>
         </p:txBody>
       </p:sp>
     </p:spTree>
     <p:extLst>
       <p:ext uri="{BB962C8B-B14F-4D97-AF65-F5344CB8AC3E}">
-        <p14:creationId xmlns:p14="http://schemas.microsoft.com/office/powerpoint/2010/main" val="4258497918"/>
+        <p14:creationId xmlns:p14="http://schemas.microsoft.com/office/powerpoint/2010/main" val="2321678846"/>
       </p:ext>
     </p:extLst>
   </p:cSld>
@@ -4378,305 +4580,16 @@
         <p:spPr>
           <a:xfrm>
             <a:off x="467544" y="0"/>
-            <a:ext cx="8229600" cy="764704"/>
+            <a:ext cx="8229600" cy="1143000"/>
           </a:xfrm>
         </p:spPr>
         <p:txBody>
-          <a:bodyPr>
-            <a:normAutofit/>
-          </a:bodyPr>
+          <a:bodyPr/>
           <a:lstStyle/>
           <a:p>
             <a:r>
               <a:rPr lang="ru-RU" dirty="0"/>
               <a:t>Статические классы</a:t>
-            </a:r>
-          </a:p>
-        </p:txBody>
-      </p:sp>
-      <p:sp>
-        <p:nvSpPr>
-          <p:cNvPr id="3" name="Содержимое 2"/>
-          <p:cNvSpPr>
-            <a:spLocks noGrp="1"/>
-          </p:cNvSpPr>
-          <p:nvPr>
-            <p:ph idx="1"/>
-          </p:nvPr>
-        </p:nvSpPr>
-        <p:spPr>
-          <a:xfrm>
-            <a:off x="0" y="764704"/>
-            <a:ext cx="9144000" cy="6093296"/>
-          </a:xfrm>
-        </p:spPr>
-        <p:txBody>
-          <a:bodyPr>
-            <a:normAutofit fontScale="55000" lnSpcReduction="20000"/>
-          </a:bodyPr>
-          <a:lstStyle/>
-          <a:p>
-            <a:pPr>
-              <a:buNone/>
-            </a:pPr>
-            <a:r>
-              <a:rPr lang="en-US" sz="4200" dirty="0"/>
-              <a:t>using System.IO;</a:t>
-            </a:r>
-            <a:endParaRPr lang="ru-RU" sz="4200" dirty="0"/>
-          </a:p>
-          <a:p>
-            <a:pPr>
-              <a:buNone/>
-            </a:pPr>
-            <a:r>
-              <a:rPr lang="en-US" sz="4200" dirty="0"/>
-              <a:t>public static class Log</a:t>
-            </a:r>
-            <a:endParaRPr lang="ru-RU" sz="4200" dirty="0"/>
-          </a:p>
-          <a:p>
-            <a:pPr>
-              <a:buNone/>
-            </a:pPr>
-            <a:r>
-              <a:rPr lang="ru-RU" sz="4200" dirty="0"/>
-              <a:t>{</a:t>
-            </a:r>
-          </a:p>
-          <a:p>
-            <a:pPr>
-              <a:buNone/>
-            </a:pPr>
-            <a:r>
-              <a:rPr lang="ru-RU" sz="4200" dirty="0"/>
-              <a:t>	</a:t>
-            </a:r>
-            <a:r>
-              <a:rPr lang="en-US" sz="4200" dirty="0"/>
-              <a:t> static string  _</a:t>
-            </a:r>
-            <a:r>
-              <a:rPr lang="en-US" sz="4200" dirty="0" err="1"/>
-              <a:t>fileName</a:t>
-            </a:r>
-            <a:r>
-              <a:rPr lang="en-US" sz="4200" dirty="0"/>
-              <a:t> = “mylog.log”;</a:t>
-            </a:r>
-          </a:p>
-          <a:p>
-            <a:pPr>
-              <a:buNone/>
-            </a:pPr>
-            <a:r>
-              <a:rPr lang="en-US" sz="4200" dirty="0"/>
-              <a:t>      static </a:t>
-            </a:r>
-            <a:r>
-              <a:rPr lang="en-US" sz="4200" dirty="0" err="1"/>
-              <a:t>StreamWriter</a:t>
-            </a:r>
-            <a:r>
-              <a:rPr lang="en-US" sz="4200" dirty="0"/>
-              <a:t>   _writer;</a:t>
-            </a:r>
-          </a:p>
-          <a:p>
-            <a:pPr>
-              <a:buNone/>
-            </a:pPr>
-            <a:r>
-              <a:rPr lang="en-US" sz="4200" dirty="0"/>
-              <a:t>	 static </a:t>
-            </a:r>
-            <a:r>
-              <a:rPr lang="en-US" sz="4200" dirty="0" err="1"/>
-              <a:t>int</a:t>
-            </a:r>
-            <a:r>
-              <a:rPr lang="en-US" sz="4200" dirty="0"/>
-              <a:t>  _</a:t>
-            </a:r>
-            <a:r>
-              <a:rPr lang="en-US" sz="4200" dirty="0" err="1"/>
-              <a:t>eventId</a:t>
-            </a:r>
-            <a:r>
-              <a:rPr lang="en-US" sz="4200" dirty="0"/>
-              <a:t>;</a:t>
-            </a:r>
-          </a:p>
-          <a:p>
-            <a:pPr>
-              <a:buNone/>
-            </a:pPr>
-            <a:r>
-              <a:rPr lang="en-US" sz="4200" dirty="0"/>
-              <a:t>	 public static void Write( </a:t>
-            </a:r>
-            <a:r>
-              <a:rPr lang="en-US" sz="4200" dirty="0" err="1"/>
-              <a:t>int</a:t>
-            </a:r>
-            <a:r>
-              <a:rPr lang="en-US" sz="4200" dirty="0"/>
-              <a:t> </a:t>
-            </a:r>
-            <a:r>
-              <a:rPr lang="en-US" sz="4200" dirty="0" err="1"/>
-              <a:t>eventType</a:t>
-            </a:r>
-            <a:r>
-              <a:rPr lang="en-US" sz="4200" dirty="0"/>
-              <a:t>, string message ) </a:t>
-            </a:r>
-          </a:p>
-          <a:p>
-            <a:pPr>
-              <a:buNone/>
-            </a:pPr>
-            <a:r>
-              <a:rPr lang="en-US" sz="4200" dirty="0"/>
-              <a:t>       {</a:t>
-            </a:r>
-            <a:endParaRPr lang="ru-RU" sz="4200" dirty="0"/>
-          </a:p>
-          <a:p>
-            <a:pPr>
-              <a:buNone/>
-            </a:pPr>
-            <a:r>
-              <a:rPr lang="ru-RU" sz="4200" dirty="0"/>
-              <a:t>		</a:t>
-            </a:r>
-            <a:r>
-              <a:rPr lang="en-US" sz="4200" dirty="0"/>
-              <a:t>lock( _writer) </a:t>
-            </a:r>
-          </a:p>
-          <a:p>
-            <a:pPr>
-              <a:buNone/>
-            </a:pPr>
-            <a:r>
-              <a:rPr lang="en-US" sz="4200" dirty="0"/>
-              <a:t>		{</a:t>
-            </a:r>
-          </a:p>
-          <a:p>
-            <a:pPr>
-              <a:buNone/>
-            </a:pPr>
-            <a:r>
-              <a:rPr lang="en-US" sz="4200" dirty="0"/>
-              <a:t>		     </a:t>
-            </a:r>
-            <a:r>
-              <a:rPr lang="en-US" sz="4200" dirty="0" err="1"/>
-              <a:t>writer.WriteLine</a:t>
-            </a:r>
-            <a:r>
-              <a:rPr lang="en-US" sz="4200" dirty="0"/>
-              <a:t>( “{0,20} {1,5},{2,5}, {3,50}", </a:t>
-            </a:r>
-          </a:p>
-          <a:p>
-            <a:pPr>
-              <a:buNone/>
-            </a:pPr>
-            <a:r>
-              <a:rPr lang="en-US" sz="4200" dirty="0"/>
-              <a:t>		     </a:t>
-            </a:r>
-            <a:r>
-              <a:rPr lang="en-US" sz="4200" dirty="0" err="1"/>
-              <a:t>DateTime.Now</a:t>
-            </a:r>
-            <a:r>
-              <a:rPr lang="en-US" sz="4200" dirty="0"/>
-              <a:t>, _</a:t>
-            </a:r>
-            <a:r>
-              <a:rPr lang="en-US" sz="4200" dirty="0" err="1"/>
-              <a:t>eventId</a:t>
-            </a:r>
-            <a:r>
-              <a:rPr lang="en-US" sz="4200" dirty="0"/>
-              <a:t>, </a:t>
-            </a:r>
-            <a:r>
-              <a:rPr lang="en-US" sz="4200" dirty="0" err="1"/>
-              <a:t>eventType</a:t>
-            </a:r>
-            <a:r>
-              <a:rPr lang="en-US" sz="4200" dirty="0"/>
-              <a:t>, message );</a:t>
-            </a:r>
-          </a:p>
-          <a:p>
-            <a:pPr>
-              <a:buNone/>
-            </a:pPr>
-            <a:r>
-              <a:rPr lang="en-US" sz="4200" dirty="0"/>
-              <a:t>          	     </a:t>
-            </a:r>
-            <a:r>
-              <a:rPr lang="en-US" sz="4200" dirty="0" err="1"/>
-              <a:t>writer.Flush</a:t>
-            </a:r>
-            <a:r>
-              <a:rPr lang="en-US" sz="4200" dirty="0"/>
-              <a:t>( );</a:t>
-            </a:r>
-            <a:r>
-              <a:rPr lang="ru-RU" sz="4200" dirty="0"/>
-              <a:t> </a:t>
-            </a:r>
-            <a:endParaRPr lang="en-US" sz="4200" dirty="0"/>
-          </a:p>
-          <a:p>
-            <a:pPr>
-              <a:buNone/>
-            </a:pPr>
-            <a:r>
-              <a:rPr lang="en-US" sz="4200" dirty="0"/>
-              <a:t>		}	</a:t>
-            </a:r>
-          </a:p>
-          <a:p>
-            <a:pPr>
-              <a:buNone/>
-            </a:pPr>
-            <a:r>
-              <a:rPr lang="en-US" sz="4200" dirty="0"/>
-              <a:t>              </a:t>
-            </a:r>
-            <a:r>
-              <a:rPr lang="en-US" sz="4200" dirty="0" err="1"/>
-              <a:t>Interlocked.Increment</a:t>
-            </a:r>
-            <a:r>
-              <a:rPr lang="en-US" sz="4200" dirty="0"/>
-              <a:t>( ref </a:t>
-            </a:r>
-            <a:r>
-              <a:rPr lang="en-US" sz="4200" dirty="0" err="1"/>
-              <a:t>eventId</a:t>
-            </a:r>
-            <a:r>
-              <a:rPr lang="en-US" sz="4200" dirty="0"/>
-              <a:t> );        </a:t>
-            </a:r>
-          </a:p>
-          <a:p>
-            <a:pPr>
-              <a:buNone/>
-            </a:pPr>
-            <a:r>
-              <a:rPr lang="en-US" sz="4200" dirty="0"/>
-              <a:t>	}</a:t>
             </a:r>
           </a:p>
         </p:txBody>
@@ -4705,10 +4618,165 @@
           </a:p>
         </p:txBody>
       </p:sp>
+      <p:sp>
+        <p:nvSpPr>
+          <p:cNvPr id="5" name="Содержимое 2"/>
+          <p:cNvSpPr>
+            <a:spLocks noGrp="1"/>
+          </p:cNvSpPr>
+          <p:nvPr>
+            <p:ph idx="1"/>
+          </p:nvPr>
+        </p:nvSpPr>
+        <p:spPr>
+          <a:xfrm>
+            <a:off x="179512" y="1052736"/>
+            <a:ext cx="8784976" cy="5805264"/>
+          </a:xfrm>
+        </p:spPr>
+        <p:txBody>
+          <a:bodyPr>
+            <a:normAutofit/>
+          </a:bodyPr>
+          <a:lstStyle/>
+          <a:p>
+            <a:r>
+              <a:rPr lang="ru-RU" dirty="0"/>
+              <a:t>Предусмотрен статический конструктор класса по умолчанию</a:t>
+            </a:r>
+          </a:p>
+          <a:p>
+            <a:r>
+              <a:rPr lang="ru-RU" dirty="0"/>
+              <a:t>Вызывается при загрузке сборки, ошибки в нем могут привести к «поломке» приложения</a:t>
+            </a:r>
+            <a:endParaRPr lang="en-US" dirty="0"/>
+          </a:p>
+          <a:p>
+            <a:pPr>
+              <a:buNone/>
+            </a:pPr>
+            <a:r>
+              <a:rPr lang="en-US" sz="2600" dirty="0"/>
+              <a:t>static Log()</a:t>
+            </a:r>
+          </a:p>
+          <a:p>
+            <a:pPr>
+              <a:buNone/>
+            </a:pPr>
+            <a:r>
+              <a:rPr lang="en-US" sz="2600" dirty="0"/>
+              <a:t>{</a:t>
+            </a:r>
+          </a:p>
+          <a:p>
+            <a:pPr>
+              <a:buNone/>
+            </a:pPr>
+            <a:r>
+              <a:rPr lang="en-US" sz="2600" dirty="0"/>
+              <a:t>     _ writer = new </a:t>
+            </a:r>
+            <a:r>
+              <a:rPr lang="en-US" sz="2600" dirty="0" err="1"/>
+              <a:t>System.IO.StreamWriter</a:t>
+            </a:r>
+            <a:r>
+              <a:rPr lang="en-US" sz="2600" dirty="0"/>
+              <a:t>( _</a:t>
+            </a:r>
+            <a:r>
+              <a:rPr lang="en-US" sz="2600" dirty="0" err="1"/>
+              <a:t>fileName</a:t>
+            </a:r>
+            <a:r>
+              <a:rPr lang="en-US" sz="2600" dirty="0"/>
+              <a:t> );</a:t>
+            </a:r>
+          </a:p>
+          <a:p>
+            <a:pPr>
+              <a:buNone/>
+            </a:pPr>
+            <a:r>
+              <a:rPr lang="en-US" sz="2600" dirty="0"/>
+              <a:t> </a:t>
+            </a:r>
+            <a:r>
+              <a:rPr lang="ru-RU" sz="2600" dirty="0"/>
+              <a:t>	_</a:t>
+            </a:r>
+            <a:r>
+              <a:rPr lang="en-US" sz="2600" dirty="0" err="1"/>
+              <a:t>writer.WriteLine</a:t>
+            </a:r>
+            <a:r>
+              <a:rPr lang="en-US" sz="2600" dirty="0"/>
+              <a:t>( “{0,20} {1,5},{2,5}, {3,50}", </a:t>
+            </a:r>
+          </a:p>
+          <a:p>
+            <a:pPr>
+              <a:buNone/>
+            </a:pPr>
+            <a:r>
+              <a:rPr lang="en-US" sz="2600" dirty="0"/>
+              <a:t>				</a:t>
+            </a:r>
+            <a:r>
+              <a:rPr lang="ru-RU" sz="2600" dirty="0"/>
+              <a:t>Дата</a:t>
+            </a:r>
+            <a:r>
+              <a:rPr lang="en-US" sz="2600" dirty="0"/>
+              <a:t>, </a:t>
+            </a:r>
+            <a:r>
+              <a:rPr lang="ru-RU" sz="2600" dirty="0"/>
+              <a:t>№</a:t>
+            </a:r>
+            <a:r>
+              <a:rPr lang="en-US" sz="2600" dirty="0"/>
+              <a:t>, </a:t>
+            </a:r>
+            <a:r>
+              <a:rPr lang="ru-RU" sz="2600" dirty="0"/>
+              <a:t>Тип</a:t>
+            </a:r>
+            <a:r>
+              <a:rPr lang="en-US" sz="2600" dirty="0"/>
+              <a:t>, </a:t>
+            </a:r>
+            <a:r>
+              <a:rPr lang="ru-RU" sz="2600" dirty="0"/>
+              <a:t>Сообщение</a:t>
+            </a:r>
+            <a:r>
+              <a:rPr lang="en-US" sz="2600" dirty="0"/>
+              <a:t>);</a:t>
+            </a:r>
+            <a:r>
+              <a:rPr lang="ru-RU" sz="2600" dirty="0"/>
+              <a:t>	</a:t>
+            </a:r>
+          </a:p>
+          <a:p>
+            <a:pPr>
+              <a:buNone/>
+            </a:pPr>
+            <a:r>
+              <a:rPr lang="en-US" sz="2600" dirty="0"/>
+              <a:t>}</a:t>
+            </a:r>
+            <a:endParaRPr lang="ru-RU" sz="2600" dirty="0"/>
+          </a:p>
+        </p:txBody>
+      </p:sp>
     </p:spTree>
     <p:extLst>
       <p:ext uri="{BB962C8B-B14F-4D97-AF65-F5344CB8AC3E}">
-        <p14:creationId xmlns:p14="http://schemas.microsoft.com/office/powerpoint/2010/main" val="2321678846"/>
+        <p14:creationId xmlns:p14="http://schemas.microsoft.com/office/powerpoint/2010/main" val="3126089312"/>
       </p:ext>
     </p:extLst>
   </p:cSld>
@@ -4748,7 +4816,7 @@
         <p:spPr>
           <a:xfrm>
             <a:off x="467544" y="0"/>
-            <a:ext cx="8229600" cy="1143000"/>
+            <a:ext cx="8229600" cy="778098"/>
           </a:xfrm>
         </p:spPr>
         <p:txBody>
@@ -4757,8 +4825,110 @@
           <a:p>
             <a:r>
               <a:rPr lang="ru-RU" dirty="0"/>
-              <a:t>Статические классы</a:t>
-            </a:r>
+              <a:t>Перегрузка операторов</a:t>
+            </a:r>
+          </a:p>
+        </p:txBody>
+      </p:sp>
+      <p:sp>
+        <p:nvSpPr>
+          <p:cNvPr id="3" name="Содержимое 2"/>
+          <p:cNvSpPr>
+            <a:spLocks noGrp="1"/>
+          </p:cNvSpPr>
+          <p:nvPr>
+            <p:ph idx="1"/>
+          </p:nvPr>
+        </p:nvSpPr>
+        <p:spPr>
+          <a:xfrm>
+            <a:off x="0" y="908720"/>
+            <a:ext cx="9144000" cy="5949280"/>
+          </a:xfrm>
+        </p:spPr>
+        <p:txBody>
+          <a:bodyPr>
+            <a:normAutofit fontScale="85000" lnSpcReduction="20000"/>
+          </a:bodyPr>
+          <a:lstStyle/>
+          <a:p>
+            <a:r>
+              <a:rPr lang="ru-RU" b="1" dirty="0"/>
+              <a:t>перегрузка оператора</a:t>
+            </a:r>
+            <a:r>
+              <a:rPr lang="ru-RU" dirty="0"/>
+              <a:t> - это реализация своего собственного функционала этого оператора для конкретного класса.</a:t>
+            </a:r>
+          </a:p>
+          <a:p>
+            <a:r>
+              <a:rPr lang="ru-RU" dirty="0"/>
+              <a:t>Оператор по сути - обычная функция с более удобным для пользователя синтаксисом</a:t>
+            </a:r>
+          </a:p>
+          <a:p>
+            <a:r>
+              <a:rPr lang="ru-RU" dirty="0"/>
+              <a:t>Можно перегружать:</a:t>
+            </a:r>
+          </a:p>
+          <a:p>
+            <a:pPr lvl="1"/>
+            <a:r>
+              <a:rPr lang="ru-RU" dirty="0"/>
+              <a:t>Унарные операторы: +, -, !, ++, —, </a:t>
+            </a:r>
+            <a:r>
+              <a:rPr lang="ru-RU" dirty="0" err="1"/>
+              <a:t>true</a:t>
+            </a:r>
+            <a:r>
+              <a:rPr lang="ru-RU" dirty="0"/>
+              <a:t>, </a:t>
+            </a:r>
+            <a:r>
+              <a:rPr lang="ru-RU" dirty="0" err="1"/>
+              <a:t>false</a:t>
+            </a:r>
+            <a:br>
+              <a:rPr lang="ru-RU" dirty="0"/>
+            </a:br>
+            <a:r>
+              <a:rPr lang="ru-RU" dirty="0"/>
+              <a:t>Бинарные операторы: +, -, *, /, %, &amp;, |, ^, &lt;&lt;, &gt;&gt;, ==, !=, &lt;, &gt;, &lt;=, &gt;=</a:t>
+            </a:r>
+          </a:p>
+          <a:p>
+            <a:r>
+              <a:rPr lang="ru-RU" dirty="0"/>
+              <a:t>Нельзя перегружать:</a:t>
+            </a:r>
+          </a:p>
+          <a:p>
+            <a:pPr lvl="1"/>
+            <a:r>
+              <a:rPr lang="ru-RU" dirty="0"/>
+              <a:t>[] – функционал этого оператора предоставляют индексаторы</a:t>
+            </a:r>
+            <a:br>
+              <a:rPr lang="ru-RU" dirty="0"/>
+            </a:br>
+            <a:r>
+              <a:rPr lang="ru-RU" dirty="0"/>
+              <a:t>() – функционал этого оператора предоставляют методы преобразования типов</a:t>
+            </a:r>
+            <a:br>
+              <a:rPr lang="ru-RU" dirty="0"/>
+            </a:br>
+            <a:r>
+              <a:rPr lang="ru-RU" dirty="0"/>
+              <a:t>+=, -=, *=, /=, %=, &amp;=, |=, ^=, &lt;&lt;=, &gt;&gt;= краткие формы оператора присваивания будут автоматически доступны при перегрузке соответствующих операторов (+, -, * …).</a:t>
+            </a:r>
+            <a:br>
+              <a:rPr lang="ru-RU" dirty="0"/>
+            </a:br>
+            <a:endParaRPr lang="ru-RU" dirty="0"/>
           </a:p>
         </p:txBody>
       </p:sp>
@@ -4786,165 +4956,10 @@
           </a:p>
         </p:txBody>
       </p:sp>
-      <p:sp>
-        <p:nvSpPr>
-          <p:cNvPr id="5" name="Содержимое 2"/>
-          <p:cNvSpPr>
-            <a:spLocks noGrp="1"/>
-          </p:cNvSpPr>
-          <p:nvPr>
-            <p:ph idx="1"/>
-          </p:nvPr>
-        </p:nvSpPr>
-        <p:spPr>
-          <a:xfrm>
-            <a:off x="179512" y="1052736"/>
-            <a:ext cx="8784976" cy="5805264"/>
-          </a:xfrm>
-        </p:spPr>
-        <p:txBody>
-          <a:bodyPr>
-            <a:normAutofit/>
-          </a:bodyPr>
-          <a:lstStyle/>
-          <a:p>
-            <a:r>
-              <a:rPr lang="ru-RU" dirty="0"/>
-              <a:t>Предусмотрен статический конструктор класса по умолчанию</a:t>
-            </a:r>
-          </a:p>
-          <a:p>
-            <a:r>
-              <a:rPr lang="ru-RU" dirty="0"/>
-              <a:t>Вызывается при загрузке сборки, ошибки в нем могут привести к «поломке» приложения</a:t>
-            </a:r>
-            <a:endParaRPr lang="en-US" dirty="0"/>
-          </a:p>
-          <a:p>
-            <a:pPr>
-              <a:buNone/>
-            </a:pPr>
-            <a:r>
-              <a:rPr lang="en-US" sz="2600" dirty="0"/>
-              <a:t>static Log()</a:t>
-            </a:r>
-          </a:p>
-          <a:p>
-            <a:pPr>
-              <a:buNone/>
-            </a:pPr>
-            <a:r>
-              <a:rPr lang="en-US" sz="2600" dirty="0"/>
-              <a:t>{</a:t>
-            </a:r>
-          </a:p>
-          <a:p>
-            <a:pPr>
-              <a:buNone/>
-            </a:pPr>
-            <a:r>
-              <a:rPr lang="en-US" sz="2600" dirty="0"/>
-              <a:t>     _ writer = new </a:t>
-            </a:r>
-            <a:r>
-              <a:rPr lang="en-US" sz="2600" dirty="0" err="1"/>
-              <a:t>System.IO.StreamWriter</a:t>
-            </a:r>
-            <a:r>
-              <a:rPr lang="en-US" sz="2600" dirty="0"/>
-              <a:t>( _</a:t>
-            </a:r>
-            <a:r>
-              <a:rPr lang="en-US" sz="2600" dirty="0" err="1"/>
-              <a:t>fileName</a:t>
-            </a:r>
-            <a:r>
-              <a:rPr lang="en-US" sz="2600" dirty="0"/>
-              <a:t> );</a:t>
-            </a:r>
-          </a:p>
-          <a:p>
-            <a:pPr>
-              <a:buNone/>
-            </a:pPr>
-            <a:r>
-              <a:rPr lang="en-US" sz="2600" dirty="0"/>
-              <a:t> </a:t>
-            </a:r>
-            <a:r>
-              <a:rPr lang="ru-RU" sz="2600" dirty="0"/>
-              <a:t>	_</a:t>
-            </a:r>
-            <a:r>
-              <a:rPr lang="en-US" sz="2600" dirty="0" err="1"/>
-              <a:t>writer.WriteLine</a:t>
-            </a:r>
-            <a:r>
-              <a:rPr lang="en-US" sz="2600" dirty="0"/>
-              <a:t>( “{0,20} {1,5},{2,5}, {3,50}", </a:t>
-            </a:r>
-          </a:p>
-          <a:p>
-            <a:pPr>
-              <a:buNone/>
-            </a:pPr>
-            <a:r>
-              <a:rPr lang="en-US" sz="2600" dirty="0"/>
-              <a:t>				</a:t>
-            </a:r>
-            <a:r>
-              <a:rPr lang="ru-RU" sz="2600" dirty="0"/>
-              <a:t>Дата</a:t>
-            </a:r>
-            <a:r>
-              <a:rPr lang="en-US" sz="2600" dirty="0"/>
-              <a:t>, </a:t>
-            </a:r>
-            <a:r>
-              <a:rPr lang="ru-RU" sz="2600" dirty="0"/>
-              <a:t>№</a:t>
-            </a:r>
-            <a:r>
-              <a:rPr lang="en-US" sz="2600" dirty="0"/>
-              <a:t>, </a:t>
-            </a:r>
-            <a:r>
-              <a:rPr lang="ru-RU" sz="2600" dirty="0"/>
-              <a:t>Тип</a:t>
-            </a:r>
-            <a:r>
-              <a:rPr lang="en-US" sz="2600" dirty="0"/>
-              <a:t>, </a:t>
-            </a:r>
-            <a:r>
-              <a:rPr lang="ru-RU" sz="2600" dirty="0"/>
-              <a:t>Сообщение</a:t>
-            </a:r>
-            <a:r>
-              <a:rPr lang="en-US" sz="2600" dirty="0"/>
-              <a:t>);</a:t>
-            </a:r>
-            <a:r>
-              <a:rPr lang="ru-RU" sz="2600" dirty="0"/>
-              <a:t>	</a:t>
-            </a:r>
-          </a:p>
-          <a:p>
-            <a:pPr>
-              <a:buNone/>
-            </a:pPr>
-            <a:r>
-              <a:rPr lang="en-US" sz="2600" dirty="0"/>
-              <a:t>}</a:t>
-            </a:r>
-            <a:endParaRPr lang="ru-RU" sz="2600" dirty="0"/>
-          </a:p>
-        </p:txBody>
-      </p:sp>
     </p:spTree>
     <p:extLst>
       <p:ext uri="{BB962C8B-B14F-4D97-AF65-F5344CB8AC3E}">
-        <p14:creationId xmlns:p14="http://schemas.microsoft.com/office/powerpoint/2010/main" val="3126089312"/>
+        <p14:creationId xmlns:p14="http://schemas.microsoft.com/office/powerpoint/2010/main" val="2617852040"/>
       </p:ext>
     </p:extLst>
   </p:cSld>
@@ -4973,130 +4988,441 @@
       </p:grpSpPr>
       <p:sp>
         <p:nvSpPr>
-          <p:cNvPr id="2" name="Заголовок 1"/>
-          <p:cNvSpPr>
-            <a:spLocks noGrp="1"/>
-          </p:cNvSpPr>
-          <p:nvPr>
-            <p:ph type="title"/>
+          <p:cNvPr id="3" name="Содержимое 2"/>
+          <p:cNvSpPr>
+            <a:spLocks noGrp="1"/>
+          </p:cNvSpPr>
+          <p:nvPr>
+            <p:ph idx="1"/>
           </p:nvPr>
         </p:nvSpPr>
         <p:spPr>
           <a:xfrm>
-            <a:off x="467544" y="0"/>
-            <a:ext cx="8229600" cy="778098"/>
+            <a:off x="179512" y="188640"/>
+            <a:ext cx="8784976" cy="6669360"/>
           </a:xfrm>
         </p:spPr>
         <p:txBody>
-          <a:bodyPr/>
-          <a:lstStyle/>
-          <a:p>
-            <a:r>
-              <a:rPr lang="ru-RU" dirty="0"/>
-              <a:t>Перегрузка операторов</a:t>
-            </a:r>
-          </a:p>
-        </p:txBody>
-      </p:sp>
-      <p:sp>
-        <p:nvSpPr>
-          <p:cNvPr id="3" name="Содержимое 2"/>
-          <p:cNvSpPr>
-            <a:spLocks noGrp="1"/>
-          </p:cNvSpPr>
-          <p:nvPr>
-            <p:ph idx="1"/>
-          </p:nvPr>
-        </p:nvSpPr>
-        <p:spPr>
-          <a:xfrm>
-            <a:off x="0" y="908720"/>
-            <a:ext cx="9144000" cy="5949280"/>
-          </a:xfrm>
-        </p:spPr>
-        <p:txBody>
           <a:bodyPr>
-            <a:normAutofit fontScale="85000" lnSpcReduction="20000"/>
+            <a:normAutofit fontScale="62500" lnSpcReduction="20000"/>
           </a:bodyPr>
           <a:lstStyle/>
           <a:p>
-            <a:r>
-              <a:rPr lang="ru-RU" b="1" dirty="0"/>
-              <a:t>перегрузка оператора</a:t>
-            </a:r>
-            <a:r>
-              <a:rPr lang="ru-RU" dirty="0"/>
-              <a:t> - это реализация своего собственного функционала этого оператора для конкретного класса.</a:t>
-            </a:r>
-          </a:p>
-          <a:p>
-            <a:r>
-              <a:rPr lang="ru-RU" dirty="0"/>
-              <a:t>Оператор по сути - обычная функция с более удобным для пользователя синтаксисом</a:t>
-            </a:r>
-          </a:p>
-          <a:p>
-            <a:r>
-              <a:rPr lang="ru-RU" dirty="0"/>
-              <a:t>Можно перегружать:</a:t>
-            </a:r>
-          </a:p>
-          <a:p>
-            <a:pPr lvl="1"/>
-            <a:r>
-              <a:rPr lang="ru-RU" dirty="0"/>
-              <a:t>Унарные операторы: +, -, !, ++, —, </a:t>
-            </a:r>
-            <a:r>
-              <a:rPr lang="ru-RU" dirty="0" err="1"/>
-              <a:t>true</a:t>
-            </a:r>
-            <a:r>
-              <a:rPr lang="ru-RU" dirty="0"/>
-              <a:t>, </a:t>
-            </a:r>
-            <a:r>
-              <a:rPr lang="ru-RU" dirty="0" err="1"/>
-              <a:t>false</a:t>
-            </a:r>
-            <a:br>
-              <a:rPr lang="ru-RU" dirty="0"/>
-            </a:br>
-            <a:r>
-              <a:rPr lang="ru-RU" dirty="0"/>
-              <a:t>Бинарные операторы: +, -, *, /, %, &amp;, |, ^, &lt;&lt;, &gt;&gt;, ==, !=, &lt;, &gt;, &lt;=, &gt;=</a:t>
-            </a:r>
-          </a:p>
-          <a:p>
-            <a:r>
-              <a:rPr lang="ru-RU" dirty="0"/>
-              <a:t>Нельзя перегружать:</a:t>
-            </a:r>
-          </a:p>
-          <a:p>
-            <a:pPr lvl="1"/>
-            <a:r>
-              <a:rPr lang="ru-RU" dirty="0"/>
-              <a:t>[] – функционал этого оператора предоставляют индексаторы</a:t>
-            </a:r>
-            <a:br>
-              <a:rPr lang="ru-RU" dirty="0"/>
-            </a:br>
-            <a:r>
-              <a:rPr lang="ru-RU" dirty="0"/>
-              <a:t>() – функционал этого оператора предоставляют методы преобразования типов</a:t>
-            </a:r>
-            <a:br>
-              <a:rPr lang="ru-RU" dirty="0"/>
-            </a:br>
-            <a:r>
-              <a:rPr lang="ru-RU" dirty="0"/>
-              <a:t>+=, -=, *=, /=, %=, &amp;=, |=, ^=, &lt;&lt;=, &gt;&gt;= краткие формы оператора присваивания будут автоматически доступны при перегрузке соответствующих операторов (+, -, * …).</a:t>
-            </a:r>
-            <a:br>
-              <a:rPr lang="ru-RU" dirty="0"/>
-            </a:br>
-            <a:endParaRPr lang="ru-RU" dirty="0"/>
+            <a:pPr>
+              <a:buNone/>
+            </a:pPr>
+            <a:r>
+              <a:rPr lang="en-US" dirty="0">
+                <a:latin typeface="Consolas" pitchFamily="49" charset="0"/>
+                <a:cs typeface="Consolas" pitchFamily="49" charset="0"/>
+              </a:rPr>
+              <a:t>public class Digit</a:t>
+            </a:r>
+          </a:p>
+          <a:p>
+            <a:pPr>
+              <a:buNone/>
+            </a:pPr>
+            <a:r>
+              <a:rPr lang="ru-RU" dirty="0">
+                <a:latin typeface="Consolas" pitchFamily="49" charset="0"/>
+                <a:cs typeface="Consolas" pitchFamily="49" charset="0"/>
+              </a:rPr>
+              <a:t>{</a:t>
+            </a:r>
+          </a:p>
+          <a:p>
+            <a:pPr>
+              <a:buNone/>
+            </a:pPr>
+            <a:r>
+              <a:rPr lang="en-US" dirty="0">
+                <a:latin typeface="Consolas" pitchFamily="49" charset="0"/>
+                <a:cs typeface="Consolas" pitchFamily="49" charset="0"/>
+              </a:rPr>
+              <a:t>    public </a:t>
+            </a:r>
+            <a:r>
+              <a:rPr lang="en-US" dirty="0" err="1">
+                <a:latin typeface="Consolas" pitchFamily="49" charset="0"/>
+                <a:cs typeface="Consolas" pitchFamily="49" charset="0"/>
+              </a:rPr>
+              <a:t>int</a:t>
+            </a:r>
+            <a:r>
+              <a:rPr lang="en-US" dirty="0">
+                <a:latin typeface="Consolas" pitchFamily="49" charset="0"/>
+                <a:cs typeface="Consolas" pitchFamily="49" charset="0"/>
+              </a:rPr>
+              <a:t> Value{ </a:t>
+            </a:r>
+            <a:r>
+              <a:rPr lang="en-US" dirty="0" err="1">
+                <a:latin typeface="Consolas" pitchFamily="49" charset="0"/>
+                <a:cs typeface="Consolas" pitchFamily="49" charset="0"/>
+              </a:rPr>
+              <a:t>get;set</a:t>
+            </a:r>
+            <a:r>
+              <a:rPr lang="en-US" dirty="0">
+                <a:latin typeface="Consolas" pitchFamily="49" charset="0"/>
+                <a:cs typeface="Consolas" pitchFamily="49" charset="0"/>
+              </a:rPr>
+              <a:t>; }</a:t>
+            </a:r>
+          </a:p>
+          <a:p>
+            <a:pPr>
+              <a:buNone/>
+            </a:pPr>
+            <a:r>
+              <a:rPr lang="en-US" dirty="0">
+                <a:latin typeface="Consolas" pitchFamily="49" charset="0"/>
+                <a:cs typeface="Consolas" pitchFamily="49" charset="0"/>
+              </a:rPr>
+              <a:t>    public Digit ( </a:t>
+            </a:r>
+            <a:r>
+              <a:rPr lang="en-US" dirty="0" err="1">
+                <a:latin typeface="Consolas" pitchFamily="49" charset="0"/>
+                <a:cs typeface="Consolas" pitchFamily="49" charset="0"/>
+              </a:rPr>
+              <a:t>int</a:t>
+            </a:r>
+            <a:r>
+              <a:rPr lang="en-US" dirty="0">
+                <a:latin typeface="Consolas" pitchFamily="49" charset="0"/>
+                <a:cs typeface="Consolas" pitchFamily="49" charset="0"/>
+              </a:rPr>
+              <a:t> value )</a:t>
+            </a:r>
+          </a:p>
+          <a:p>
+            <a:pPr>
+              <a:buNone/>
+            </a:pPr>
+            <a:r>
+              <a:rPr lang="en-US" dirty="0">
+                <a:latin typeface="Consolas" pitchFamily="49" charset="0"/>
+                <a:cs typeface="Consolas" pitchFamily="49" charset="0"/>
+              </a:rPr>
+              <a:t> </a:t>
+            </a:r>
+            <a:r>
+              <a:rPr lang="ru-RU" dirty="0">
+                <a:latin typeface="Consolas" pitchFamily="49" charset="0"/>
+                <a:cs typeface="Consolas" pitchFamily="49" charset="0"/>
+              </a:rPr>
+              <a:t>   {</a:t>
+            </a:r>
+          </a:p>
+          <a:p>
+            <a:pPr>
+              <a:buNone/>
+            </a:pPr>
+            <a:r>
+              <a:rPr lang="en-US" dirty="0">
+                <a:latin typeface="Consolas" pitchFamily="49" charset="0"/>
+                <a:cs typeface="Consolas" pitchFamily="49" charset="0"/>
+              </a:rPr>
+              <a:t>         Value = value;</a:t>
+            </a:r>
+          </a:p>
+          <a:p>
+            <a:pPr>
+              <a:buNone/>
+            </a:pPr>
+            <a:r>
+              <a:rPr lang="ru-RU" dirty="0">
+                <a:latin typeface="Consolas" pitchFamily="49" charset="0"/>
+                <a:cs typeface="Consolas" pitchFamily="49" charset="0"/>
+              </a:rPr>
+              <a:t>    }</a:t>
+            </a:r>
+          </a:p>
+          <a:p>
+            <a:pPr>
+              <a:buNone/>
+            </a:pPr>
+            <a:r>
+              <a:rPr lang="en-US" dirty="0">
+                <a:latin typeface="Consolas" pitchFamily="49" charset="0"/>
+                <a:cs typeface="Consolas" pitchFamily="49" charset="0"/>
+              </a:rPr>
+              <a:t>	  //</a:t>
+            </a:r>
+            <a:r>
+              <a:rPr lang="ru-RU" dirty="0">
+                <a:latin typeface="Consolas" pitchFamily="49" charset="0"/>
+                <a:cs typeface="Consolas" pitchFamily="49" charset="0"/>
+              </a:rPr>
+              <a:t>перегрузка оператора «+»</a:t>
+            </a:r>
+          </a:p>
+          <a:p>
+            <a:pPr>
+              <a:buNone/>
+            </a:pPr>
+            <a:r>
+              <a:rPr lang="en-US" dirty="0">
+                <a:latin typeface="Consolas" pitchFamily="49" charset="0"/>
+                <a:cs typeface="Consolas" pitchFamily="49" charset="0"/>
+              </a:rPr>
+              <a:t>    public static Digit operator + ( Digit a, Digit b )</a:t>
+            </a:r>
+          </a:p>
+          <a:p>
+            <a:pPr>
+              <a:buNone/>
+            </a:pPr>
+            <a:r>
+              <a:rPr lang="en-US" dirty="0">
+                <a:latin typeface="Consolas" pitchFamily="49" charset="0"/>
+                <a:cs typeface="Consolas" pitchFamily="49" charset="0"/>
+              </a:rPr>
+              <a:t>	  </a:t>
+            </a:r>
+            <a:r>
+              <a:rPr lang="ru-RU" dirty="0">
+                <a:latin typeface="Consolas" pitchFamily="49" charset="0"/>
+                <a:cs typeface="Consolas" pitchFamily="49" charset="0"/>
+              </a:rPr>
+              <a:t>{</a:t>
+            </a:r>
+          </a:p>
+          <a:p>
+            <a:pPr>
+              <a:buNone/>
+            </a:pPr>
+            <a:r>
+              <a:rPr lang="en-US" dirty="0">
+                <a:latin typeface="Consolas" pitchFamily="49" charset="0"/>
+                <a:cs typeface="Consolas" pitchFamily="49" charset="0"/>
+              </a:rPr>
+              <a:t>         return new Digit( </a:t>
+            </a:r>
+            <a:r>
+              <a:rPr lang="en-US" dirty="0" err="1">
+                <a:latin typeface="Consolas" pitchFamily="49" charset="0"/>
+                <a:cs typeface="Consolas" pitchFamily="49" charset="0"/>
+              </a:rPr>
+              <a:t>a.Value</a:t>
+            </a:r>
+            <a:r>
+              <a:rPr lang="en-US" dirty="0">
+                <a:latin typeface="Consolas" pitchFamily="49" charset="0"/>
+                <a:cs typeface="Consolas" pitchFamily="49" charset="0"/>
+              </a:rPr>
+              <a:t> + </a:t>
+            </a:r>
+            <a:r>
+              <a:rPr lang="en-US" dirty="0" err="1">
+                <a:latin typeface="Consolas" pitchFamily="49" charset="0"/>
+                <a:cs typeface="Consolas" pitchFamily="49" charset="0"/>
+              </a:rPr>
+              <a:t>b.Value</a:t>
+            </a:r>
+            <a:r>
+              <a:rPr lang="en-US" dirty="0">
+                <a:latin typeface="Consolas" pitchFamily="49" charset="0"/>
+                <a:cs typeface="Consolas" pitchFamily="49" charset="0"/>
+              </a:rPr>
+              <a:t> );</a:t>
+            </a:r>
+          </a:p>
+          <a:p>
+            <a:pPr>
+              <a:buNone/>
+            </a:pPr>
+            <a:r>
+              <a:rPr lang="en-US" dirty="0">
+                <a:latin typeface="Consolas" pitchFamily="49" charset="0"/>
+                <a:cs typeface="Consolas" pitchFamily="49" charset="0"/>
+              </a:rPr>
+              <a:t>     </a:t>
+            </a:r>
+            <a:r>
+              <a:rPr lang="ru-RU" dirty="0">
+                <a:latin typeface="Consolas" pitchFamily="49" charset="0"/>
+                <a:cs typeface="Consolas" pitchFamily="49" charset="0"/>
+              </a:rPr>
+              <a:t>}</a:t>
+            </a:r>
+          </a:p>
+          <a:p>
+            <a:pPr>
+              <a:buNone/>
+            </a:pPr>
+            <a:r>
+              <a:rPr lang="en-US" dirty="0">
+                <a:latin typeface="Consolas" pitchFamily="49" charset="0"/>
+                <a:cs typeface="Consolas" pitchFamily="49" charset="0"/>
+              </a:rPr>
+              <a:t>     public static Digit operator ++ (Digit a)</a:t>
+            </a:r>
+          </a:p>
+          <a:p>
+            <a:pPr>
+              <a:buNone/>
+            </a:pPr>
+            <a:r>
+              <a:rPr lang="ru-RU" dirty="0">
+                <a:latin typeface="Consolas" pitchFamily="49" charset="0"/>
+                <a:cs typeface="Consolas" pitchFamily="49" charset="0"/>
+              </a:rPr>
+              <a:t>     {</a:t>
+            </a:r>
+          </a:p>
+          <a:p>
+            <a:pPr>
+              <a:buNone/>
+            </a:pPr>
+            <a:r>
+              <a:rPr lang="en-US" dirty="0">
+                <a:latin typeface="Consolas" pitchFamily="49" charset="0"/>
+                <a:cs typeface="Consolas" pitchFamily="49" charset="0"/>
+              </a:rPr>
+              <a:t>          return new Digit( </a:t>
+            </a:r>
+            <a:r>
+              <a:rPr lang="en-US" dirty="0" err="1">
+                <a:latin typeface="Consolas" pitchFamily="49" charset="0"/>
+                <a:cs typeface="Consolas" pitchFamily="49" charset="0"/>
+              </a:rPr>
+              <a:t>a.Value</a:t>
+            </a:r>
+            <a:r>
+              <a:rPr lang="en-US" dirty="0">
+                <a:latin typeface="Consolas" pitchFamily="49" charset="0"/>
+                <a:cs typeface="Consolas" pitchFamily="49" charset="0"/>
+              </a:rPr>
+              <a:t> + 1 );</a:t>
+            </a:r>
+          </a:p>
+          <a:p>
+            <a:pPr>
+              <a:buNone/>
+            </a:pPr>
+            <a:r>
+              <a:rPr lang="ru-RU" dirty="0">
+                <a:latin typeface="Consolas" pitchFamily="49" charset="0"/>
+                <a:cs typeface="Consolas" pitchFamily="49" charset="0"/>
+              </a:rPr>
+              <a:t>     }</a:t>
+            </a:r>
+          </a:p>
+          <a:p>
+            <a:pPr>
+              <a:buNone/>
+            </a:pPr>
+            <a:r>
+              <a:rPr lang="ru-RU" dirty="0">
+                <a:latin typeface="Consolas" pitchFamily="49" charset="0"/>
+                <a:cs typeface="Consolas" pitchFamily="49" charset="0"/>
+              </a:rPr>
+              <a:t>	   </a:t>
+            </a:r>
+            <a:r>
+              <a:rPr lang="en-US" dirty="0">
+                <a:latin typeface="Consolas" pitchFamily="49" charset="0"/>
+                <a:cs typeface="Consolas" pitchFamily="49" charset="0"/>
+              </a:rPr>
+              <a:t>public static </a:t>
+            </a:r>
+            <a:r>
+              <a:rPr lang="en-US" dirty="0" err="1">
+                <a:latin typeface="Consolas" pitchFamily="49" charset="0"/>
+                <a:cs typeface="Consolas" pitchFamily="49" charset="0"/>
+              </a:rPr>
+              <a:t>bool</a:t>
+            </a:r>
+            <a:r>
+              <a:rPr lang="en-US" dirty="0">
+                <a:latin typeface="Consolas" pitchFamily="49" charset="0"/>
+                <a:cs typeface="Consolas" pitchFamily="49" charset="0"/>
+              </a:rPr>
+              <a:t> operator &gt; ( Digit a, Digit b )</a:t>
+            </a:r>
+          </a:p>
+          <a:p>
+            <a:pPr>
+              <a:buNone/>
+            </a:pPr>
+            <a:r>
+              <a:rPr lang="en-US" dirty="0">
+                <a:latin typeface="Consolas" pitchFamily="49" charset="0"/>
+                <a:cs typeface="Consolas" pitchFamily="49" charset="0"/>
+              </a:rPr>
+              <a:t>	   {</a:t>
+            </a:r>
+          </a:p>
+          <a:p>
+            <a:pPr>
+              <a:buNone/>
+            </a:pPr>
+            <a:r>
+              <a:rPr lang="en-US" dirty="0">
+                <a:latin typeface="Consolas" pitchFamily="49" charset="0"/>
+                <a:cs typeface="Consolas" pitchFamily="49" charset="0"/>
+              </a:rPr>
+              <a:t>		   return </a:t>
+            </a:r>
+            <a:r>
+              <a:rPr lang="en-US" dirty="0" err="1">
+                <a:latin typeface="Consolas" pitchFamily="49" charset="0"/>
+                <a:cs typeface="Consolas" pitchFamily="49" charset="0"/>
+              </a:rPr>
+              <a:t>a.Value</a:t>
+            </a:r>
+            <a:r>
+              <a:rPr lang="en-US" dirty="0">
+                <a:latin typeface="Consolas" pitchFamily="49" charset="0"/>
+                <a:cs typeface="Consolas" pitchFamily="49" charset="0"/>
+              </a:rPr>
+              <a:t> &gt; </a:t>
+            </a:r>
+            <a:r>
+              <a:rPr lang="en-US" dirty="0" err="1">
+                <a:latin typeface="Consolas" pitchFamily="49" charset="0"/>
+                <a:cs typeface="Consolas" pitchFamily="49" charset="0"/>
+              </a:rPr>
+              <a:t>b.Value</a:t>
+            </a:r>
+            <a:r>
+              <a:rPr lang="en-US" dirty="0">
+                <a:latin typeface="Consolas" pitchFamily="49" charset="0"/>
+                <a:cs typeface="Consolas" pitchFamily="49" charset="0"/>
+              </a:rPr>
+              <a:t>;</a:t>
+            </a:r>
+          </a:p>
+          <a:p>
+            <a:pPr>
+              <a:buNone/>
+            </a:pPr>
+            <a:r>
+              <a:rPr lang="en-US" dirty="0">
+                <a:latin typeface="Consolas" pitchFamily="49" charset="0"/>
+                <a:cs typeface="Consolas" pitchFamily="49" charset="0"/>
+              </a:rPr>
+              <a:t> 	   }</a:t>
+            </a:r>
+            <a:endParaRPr lang="ru-RU" dirty="0">
+              <a:latin typeface="Consolas" pitchFamily="49" charset="0"/>
+              <a:cs typeface="Consolas" pitchFamily="49" charset="0"/>
+            </a:endParaRPr>
+          </a:p>
+          <a:p>
+            <a:pPr>
+              <a:buNone/>
+            </a:pPr>
+            <a:r>
+              <a:rPr lang="ru-RU" dirty="0">
+                <a:latin typeface="Consolas" pitchFamily="49" charset="0"/>
+                <a:cs typeface="Consolas" pitchFamily="49" charset="0"/>
+              </a:rPr>
+              <a:t>}</a:t>
+            </a:r>
           </a:p>
         </p:txBody>
       </p:sp>
@@ -5127,7 +5453,7 @@
     </p:spTree>
     <p:extLst>
       <p:ext uri="{BB962C8B-B14F-4D97-AF65-F5344CB8AC3E}">
-        <p14:creationId xmlns:p14="http://schemas.microsoft.com/office/powerpoint/2010/main" val="2617852040"/>
+        <p14:creationId xmlns:p14="http://schemas.microsoft.com/office/powerpoint/2010/main" val="1307681115"/>
       </p:ext>
     </p:extLst>
   </p:cSld>
@@ -5156,500 +5482,6 @@
       </p:grpSpPr>
       <p:sp>
         <p:nvSpPr>
-          <p:cNvPr id="3" name="Содержимое 2"/>
-          <p:cNvSpPr>
-            <a:spLocks noGrp="1"/>
-          </p:cNvSpPr>
-          <p:nvPr>
-            <p:ph idx="1"/>
-          </p:nvPr>
-        </p:nvSpPr>
-        <p:spPr>
-          <a:xfrm>
-            <a:off x="179512" y="188640"/>
-            <a:ext cx="8784976" cy="6669360"/>
-          </a:xfrm>
-        </p:spPr>
-        <p:txBody>
-          <a:bodyPr>
-            <a:normAutofit fontScale="62500" lnSpcReduction="20000"/>
-          </a:bodyPr>
-          <a:lstStyle/>
-          <a:p>
-            <a:pPr>
-              <a:buNone/>
-            </a:pPr>
-            <a:r>
-              <a:rPr lang="en-US" dirty="0">
-                <a:latin typeface="Consolas" pitchFamily="49" charset="0"/>
-                <a:cs typeface="Consolas" pitchFamily="49" charset="0"/>
-              </a:rPr>
-              <a:t>public class Digit</a:t>
-            </a:r>
-          </a:p>
-          <a:p>
-            <a:pPr>
-              <a:buNone/>
-            </a:pPr>
-            <a:r>
-              <a:rPr lang="ru-RU" dirty="0">
-                <a:latin typeface="Consolas" pitchFamily="49" charset="0"/>
-                <a:cs typeface="Consolas" pitchFamily="49" charset="0"/>
-              </a:rPr>
-              <a:t>{</a:t>
-            </a:r>
-          </a:p>
-          <a:p>
-            <a:pPr>
-              <a:buNone/>
-            </a:pPr>
-            <a:r>
-              <a:rPr lang="en-US" dirty="0">
-                <a:latin typeface="Consolas" pitchFamily="49" charset="0"/>
-                <a:cs typeface="Consolas" pitchFamily="49" charset="0"/>
-              </a:rPr>
-              <a:t>    public </a:t>
-            </a:r>
-            <a:r>
-              <a:rPr lang="en-US" dirty="0" err="1">
-                <a:latin typeface="Consolas" pitchFamily="49" charset="0"/>
-                <a:cs typeface="Consolas" pitchFamily="49" charset="0"/>
-              </a:rPr>
-              <a:t>int</a:t>
-            </a:r>
-            <a:r>
-              <a:rPr lang="en-US" dirty="0">
-                <a:latin typeface="Consolas" pitchFamily="49" charset="0"/>
-                <a:cs typeface="Consolas" pitchFamily="49" charset="0"/>
-              </a:rPr>
-              <a:t> Value{ </a:t>
-            </a:r>
-            <a:r>
-              <a:rPr lang="en-US" dirty="0" err="1">
-                <a:latin typeface="Consolas" pitchFamily="49" charset="0"/>
-                <a:cs typeface="Consolas" pitchFamily="49" charset="0"/>
-              </a:rPr>
-              <a:t>get;set</a:t>
-            </a:r>
-            <a:r>
-              <a:rPr lang="en-US" dirty="0">
-                <a:latin typeface="Consolas" pitchFamily="49" charset="0"/>
-                <a:cs typeface="Consolas" pitchFamily="49" charset="0"/>
-              </a:rPr>
-              <a:t>; }</a:t>
-            </a:r>
-          </a:p>
-          <a:p>
-            <a:pPr>
-              <a:buNone/>
-            </a:pPr>
-            <a:r>
-              <a:rPr lang="en-US" dirty="0">
-                <a:latin typeface="Consolas" pitchFamily="49" charset="0"/>
-                <a:cs typeface="Consolas" pitchFamily="49" charset="0"/>
-              </a:rPr>
-              <a:t>    public Digit ( </a:t>
-            </a:r>
-            <a:r>
-              <a:rPr lang="en-US" dirty="0" err="1">
-                <a:latin typeface="Consolas" pitchFamily="49" charset="0"/>
-                <a:cs typeface="Consolas" pitchFamily="49" charset="0"/>
-              </a:rPr>
-              <a:t>int</a:t>
-            </a:r>
-            <a:r>
-              <a:rPr lang="en-US" dirty="0">
-                <a:latin typeface="Consolas" pitchFamily="49" charset="0"/>
-                <a:cs typeface="Consolas" pitchFamily="49" charset="0"/>
-              </a:rPr>
-              <a:t> value )</a:t>
-            </a:r>
-          </a:p>
-          <a:p>
-            <a:pPr>
-              <a:buNone/>
-            </a:pPr>
-            <a:r>
-              <a:rPr lang="en-US" dirty="0">
-                <a:latin typeface="Consolas" pitchFamily="49" charset="0"/>
-                <a:cs typeface="Consolas" pitchFamily="49" charset="0"/>
-              </a:rPr>
-              <a:t> </a:t>
-            </a:r>
-            <a:r>
-              <a:rPr lang="ru-RU" dirty="0">
-                <a:latin typeface="Consolas" pitchFamily="49" charset="0"/>
-                <a:cs typeface="Consolas" pitchFamily="49" charset="0"/>
-              </a:rPr>
-              <a:t>   {</a:t>
-            </a:r>
-          </a:p>
-          <a:p>
-            <a:pPr>
-              <a:buNone/>
-            </a:pPr>
-            <a:r>
-              <a:rPr lang="en-US" dirty="0">
-                <a:latin typeface="Consolas" pitchFamily="49" charset="0"/>
-                <a:cs typeface="Consolas" pitchFamily="49" charset="0"/>
-              </a:rPr>
-              <a:t>         Value = value;</a:t>
-            </a:r>
-          </a:p>
-          <a:p>
-            <a:pPr>
-              <a:buNone/>
-            </a:pPr>
-            <a:r>
-              <a:rPr lang="ru-RU" dirty="0">
-                <a:latin typeface="Consolas" pitchFamily="49" charset="0"/>
-                <a:cs typeface="Consolas" pitchFamily="49" charset="0"/>
-              </a:rPr>
-              <a:t>    }</a:t>
-            </a:r>
-          </a:p>
-          <a:p>
-            <a:pPr>
-              <a:buNone/>
-            </a:pPr>
-            <a:r>
-              <a:rPr lang="en-US" dirty="0">
-                <a:latin typeface="Consolas" pitchFamily="49" charset="0"/>
-                <a:cs typeface="Consolas" pitchFamily="49" charset="0"/>
-              </a:rPr>
-              <a:t>	  //</a:t>
-            </a:r>
-            <a:r>
-              <a:rPr lang="ru-RU" dirty="0">
-                <a:latin typeface="Consolas" pitchFamily="49" charset="0"/>
-                <a:cs typeface="Consolas" pitchFamily="49" charset="0"/>
-              </a:rPr>
-              <a:t>перегрузка оператора «+»</a:t>
-            </a:r>
-          </a:p>
-          <a:p>
-            <a:pPr>
-              <a:buNone/>
-            </a:pPr>
-            <a:r>
-              <a:rPr lang="en-US" dirty="0">
-                <a:latin typeface="Consolas" pitchFamily="49" charset="0"/>
-                <a:cs typeface="Consolas" pitchFamily="49" charset="0"/>
-              </a:rPr>
-              <a:t>    public static Digit operator + ( Digit a, Digit b )</a:t>
-            </a:r>
-          </a:p>
-          <a:p>
-            <a:pPr>
-              <a:buNone/>
-            </a:pPr>
-            <a:r>
-              <a:rPr lang="en-US" dirty="0">
-                <a:latin typeface="Consolas" pitchFamily="49" charset="0"/>
-                <a:cs typeface="Consolas" pitchFamily="49" charset="0"/>
-              </a:rPr>
-              <a:t>	  </a:t>
-            </a:r>
-            <a:r>
-              <a:rPr lang="ru-RU" dirty="0">
-                <a:latin typeface="Consolas" pitchFamily="49" charset="0"/>
-                <a:cs typeface="Consolas" pitchFamily="49" charset="0"/>
-              </a:rPr>
-              <a:t>{</a:t>
-            </a:r>
-          </a:p>
-          <a:p>
-            <a:pPr>
-              <a:buNone/>
-            </a:pPr>
-            <a:r>
-              <a:rPr lang="en-US" dirty="0">
-                <a:latin typeface="Consolas" pitchFamily="49" charset="0"/>
-                <a:cs typeface="Consolas" pitchFamily="49" charset="0"/>
-              </a:rPr>
-              <a:t>         return new Digit( </a:t>
-            </a:r>
-            <a:r>
-              <a:rPr lang="en-US" dirty="0" err="1">
-                <a:latin typeface="Consolas" pitchFamily="49" charset="0"/>
-                <a:cs typeface="Consolas" pitchFamily="49" charset="0"/>
-              </a:rPr>
-              <a:t>a.Value</a:t>
-            </a:r>
-            <a:r>
-              <a:rPr lang="en-US" dirty="0">
-                <a:latin typeface="Consolas" pitchFamily="49" charset="0"/>
-                <a:cs typeface="Consolas" pitchFamily="49" charset="0"/>
-              </a:rPr>
-              <a:t> + </a:t>
-            </a:r>
-            <a:r>
-              <a:rPr lang="en-US" dirty="0" err="1">
-                <a:latin typeface="Consolas" pitchFamily="49" charset="0"/>
-                <a:cs typeface="Consolas" pitchFamily="49" charset="0"/>
-              </a:rPr>
-              <a:t>b.Value</a:t>
-            </a:r>
-            <a:r>
-              <a:rPr lang="en-US" dirty="0">
-                <a:latin typeface="Consolas" pitchFamily="49" charset="0"/>
-                <a:cs typeface="Consolas" pitchFamily="49" charset="0"/>
-              </a:rPr>
-              <a:t> );</a:t>
-            </a:r>
-          </a:p>
-          <a:p>
-            <a:pPr>
-              <a:buNone/>
-            </a:pPr>
-            <a:r>
-              <a:rPr lang="en-US" dirty="0">
-                <a:latin typeface="Consolas" pitchFamily="49" charset="0"/>
-                <a:cs typeface="Consolas" pitchFamily="49" charset="0"/>
-              </a:rPr>
-              <a:t>     </a:t>
-            </a:r>
-            <a:r>
-              <a:rPr lang="ru-RU" dirty="0">
-                <a:latin typeface="Consolas" pitchFamily="49" charset="0"/>
-                <a:cs typeface="Consolas" pitchFamily="49" charset="0"/>
-              </a:rPr>
-              <a:t>}</a:t>
-            </a:r>
-          </a:p>
-          <a:p>
-            <a:pPr>
-              <a:buNone/>
-            </a:pPr>
-            <a:r>
-              <a:rPr lang="en-US" dirty="0">
-                <a:latin typeface="Consolas" pitchFamily="49" charset="0"/>
-                <a:cs typeface="Consolas" pitchFamily="49" charset="0"/>
-              </a:rPr>
-              <a:t>     public static Digit operator ++ (Digit a)</a:t>
-            </a:r>
-          </a:p>
-          <a:p>
-            <a:pPr>
-              <a:buNone/>
-            </a:pPr>
-            <a:r>
-              <a:rPr lang="ru-RU" dirty="0">
-                <a:latin typeface="Consolas" pitchFamily="49" charset="0"/>
-                <a:cs typeface="Consolas" pitchFamily="49" charset="0"/>
-              </a:rPr>
-              <a:t>     {</a:t>
-            </a:r>
-          </a:p>
-          <a:p>
-            <a:pPr>
-              <a:buNone/>
-            </a:pPr>
-            <a:r>
-              <a:rPr lang="en-US" dirty="0">
-                <a:latin typeface="Consolas" pitchFamily="49" charset="0"/>
-                <a:cs typeface="Consolas" pitchFamily="49" charset="0"/>
-              </a:rPr>
-              <a:t>          return new Digit( </a:t>
-            </a:r>
-            <a:r>
-              <a:rPr lang="en-US" dirty="0" err="1">
-                <a:latin typeface="Consolas" pitchFamily="49" charset="0"/>
-                <a:cs typeface="Consolas" pitchFamily="49" charset="0"/>
-              </a:rPr>
-              <a:t>a.Value</a:t>
-            </a:r>
-            <a:r>
-              <a:rPr lang="en-US" dirty="0">
-                <a:latin typeface="Consolas" pitchFamily="49" charset="0"/>
-                <a:cs typeface="Consolas" pitchFamily="49" charset="0"/>
-              </a:rPr>
-              <a:t> + 1 );</a:t>
-            </a:r>
-          </a:p>
-          <a:p>
-            <a:pPr>
-              <a:buNone/>
-            </a:pPr>
-            <a:r>
-              <a:rPr lang="ru-RU" dirty="0">
-                <a:latin typeface="Consolas" pitchFamily="49" charset="0"/>
-                <a:cs typeface="Consolas" pitchFamily="49" charset="0"/>
-              </a:rPr>
-              <a:t>     }</a:t>
-            </a:r>
-          </a:p>
-          <a:p>
-            <a:pPr>
-              <a:buNone/>
-            </a:pPr>
-            <a:r>
-              <a:rPr lang="ru-RU" dirty="0">
-                <a:latin typeface="Consolas" pitchFamily="49" charset="0"/>
-                <a:cs typeface="Consolas" pitchFamily="49" charset="0"/>
-              </a:rPr>
-              <a:t>	   </a:t>
-            </a:r>
-            <a:r>
-              <a:rPr lang="en-US" dirty="0">
-                <a:latin typeface="Consolas" pitchFamily="49" charset="0"/>
-                <a:cs typeface="Consolas" pitchFamily="49" charset="0"/>
-              </a:rPr>
-              <a:t>public static </a:t>
-            </a:r>
-            <a:r>
-              <a:rPr lang="en-US" dirty="0" err="1">
-                <a:latin typeface="Consolas" pitchFamily="49" charset="0"/>
-                <a:cs typeface="Consolas" pitchFamily="49" charset="0"/>
-              </a:rPr>
-              <a:t>bool</a:t>
-            </a:r>
-            <a:r>
-              <a:rPr lang="en-US" dirty="0">
-                <a:latin typeface="Consolas" pitchFamily="49" charset="0"/>
-                <a:cs typeface="Consolas" pitchFamily="49" charset="0"/>
-              </a:rPr>
-              <a:t> operator &gt; ( Digit a, Digit b )</a:t>
-            </a:r>
-          </a:p>
-          <a:p>
-            <a:pPr>
-              <a:buNone/>
-            </a:pPr>
-            <a:r>
-              <a:rPr lang="en-US" dirty="0">
-                <a:latin typeface="Consolas" pitchFamily="49" charset="0"/>
-                <a:cs typeface="Consolas" pitchFamily="49" charset="0"/>
-              </a:rPr>
-              <a:t>	   {</a:t>
-            </a:r>
-          </a:p>
-          <a:p>
-            <a:pPr>
-              <a:buNone/>
-            </a:pPr>
-            <a:r>
-              <a:rPr lang="en-US" dirty="0">
-                <a:latin typeface="Consolas" pitchFamily="49" charset="0"/>
-                <a:cs typeface="Consolas" pitchFamily="49" charset="0"/>
-              </a:rPr>
-              <a:t>		   return </a:t>
-            </a:r>
-            <a:r>
-              <a:rPr lang="en-US" dirty="0" err="1">
-                <a:latin typeface="Consolas" pitchFamily="49" charset="0"/>
-                <a:cs typeface="Consolas" pitchFamily="49" charset="0"/>
-              </a:rPr>
-              <a:t>a.Value</a:t>
-            </a:r>
-            <a:r>
-              <a:rPr lang="en-US" dirty="0">
-                <a:latin typeface="Consolas" pitchFamily="49" charset="0"/>
-                <a:cs typeface="Consolas" pitchFamily="49" charset="0"/>
-              </a:rPr>
-              <a:t> &gt; </a:t>
-            </a:r>
-            <a:r>
-              <a:rPr lang="en-US" dirty="0" err="1">
-                <a:latin typeface="Consolas" pitchFamily="49" charset="0"/>
-                <a:cs typeface="Consolas" pitchFamily="49" charset="0"/>
-              </a:rPr>
-              <a:t>b.Value</a:t>
-            </a:r>
-            <a:r>
-              <a:rPr lang="en-US" dirty="0">
-                <a:latin typeface="Consolas" pitchFamily="49" charset="0"/>
-                <a:cs typeface="Consolas" pitchFamily="49" charset="0"/>
-              </a:rPr>
-              <a:t>;</a:t>
-            </a:r>
-          </a:p>
-          <a:p>
-            <a:pPr>
-              <a:buNone/>
-            </a:pPr>
-            <a:r>
-              <a:rPr lang="en-US" dirty="0">
-                <a:latin typeface="Consolas" pitchFamily="49" charset="0"/>
-                <a:cs typeface="Consolas" pitchFamily="49" charset="0"/>
-              </a:rPr>
-              <a:t> 	   }</a:t>
-            </a:r>
-            <a:endParaRPr lang="ru-RU" dirty="0">
-              <a:latin typeface="Consolas" pitchFamily="49" charset="0"/>
-              <a:cs typeface="Consolas" pitchFamily="49" charset="0"/>
-            </a:endParaRPr>
-          </a:p>
-          <a:p>
-            <a:pPr>
-              <a:buNone/>
-            </a:pPr>
-            <a:r>
-              <a:rPr lang="ru-RU" dirty="0">
-                <a:latin typeface="Consolas" pitchFamily="49" charset="0"/>
-                <a:cs typeface="Consolas" pitchFamily="49" charset="0"/>
-              </a:rPr>
-              <a:t>}</a:t>
-            </a:r>
-          </a:p>
-        </p:txBody>
-      </p:sp>
-      <p:sp>
-        <p:nvSpPr>
-          <p:cNvPr id="4" name="Номер слайда 3"/>
-          <p:cNvSpPr>
-            <a:spLocks noGrp="1"/>
-          </p:cNvSpPr>
-          <p:nvPr>
-            <p:ph type="sldNum" sz="quarter" idx="12"/>
-          </p:nvPr>
-        </p:nvSpPr>
-        <p:spPr/>
-        <p:txBody>
-          <a:bodyPr/>
-          <a:lstStyle/>
-          <a:p>
-            <a:fld id="{194E9D9E-8475-4C3D-B07C-FDD1702DB06B}" type="slidenum">
-              <a:rPr lang="ru-RU" smtClean="0"/>
-              <a:pPr/>
-              <a:t>8</a:t>
-            </a:fld>
-            <a:endParaRPr lang="ru-RU"/>
-          </a:p>
-        </p:txBody>
-      </p:sp>
-    </p:spTree>
-    <p:extLst>
-      <p:ext uri="{BB962C8B-B14F-4D97-AF65-F5344CB8AC3E}">
-        <p14:creationId xmlns:p14="http://schemas.microsoft.com/office/powerpoint/2010/main" val="1307681115"/>
-      </p:ext>
-    </p:extLst>
-  </p:cSld>
-  <p:clrMapOvr>
-    <a:masterClrMapping/>
-  </p:clrMapOvr>
-</p:sld>
-</file>
-
-<file path=ppt/slides/slide9.xml><?xml version="1.0" encoding="utf-8"?>
-<p:sld xmlns:a="http://schemas.openxmlformats.org/drawingml/2006/main" xmlns:r="http://schemas.openxmlformats.org/officeDocument/2006/relationships" xmlns:p="http://schemas.openxmlformats.org/presentationml/2006/main">
-  <p:cSld>
-    <p:spTree>
-      <p:nvGrpSpPr>
-        <p:cNvPr id="1" name=""/>
-        <p:cNvGrpSpPr/>
-        <p:nvPr/>
-      </p:nvGrpSpPr>
-      <p:grpSpPr>
-        <a:xfrm>
-          <a:off x="0" y="0"/>
-          <a:ext cx="0" cy="0"/>
-          <a:chOff x="0" y="0"/>
-          <a:chExt cx="0" cy="0"/>
-        </a:xfrm>
-      </p:grpSpPr>
-      <p:sp>
-        <p:nvSpPr>
           <p:cNvPr id="2" name="Заголовок 1"/>
           <p:cNvSpPr>
             <a:spLocks noGrp="1"/>
@@ -5736,7 +5568,7 @@
             <a:fld id="{194E9D9E-8475-4C3D-B07C-FDD1702DB06B}" type="slidenum">
               <a:rPr lang="ru-RU" smtClean="0"/>
               <a:pPr/>
-              <a:t>9</a:t>
+              <a:t>8</a:t>
             </a:fld>
             <a:endParaRPr lang="ru-RU"/>
           </a:p>

--- a/Лекция 10 - статические классы, операторы.pptx
+++ b/Лекция 10 - статические классы, операторы.pptx
@@ -5,17 +5,18 @@
     <p:sldMasterId id="2147483648" r:id="rId1"/>
   </p:sldMasterIdLst>
   <p:notesMasterIdLst>
-    <p:notesMasterId r:id="rId10"/>
+    <p:notesMasterId r:id="rId11"/>
   </p:notesMasterIdLst>
   <p:sldIdLst>
     <p:sldId id="256" r:id="rId2"/>
-    <p:sldId id="314" r:id="rId3"/>
-    <p:sldId id="328" r:id="rId4"/>
-    <p:sldId id="315" r:id="rId5"/>
-    <p:sldId id="316" r:id="rId6"/>
-    <p:sldId id="376" r:id="rId7"/>
-    <p:sldId id="377" r:id="rId8"/>
-    <p:sldId id="378" r:id="rId9"/>
+    <p:sldId id="375" r:id="rId3"/>
+    <p:sldId id="314" r:id="rId4"/>
+    <p:sldId id="328" r:id="rId5"/>
+    <p:sldId id="315" r:id="rId6"/>
+    <p:sldId id="316" r:id="rId7"/>
+    <p:sldId id="376" r:id="rId8"/>
+    <p:sldId id="377" r:id="rId9"/>
+    <p:sldId id="378" r:id="rId10"/>
   </p:sldIdLst>
   <p:sldSz cx="9144000" cy="6858000" type="screen4x3"/>
   <p:notesSz cx="6858000" cy="9144000"/>
@@ -133,6 +134,10 @@
 </p:presentation>
 </file>
 
+<file path=ppt/revisionInfo.xml><?xml version="1.0" encoding="utf-8"?>
+<p1510:revInfo xmlns:a="http://schemas.openxmlformats.org/drawingml/2006/main" xmlns:r="http://schemas.openxmlformats.org/officeDocument/2006/relationships" xmlns:p1510="http://schemas.microsoft.com/office/powerpoint/2015/10/main"/>
+</file>
+
 <file path=ppt/notesMasters/notesMaster1.xml><?xml version="1.0" encoding="utf-8"?>
 <p:notesMaster xmlns:a="http://schemas.openxmlformats.org/drawingml/2006/main" xmlns:r="http://schemas.openxmlformats.org/officeDocument/2006/relationships" xmlns:p="http://schemas.openxmlformats.org/presentationml/2006/main">
   <p:cSld>
@@ -215,7 +220,7 @@
           <a:p>
             <a:fld id="{57B1F2C7-647D-4E6C-9518-78BBA26636CD}" type="datetimeFigureOut">
               <a:rPr lang="ru-RU" smtClean="0"/>
-              <a:t>12.11.2022</a:t>
+              <a:t>13.12.2017</a:t>
             </a:fld>
             <a:endParaRPr lang="ru-RU"/>
           </a:p>
@@ -547,7 +552,7 @@
             <a:fld id="{BA8A8B59-8917-444D-81C9-9183FFFD5E18}" type="slidenum">
               <a:rPr lang="ru-RU" smtClean="0"/>
               <a:pPr/>
-              <a:t>3</a:t>
+              <a:t>4</a:t>
             </a:fld>
             <a:endParaRPr lang="ru-RU"/>
           </a:p>
@@ -634,7 +639,7 @@
             <a:fld id="{BA8A8B59-8917-444D-81C9-9183FFFD5E18}" type="slidenum">
               <a:rPr lang="ru-RU" smtClean="0"/>
               <a:pPr/>
-              <a:t>4</a:t>
+              <a:t>5</a:t>
             </a:fld>
             <a:endParaRPr lang="ru-RU"/>
           </a:p>
@@ -832,7 +837,7 @@
           <a:p>
             <a:fld id="{C73210D8-0ADD-4144-99DB-36AF6F7F4769}" type="datetime1">
               <a:rPr lang="ru-RU" smtClean="0"/>
-              <a:t>12.11.2022</a:t>
+              <a:t>13.12.2017</a:t>
             </a:fld>
             <a:endParaRPr lang="ru-RU"/>
           </a:p>
@@ -996,7 +1001,7 @@
           <a:p>
             <a:fld id="{27A63F07-4B06-4241-8BF1-A9844368449D}" type="datetime1">
               <a:rPr lang="ru-RU" smtClean="0"/>
-              <a:t>12.11.2022</a:t>
+              <a:t>13.12.2017</a:t>
             </a:fld>
             <a:endParaRPr lang="ru-RU"/>
           </a:p>
@@ -1170,7 +1175,7 @@
           <a:p>
             <a:fld id="{3F8AB66D-523D-4507-8278-3E470C7309EC}" type="datetime1">
               <a:rPr lang="ru-RU" smtClean="0"/>
-              <a:t>12.11.2022</a:t>
+              <a:t>13.12.2017</a:t>
             </a:fld>
             <a:endParaRPr lang="ru-RU"/>
           </a:p>
@@ -1334,7 +1339,7 @@
           <a:p>
             <a:fld id="{0A9BC236-CEED-4B53-84F1-244A32BF83C2}" type="datetime1">
               <a:rPr lang="ru-RU" smtClean="0"/>
-              <a:t>12.11.2022</a:t>
+              <a:t>13.12.2017</a:t>
             </a:fld>
             <a:endParaRPr lang="ru-RU"/>
           </a:p>
@@ -1575,7 +1580,7 @@
           <a:p>
             <a:fld id="{C463DB76-D7B4-49A6-8E2B-EDDC0BDFD794}" type="datetime1">
               <a:rPr lang="ru-RU" smtClean="0"/>
-              <a:t>12.11.2022</a:t>
+              <a:t>13.12.2017</a:t>
             </a:fld>
             <a:endParaRPr lang="ru-RU"/>
           </a:p>
@@ -1856,7 +1861,7 @@
           <a:p>
             <a:fld id="{8EDEA1B5-828D-41D8-B8F3-6BEE18A37870}" type="datetime1">
               <a:rPr lang="ru-RU" smtClean="0"/>
-              <a:t>12.11.2022</a:t>
+              <a:t>13.12.2017</a:t>
             </a:fld>
             <a:endParaRPr lang="ru-RU"/>
           </a:p>
@@ -2271,7 +2276,7 @@
           <a:p>
             <a:fld id="{05792716-711D-42EE-8BD8-AC77A163DBF3}" type="datetime1">
               <a:rPr lang="ru-RU" smtClean="0"/>
-              <a:t>12.11.2022</a:t>
+              <a:t>13.12.2017</a:t>
             </a:fld>
             <a:endParaRPr lang="ru-RU"/>
           </a:p>
@@ -2384,7 +2389,7 @@
           <a:p>
             <a:fld id="{D513BA53-E41C-4416-8973-8825CA91D5D7}" type="datetime1">
               <a:rPr lang="ru-RU" smtClean="0"/>
-              <a:t>12.11.2022</a:t>
+              <a:t>13.12.2017</a:t>
             </a:fld>
             <a:endParaRPr lang="ru-RU"/>
           </a:p>
@@ -2475,7 +2480,7 @@
           <a:p>
             <a:fld id="{50A6215C-0471-40A4-B786-2B3C7B63D11F}" type="datetime1">
               <a:rPr lang="ru-RU" smtClean="0"/>
-              <a:t>12.11.2022</a:t>
+              <a:t>13.12.2017</a:t>
             </a:fld>
             <a:endParaRPr lang="ru-RU"/>
           </a:p>
@@ -2746,7 +2751,7 @@
           <a:p>
             <a:fld id="{F0F66C35-C07B-4696-A226-4295686BDE80}" type="datetime1">
               <a:rPr lang="ru-RU" smtClean="0"/>
-              <a:t>12.11.2022</a:t>
+              <a:t>13.12.2017</a:t>
             </a:fld>
             <a:endParaRPr lang="ru-RU"/>
           </a:p>
@@ -2994,7 +2999,7 @@
           <a:p>
             <a:fld id="{7A03856C-7F4A-4A83-A46C-A5B39F0F2C10}" type="datetime1">
               <a:rPr lang="ru-RU" smtClean="0"/>
-              <a:t>12.11.2022</a:t>
+              <a:t>13.12.2017</a:t>
             </a:fld>
             <a:endParaRPr lang="ru-RU"/>
           </a:p>
@@ -3201,7 +3206,7 @@
           <a:p>
             <a:fld id="{073A2CB4-22C2-44D0-88EC-161B1103081B}" type="datetime1">
               <a:rPr lang="ru-RU" smtClean="0"/>
-              <a:t>12.11.2022</a:t>
+              <a:t>13.12.2017</a:t>
             </a:fld>
             <a:endParaRPr lang="ru-RU"/>
           </a:p>
@@ -3694,7 +3699,13 @@
       </p:grpSpPr>
       <p:sp>
         <p:nvSpPr>
-          <p:cNvPr id="2" name="Заголовок 1"/>
+          <p:cNvPr id="2" name="Заголовок 1">
+            <a:extLst>
+              <a:ext uri="{FF2B5EF4-FFF2-40B4-BE49-F238E27FC236}">
+                <a16:creationId xmlns:a16="http://schemas.microsoft.com/office/drawing/2014/main" id="{C1C82C6F-E6D7-4D87-B253-76CCE80C8DDA}"/>
+              </a:ext>
+            </a:extLst>
+          </p:cNvPr>
           <p:cNvSpPr>
             <a:spLocks noGrp="1"/>
           </p:cNvSpPr>
@@ -3707,21 +3718,102 @@
           <a:bodyPr/>
           <a:lstStyle/>
           <a:p>
+            <a:endParaRPr lang="ru-RU"/>
+          </a:p>
+        </p:txBody>
+      </p:sp>
+      <p:sp>
+        <p:nvSpPr>
+          <p:cNvPr id="3" name="Объект 2">
+            <a:extLst>
+              <a:ext uri="{FF2B5EF4-FFF2-40B4-BE49-F238E27FC236}">
+                <a16:creationId xmlns:a16="http://schemas.microsoft.com/office/drawing/2014/main" id="{A2FD8CBC-28B8-4895-90C4-DAAA0ABA0EFA}"/>
+              </a:ext>
+            </a:extLst>
+          </p:cNvPr>
+          <p:cNvSpPr>
+            <a:spLocks noGrp="1"/>
+          </p:cNvSpPr>
+          <p:nvPr>
+            <p:ph idx="1"/>
+          </p:nvPr>
+        </p:nvSpPr>
+        <p:spPr/>
+        <p:txBody>
+          <a:bodyPr/>
+          <a:lstStyle/>
+          <a:p>
+            <a:pPr marL="0" indent="0">
+              <a:buNone/>
+            </a:pPr>
+            <a:r>
+              <a:rPr lang="en-US" dirty="0"/>
+              <a:t>7 </a:t>
+            </a:r>
             <a:r>
               <a:rPr lang="ru-RU" dirty="0"/>
-              <a:t>Статические классы</a:t>
-            </a:r>
-          </a:p>
-        </p:txBody>
-      </p:sp>
-      <p:sp>
-        <p:nvSpPr>
-          <p:cNvPr id="3" name="Содержимое 2"/>
-          <p:cNvSpPr>
-            <a:spLocks noGrp="1"/>
-          </p:cNvSpPr>
-          <p:nvPr>
-            <p:ph idx="1"/>
+              <a:t>декабря  </a:t>
+            </a:r>
+          </a:p>
+          <a:p>
+            <a:pPr marL="0" indent="0">
+              <a:buNone/>
+            </a:pPr>
+            <a:r>
+              <a:rPr lang="ru-RU" dirty="0"/>
+              <a:t>11:30 – </a:t>
+            </a:r>
+            <a:r>
+              <a:rPr lang="en-US" dirty="0"/>
+              <a:t>14:30</a:t>
+            </a:r>
+            <a:endParaRPr lang="ru-RU" dirty="0"/>
+          </a:p>
+          <a:p>
+            <a:pPr marL="0" indent="0">
+              <a:buNone/>
+            </a:pPr>
+            <a:r>
+              <a:rPr lang="ru-RU" dirty="0"/>
+              <a:t>Ярмарка вакансий</a:t>
+            </a:r>
+            <a:endParaRPr lang="en-US" dirty="0"/>
+          </a:p>
+          <a:p>
+            <a:pPr marL="0" indent="0">
+              <a:buNone/>
+            </a:pPr>
+            <a:r>
+              <a:rPr lang="en-US" dirty="0"/>
+              <a:t>7 </a:t>
+            </a:r>
+            <a:r>
+              <a:rPr lang="ru-RU" dirty="0"/>
+              <a:t>корпус НГТУ (на Немировича Данченко, между обл. больницей и торговым центром), второй этаж</a:t>
+            </a:r>
+          </a:p>
+          <a:p>
+            <a:pPr marL="0" indent="0">
+              <a:buNone/>
+            </a:pPr>
+            <a:endParaRPr lang="ru-RU" dirty="0"/>
+          </a:p>
+        </p:txBody>
+      </p:sp>
+      <p:sp>
+        <p:nvSpPr>
+          <p:cNvPr id="4" name="Номер слайда 3">
+            <a:extLst>
+              <a:ext uri="{FF2B5EF4-FFF2-40B4-BE49-F238E27FC236}">
+                <a16:creationId xmlns:a16="http://schemas.microsoft.com/office/drawing/2014/main" id="{211B5ED6-8541-4A7C-ABE1-E9F9E0E10A67}"/>
+              </a:ext>
+            </a:extLst>
+          </p:cNvPr>
+          <p:cNvSpPr>
+            <a:spLocks noGrp="1"/>
+          </p:cNvSpPr>
+          <p:nvPr>
+            <p:ph type="sldNum" sz="quarter" idx="12"/>
           </p:nvPr>
         </p:nvSpPr>
         <p:spPr/>
@@ -3729,89 +3821,7 @@
           <a:bodyPr/>
           <a:lstStyle/>
           <a:p>
-            <a:r>
-              <a:rPr lang="ru-RU" dirty="0"/>
-              <a:t>Позволяют создавать:</a:t>
-            </a:r>
-          </a:p>
-          <a:p>
-            <a:pPr lvl="1"/>
-            <a:r>
-              <a:rPr lang="ru-RU" dirty="0"/>
-              <a:t>глобальные объекты;</a:t>
-            </a:r>
-          </a:p>
-          <a:p>
-            <a:pPr lvl="1"/>
-            <a:r>
-              <a:rPr lang="ru-RU" dirty="0"/>
-              <a:t>обертки над функциями</a:t>
-            </a:r>
-            <a:r>
-              <a:rPr lang="en-US" dirty="0"/>
-              <a:t>, </a:t>
-            </a:r>
-            <a:r>
-              <a:rPr lang="ru-RU" dirty="0"/>
-              <a:t>написанными на </a:t>
-            </a:r>
-            <a:r>
-              <a:rPr lang="en-US" dirty="0"/>
-              <a:t>C (</a:t>
-            </a:r>
-            <a:r>
-              <a:rPr lang="ru-RU" dirty="0"/>
-              <a:t>например, библиотеки </a:t>
-            </a:r>
-            <a:r>
-              <a:rPr lang="en-US" dirty="0"/>
-              <a:t>Win32 API</a:t>
-            </a:r>
-            <a:r>
-              <a:rPr lang="ru-RU" dirty="0"/>
-              <a:t>) – функции, помеченные атрибутом </a:t>
-            </a:r>
-            <a:r>
-              <a:rPr lang="en-US" dirty="0"/>
-              <a:t>[</a:t>
-            </a:r>
-            <a:r>
-              <a:rPr lang="en-US" dirty="0" err="1"/>
-              <a:t>DllImport</a:t>
-            </a:r>
-            <a:r>
-              <a:rPr lang="en-US" dirty="0"/>
-              <a:t>]</a:t>
-            </a:r>
-            <a:endParaRPr lang="ru-RU" dirty="0"/>
-          </a:p>
-          <a:p>
-            <a:r>
-              <a:rPr lang="ru-RU" dirty="0"/>
-              <a:t>Статическими могут быть как классы целиком, так и отдельные члены класса</a:t>
-            </a:r>
-          </a:p>
-          <a:p>
-            <a:endParaRPr lang="ru-RU" dirty="0"/>
-          </a:p>
-        </p:txBody>
-      </p:sp>
-      <p:sp>
-        <p:nvSpPr>
-          <p:cNvPr id="4" name="Номер слайда 3"/>
-          <p:cNvSpPr>
-            <a:spLocks noGrp="1"/>
-          </p:cNvSpPr>
-          <p:nvPr>
-            <p:ph type="sldNum" sz="quarter" idx="12"/>
-          </p:nvPr>
-        </p:nvSpPr>
-        <p:spPr/>
-        <p:txBody>
-          <a:bodyPr/>
-          <a:lstStyle/>
-          <a:p>
-            <a:fld id="{194E9D9E-8475-4C3D-B07C-FDD1702DB06B}" type="slidenum">
+            <a:fld id="{725C68B6-61C2-468F-89AB-4B9F7531AA68}" type="slidenum">
               <a:rPr lang="ru-RU" smtClean="0"/>
               <a:pPr/>
               <a:t>2</a:t>
@@ -3823,7 +3833,7 @@
     </p:spTree>
     <p:extLst>
       <p:ext uri="{BB962C8B-B14F-4D97-AF65-F5344CB8AC3E}">
-        <p14:creationId xmlns:p14="http://schemas.microsoft.com/office/powerpoint/2010/main" val="2598933327"/>
+        <p14:creationId xmlns:p14="http://schemas.microsoft.com/office/powerpoint/2010/main" val="1144961153"/>
       </p:ext>
     </p:extLst>
   </p:cSld>
@@ -3860,16 +3870,9 @@
             <p:ph type="title"/>
           </p:nvPr>
         </p:nvSpPr>
-        <p:spPr>
-          <a:xfrm>
-            <a:off x="467544" y="0"/>
-            <a:ext cx="8229600" cy="764704"/>
-          </a:xfrm>
-        </p:spPr>
-        <p:txBody>
-          <a:bodyPr>
-            <a:normAutofit/>
-          </a:bodyPr>
+        <p:spPr/>
+        <p:txBody>
+          <a:bodyPr/>
           <a:lstStyle/>
           <a:p>
             <a:r>
@@ -3889,257 +3892,75 @@
             <p:ph idx="1"/>
           </p:nvPr>
         </p:nvSpPr>
-        <p:spPr>
-          <a:xfrm>
-            <a:off x="0" y="764704"/>
-            <a:ext cx="9144000" cy="6093296"/>
-          </a:xfrm>
-        </p:spPr>
-        <p:txBody>
-          <a:bodyPr>
-            <a:normAutofit fontScale="62500" lnSpcReduction="20000"/>
-          </a:bodyPr>
-          <a:lstStyle/>
-          <a:p>
-            <a:pPr>
-              <a:buNone/>
-            </a:pPr>
-            <a:r>
-              <a:rPr lang="en-US" sz="4200" dirty="0"/>
-              <a:t>using System.IO;</a:t>
-            </a:r>
-            <a:endParaRPr lang="ru-RU" sz="4200" dirty="0"/>
-          </a:p>
-          <a:p>
-            <a:pPr>
-              <a:buNone/>
-            </a:pPr>
-            <a:r>
-              <a:rPr lang="en-US" sz="4200" dirty="0"/>
-              <a:t>public static class Log</a:t>
-            </a:r>
-            <a:endParaRPr lang="ru-RU" sz="4200" dirty="0"/>
-          </a:p>
-          <a:p>
-            <a:pPr>
-              <a:buNone/>
-            </a:pPr>
-            <a:r>
-              <a:rPr lang="ru-RU" sz="4200" dirty="0"/>
-              <a:t>{</a:t>
-            </a:r>
-          </a:p>
-          <a:p>
-            <a:pPr>
-              <a:buNone/>
-            </a:pPr>
-            <a:r>
-              <a:rPr lang="ru-RU" sz="4200" dirty="0"/>
-              <a:t>	</a:t>
-            </a:r>
-            <a:r>
-              <a:rPr lang="en-US" sz="4200" dirty="0"/>
-              <a:t> static string  _</a:t>
-            </a:r>
-            <a:r>
-              <a:rPr lang="en-US" sz="4200" dirty="0" err="1"/>
-              <a:t>fileName</a:t>
-            </a:r>
-            <a:r>
-              <a:rPr lang="en-US" sz="4200" dirty="0"/>
-              <a:t> = “mylog.log”;</a:t>
-            </a:r>
-          </a:p>
-          <a:p>
-            <a:pPr>
-              <a:buNone/>
-            </a:pPr>
-            <a:r>
-              <a:rPr lang="en-US" sz="4200" dirty="0"/>
-              <a:t>      static </a:t>
-            </a:r>
-            <a:r>
-              <a:rPr lang="en-US" sz="4200" dirty="0" err="1"/>
-              <a:t>StreamWriter</a:t>
-            </a:r>
-            <a:r>
-              <a:rPr lang="en-US" sz="4200" dirty="0"/>
-              <a:t>   _writer;</a:t>
-            </a:r>
-          </a:p>
-          <a:p>
-            <a:pPr>
-              <a:buNone/>
-            </a:pPr>
-            <a:r>
-              <a:rPr lang="en-US" sz="4200" dirty="0"/>
-              <a:t>	 static int  _eventide = 0;</a:t>
-            </a:r>
-          </a:p>
-          <a:p>
-            <a:pPr>
-              <a:buNone/>
-            </a:pPr>
-            <a:r>
-              <a:rPr lang="en-US" sz="4200" dirty="0"/>
-              <a:t>	 public static void Write( </a:t>
-            </a:r>
-            <a:r>
-              <a:rPr lang="en-US" sz="4200" dirty="0" err="1"/>
-              <a:t>int</a:t>
-            </a:r>
-            <a:r>
-              <a:rPr lang="en-US" sz="4200" dirty="0"/>
-              <a:t> </a:t>
-            </a:r>
-            <a:r>
-              <a:rPr lang="en-US" sz="4200" dirty="0" err="1"/>
-              <a:t>eventType</a:t>
-            </a:r>
-            <a:r>
-              <a:rPr lang="en-US" sz="4200" dirty="0"/>
-              <a:t>, string message ) </a:t>
-            </a:r>
-          </a:p>
-          <a:p>
-            <a:pPr>
-              <a:buNone/>
-            </a:pPr>
-            <a:r>
-              <a:rPr lang="en-US" sz="4200" dirty="0"/>
-              <a:t>       {</a:t>
-            </a:r>
-            <a:endParaRPr lang="ru-RU" sz="4200" dirty="0"/>
-          </a:p>
-          <a:p>
-            <a:pPr>
-              <a:buNone/>
-            </a:pPr>
-            <a:r>
-              <a:rPr lang="ru-RU" sz="4200" dirty="0"/>
-              <a:t>		 </a:t>
-            </a:r>
-            <a:r>
-              <a:rPr lang="en-US" sz="4200" dirty="0"/>
-              <a:t>    </a:t>
-            </a:r>
-            <a:r>
-              <a:rPr lang="en-US" sz="4200" dirty="0" err="1"/>
-              <a:t>writer.WriteLine</a:t>
-            </a:r>
-            <a:r>
-              <a:rPr lang="en-US" sz="4200" dirty="0"/>
-              <a:t>( “{0,20} {1,5},{2,5}, {3,50}", </a:t>
-            </a:r>
-          </a:p>
-          <a:p>
-            <a:pPr>
-              <a:buNone/>
-            </a:pPr>
-            <a:r>
-              <a:rPr lang="en-US" sz="4200" dirty="0"/>
-              <a:t>		     </a:t>
-            </a:r>
-            <a:r>
-              <a:rPr lang="en-US" sz="4200" dirty="0" err="1"/>
-              <a:t>DateTime.Now</a:t>
-            </a:r>
-            <a:r>
-              <a:rPr lang="en-US" sz="4200" dirty="0"/>
-              <a:t>, _</a:t>
-            </a:r>
-            <a:r>
-              <a:rPr lang="en-US" sz="4200" dirty="0" err="1"/>
-              <a:t>eventId</a:t>
-            </a:r>
-            <a:r>
-              <a:rPr lang="en-US" sz="4200" dirty="0"/>
+        <p:spPr/>
+        <p:txBody>
+          <a:bodyPr/>
+          <a:lstStyle/>
+          <a:p>
+            <a:r>
+              <a:rPr lang="ru-RU" dirty="0"/>
+              <a:t>Позволяют создавать:</a:t>
+            </a:r>
+          </a:p>
+          <a:p>
+            <a:pPr lvl="1"/>
+            <a:r>
+              <a:rPr lang="ru-RU" dirty="0"/>
+              <a:t>глобальные объекты;</a:t>
+            </a:r>
+          </a:p>
+          <a:p>
+            <a:pPr lvl="1"/>
+            <a:r>
+              <a:rPr lang="ru-RU" dirty="0"/>
+              <a:t>обертки над функциями</a:t>
+            </a:r>
+            <a:r>
+              <a:rPr lang="en-US" dirty="0"/>
               <a:t>, </a:t>
             </a:r>
             <a:r>
-              <a:rPr lang="en-US" sz="4200" dirty="0" err="1"/>
-              <a:t>eventType</a:t>
-            </a:r>
-            <a:r>
-              <a:rPr lang="en-US" sz="4200" dirty="0"/>
-              <a:t>, message );</a:t>
-            </a:r>
-          </a:p>
-          <a:p>
-            <a:pPr>
-              <a:buNone/>
-            </a:pPr>
-            <a:r>
-              <a:rPr lang="en-US" sz="4200" dirty="0"/>
-              <a:t>          	     </a:t>
-            </a:r>
-            <a:r>
-              <a:rPr lang="en-US" sz="4200" dirty="0" err="1"/>
-              <a:t>writer.Flush</a:t>
-            </a:r>
-            <a:r>
-              <a:rPr lang="en-US" sz="4200" dirty="0"/>
-              <a:t>( );</a:t>
-            </a:r>
-            <a:r>
-              <a:rPr lang="ru-RU" sz="4200" dirty="0"/>
-              <a:t> </a:t>
-            </a:r>
-            <a:endParaRPr lang="en-US" sz="4200" dirty="0"/>
-          </a:p>
-          <a:p>
-            <a:pPr>
-              <a:buNone/>
-            </a:pPr>
-            <a:r>
-              <a:rPr lang="en-US" sz="4200" dirty="0"/>
-              <a:t>		</a:t>
-            </a:r>
-            <a:r>
-              <a:rPr lang="ru-RU" sz="4200" dirty="0"/>
-              <a:t>     </a:t>
-            </a:r>
-            <a:r>
-              <a:rPr lang="en-US" sz="4200" dirty="0" err="1"/>
-              <a:t>eventId</a:t>
-            </a:r>
-            <a:r>
-              <a:rPr lang="ru-RU" sz="4200" dirty="0"/>
-              <a:t>++</a:t>
-            </a:r>
-            <a:r>
-              <a:rPr lang="en-US" sz="4200" dirty="0"/>
-              <a:t>;        </a:t>
-            </a:r>
-          </a:p>
-          <a:p>
-            <a:pPr>
-              <a:buNone/>
-            </a:pPr>
-            <a:r>
-              <a:rPr lang="en-US" sz="4200" dirty="0"/>
-              <a:t>	}</a:t>
-            </a:r>
-            <a:endParaRPr lang="ru-RU" sz="4200" dirty="0"/>
-          </a:p>
-          <a:p>
-            <a:pPr>
-              <a:buNone/>
-            </a:pPr>
-            <a:r>
-              <a:rPr lang="en-US" sz="4200" dirty="0"/>
-              <a:t>}</a:t>
-            </a:r>
-          </a:p>
-          <a:p>
-            <a:pPr>
-              <a:buNone/>
-            </a:pPr>
-            <a:r>
-              <a:rPr lang="ru-RU" sz="4200" dirty="0"/>
-              <a:t>В каких случаях, данный код не будет работать корректно?</a:t>
-            </a:r>
-            <a:endParaRPr lang="en-US" sz="4200" dirty="0"/>
+              <a:rPr lang="ru-RU" dirty="0"/>
+              <a:t>написанными на </a:t>
+            </a:r>
+            <a:r>
+              <a:rPr lang="en-US" dirty="0"/>
+              <a:t>C (</a:t>
+            </a:r>
+            <a:r>
+              <a:rPr lang="ru-RU" dirty="0"/>
+              <a:t>например, библиотеки </a:t>
+            </a:r>
+            <a:r>
+              <a:rPr lang="en-US" dirty="0"/>
+              <a:t>Win32 API</a:t>
+            </a:r>
+            <a:r>
+              <a:rPr lang="ru-RU" dirty="0"/>
+              <a:t>) – функции, помеченные атрибутом </a:t>
+            </a:r>
+            <a:r>
+              <a:rPr lang="en-US" dirty="0"/>
+              <a:t>[</a:t>
+            </a:r>
+            <a:r>
+              <a:rPr lang="en-US" dirty="0" err="1"/>
+              <a:t>DllImport</a:t>
+            </a:r>
+            <a:r>
+              <a:rPr lang="en-US" dirty="0"/>
+              <a:t>]</a:t>
+            </a:r>
+            <a:endParaRPr lang="ru-RU" dirty="0"/>
+          </a:p>
+          <a:p>
+            <a:r>
+              <a:rPr lang="ru-RU" dirty="0"/>
+              <a:t>Статическими могут быть как классы целиком, так и отдельные члены класса</a:t>
+            </a:r>
+          </a:p>
+          <a:p>
+            <a:endParaRPr lang="ru-RU" dirty="0"/>
           </a:p>
         </p:txBody>
       </p:sp>
@@ -4163,14 +3984,14 @@
               <a:pPr/>
               <a:t>3</a:t>
             </a:fld>
-            <a:endParaRPr lang="ru-RU" dirty="0"/>
+            <a:endParaRPr lang="ru-RU"/>
           </a:p>
         </p:txBody>
       </p:sp>
     </p:spTree>
     <p:extLst>
       <p:ext uri="{BB962C8B-B14F-4D97-AF65-F5344CB8AC3E}">
-        <p14:creationId xmlns:p14="http://schemas.microsoft.com/office/powerpoint/2010/main" val="4258497918"/>
+        <p14:creationId xmlns:p14="http://schemas.microsoft.com/office/powerpoint/2010/main" val="2598933327"/>
       </p:ext>
     </p:extLst>
   </p:cSld>
@@ -4244,7 +4065,7 @@
         </p:spPr>
         <p:txBody>
           <a:bodyPr>
-            <a:normAutofit fontScale="55000" lnSpcReduction="20000"/>
+            <a:normAutofit fontScale="62500" lnSpcReduction="20000"/>
           </a:bodyPr>
           <a:lstStyle/>
           <a:p>
@@ -4320,7 +4141,16 @@
             </a:pPr>
             <a:r>
               <a:rPr lang="en-US" sz="4200" dirty="0"/>
-              <a:t>	 static </a:t>
+              <a:t>	 static int  _eventide = 0;</a:t>
+            </a:r>
+          </a:p>
+          <a:p>
+            <a:pPr>
+              <a:buNone/>
+            </a:pPr>
+            <a:r>
+              <a:rPr lang="en-US" sz="4200" dirty="0"/>
+              <a:t>	 public static void Write( </a:t>
             </a:r>
             <a:r>
               <a:rPr lang="en-US" sz="4200" dirty="0" err="1"/>
@@ -4328,7 +4158,63 @@
             </a:r>
             <a:r>
               <a:rPr lang="en-US" sz="4200" dirty="0"/>
-              <a:t>  _</a:t>
+              <a:t> </a:t>
+            </a:r>
+            <a:r>
+              <a:rPr lang="en-US" sz="4200" dirty="0" err="1"/>
+              <a:t>eventType</a:t>
+            </a:r>
+            <a:r>
+              <a:rPr lang="en-US" sz="4200" dirty="0"/>
+              <a:t>, string message ) </a:t>
+            </a:r>
+          </a:p>
+          <a:p>
+            <a:pPr>
+              <a:buNone/>
+            </a:pPr>
+            <a:r>
+              <a:rPr lang="en-US" sz="4200" dirty="0"/>
+              <a:t>       {</a:t>
+            </a:r>
+            <a:endParaRPr lang="ru-RU" sz="4200" dirty="0"/>
+          </a:p>
+          <a:p>
+            <a:pPr>
+              <a:buNone/>
+            </a:pPr>
+            <a:r>
+              <a:rPr lang="ru-RU" sz="4200" dirty="0"/>
+              <a:t>		 </a:t>
+            </a:r>
+            <a:r>
+              <a:rPr lang="en-US" sz="4200" dirty="0"/>
+              <a:t>    </a:t>
+            </a:r>
+            <a:r>
+              <a:rPr lang="en-US" sz="4200" dirty="0" err="1"/>
+              <a:t>writer.WriteLine</a:t>
+            </a:r>
+            <a:r>
+              <a:rPr lang="en-US" sz="4200" dirty="0"/>
+              <a:t>( “{0,20} {1,5},{2,5}, {3,50}", </a:t>
+            </a:r>
+          </a:p>
+          <a:p>
+            <a:pPr>
+              <a:buNone/>
+            </a:pPr>
+            <a:r>
+              <a:rPr lang="en-US" sz="4200" dirty="0"/>
+              <a:t>		     </a:t>
+            </a:r>
+            <a:r>
+              <a:rPr lang="en-US" sz="4200" dirty="0" err="1"/>
+              <a:t>DateTime.Now</a:t>
+            </a:r>
+            <a:r>
+              <a:rPr lang="en-US" sz="4200" dirty="0"/>
+              <a:t>, _</a:t>
             </a:r>
             <a:r>
               <a:rPr lang="en-US" sz="4200" dirty="0" err="1"/>
@@ -4336,24 +4222,7 @@
             </a:r>
             <a:r>
               <a:rPr lang="en-US" sz="4200" dirty="0"/>
-              <a:t>;</a:t>
-            </a:r>
-          </a:p>
-          <a:p>
-            <a:pPr>
-              <a:buNone/>
-            </a:pPr>
-            <a:r>
-              <a:rPr lang="en-US" sz="4200" dirty="0"/>
-              <a:t>	 public static void Write( </a:t>
-            </a:r>
-            <a:r>
-              <a:rPr lang="en-US" sz="4200" dirty="0" err="1"/>
-              <a:t>int</a:t>
-            </a:r>
-            <a:r>
-              <a:rPr lang="en-US" sz="4200" dirty="0"/>
-              <a:t> </a:t>
+              <a:t>, </a:t>
             </a:r>
             <a:r>
               <a:rPr lang="en-US" sz="4200" dirty="0" err="1"/>
@@ -4361,7 +4230,7 @@
             </a:r>
             <a:r>
               <a:rPr lang="en-US" sz="4200" dirty="0"/>
-              <a:t>, string message ) </a:t>
+              <a:t>, message );</a:t>
             </a:r>
           </a:p>
           <a:p>
@@ -4370,136 +4239,45 @@
             </a:pPr>
             <a:r>
               <a:rPr lang="en-US" sz="4200" dirty="0"/>
-              <a:t>       {</a:t>
-            </a:r>
-            <a:endParaRPr lang="ru-RU" sz="4200" dirty="0"/>
+              <a:t>          	     </a:t>
+            </a:r>
+            <a:r>
+              <a:rPr lang="en-US" sz="4200" dirty="0" err="1"/>
+              <a:t>writer.Flush</a:t>
+            </a:r>
+            <a:r>
+              <a:rPr lang="en-US" sz="4200" dirty="0"/>
+              <a:t>( );</a:t>
+            </a:r>
+            <a:r>
+              <a:rPr lang="ru-RU" sz="4200" dirty="0"/>
+              <a:t> </a:t>
+            </a:r>
+            <a:endParaRPr lang="en-US" sz="4200" dirty="0"/>
           </a:p>
           <a:p>
             <a:pPr>
               <a:buNone/>
             </a:pPr>
             <a:r>
+              <a:rPr lang="en-US" sz="4200" dirty="0"/>
+              <a:t>		</a:t>
+            </a:r>
+            <a:r>
               <a:rPr lang="ru-RU" sz="4200" dirty="0"/>
-              <a:t>		</a:t>
-            </a:r>
-            <a:r>
-              <a:rPr lang="en-US" sz="4200" dirty="0"/>
-              <a:t>lock( _writer) </a:t>
-            </a:r>
-          </a:p>
-          <a:p>
-            <a:pPr>
-              <a:buNone/>
-            </a:pPr>
-            <a:r>
-              <a:rPr lang="en-US" sz="4200" dirty="0"/>
-              <a:t>		{</a:t>
-            </a:r>
-          </a:p>
-          <a:p>
-            <a:pPr>
-              <a:buNone/>
-            </a:pPr>
-            <a:r>
-              <a:rPr lang="en-US" sz="4200" dirty="0"/>
-              <a:t>		     </a:t>
-            </a:r>
-            <a:r>
-              <a:rPr lang="en-US" sz="4200" dirty="0" err="1"/>
-              <a:t>writer.WriteLine</a:t>
-            </a:r>
-            <a:r>
-              <a:rPr lang="en-US" sz="4200" dirty="0"/>
-              <a:t>( “{0,20} {1,5},{2,5}, {3,50}", </a:t>
-            </a:r>
-          </a:p>
-          <a:p>
-            <a:pPr>
-              <a:buNone/>
-            </a:pPr>
-            <a:r>
-              <a:rPr lang="en-US" sz="4200" dirty="0"/>
-              <a:t>		     </a:t>
-            </a:r>
-            <a:r>
-              <a:rPr lang="en-US" sz="4200" dirty="0" err="1"/>
-              <a:t>DateTime.Now</a:t>
-            </a:r>
-            <a:r>
-              <a:rPr lang="en-US" sz="4200" dirty="0"/>
-              <a:t>, _</a:t>
+              <a:t>     </a:t>
             </a:r>
             <a:r>
               <a:rPr lang="en-US" sz="4200" dirty="0" err="1"/>
               <a:t>eventId</a:t>
             </a:r>
             <a:r>
+              <a:rPr lang="ru-RU" sz="4200" dirty="0"/>
+              <a:t>++</a:t>
+            </a:r>
+            <a:r>
               <a:rPr lang="en-US" sz="4200" dirty="0"/>
-              <a:t>, </a:t>
-            </a:r>
-            <a:r>
-              <a:rPr lang="en-US" sz="4200" dirty="0" err="1"/>
-              <a:t>eventType</a:t>
-            </a:r>
-            <a:r>
-              <a:rPr lang="en-US" sz="4200" dirty="0"/>
-              <a:t>, message );</a:t>
-            </a:r>
-          </a:p>
-          <a:p>
-            <a:pPr>
-              <a:buNone/>
-            </a:pPr>
-            <a:r>
-              <a:rPr lang="en-US" sz="4200" dirty="0"/>
-              <a:t>          	     </a:t>
-            </a:r>
-            <a:r>
-              <a:rPr lang="en-US" sz="4200" dirty="0" err="1"/>
-              <a:t>writer.Flush</a:t>
-            </a:r>
-            <a:r>
-              <a:rPr lang="en-US" sz="4200" dirty="0"/>
-              <a:t>( );</a:t>
-            </a:r>
-            <a:r>
-              <a:rPr lang="ru-RU" sz="4200" dirty="0"/>
-              <a:t> </a:t>
-            </a:r>
-            <a:endParaRPr lang="en-US" sz="4200" dirty="0"/>
-          </a:p>
-          <a:p>
-            <a:pPr>
-              <a:buNone/>
-            </a:pPr>
-            <a:r>
-              <a:rPr lang="en-US" sz="4200" dirty="0"/>
-              <a:t>		}	</a:t>
-            </a:r>
-          </a:p>
-          <a:p>
-            <a:pPr>
-              <a:buNone/>
-            </a:pPr>
-            <a:r>
-              <a:rPr lang="en-US" sz="4200" dirty="0"/>
-              <a:t>              </a:t>
-            </a:r>
-            <a:r>
-              <a:rPr lang="en-US" sz="4200" dirty="0" err="1"/>
-              <a:t>Interlocked.Increment</a:t>
-            </a:r>
-            <a:r>
-              <a:rPr lang="en-US" sz="4200" dirty="0"/>
-              <a:t>( ref </a:t>
-            </a:r>
-            <a:r>
-              <a:rPr lang="en-US" sz="4200" dirty="0" err="1"/>
-              <a:t>eventId</a:t>
-            </a:r>
-            <a:r>
-              <a:rPr lang="en-US" sz="4200" dirty="0"/>
-              <a:t> );        </a:t>
+              <a:t>;        </a:t>
             </a:r>
           </a:p>
           <a:p>
@@ -4510,6 +4288,26 @@
               <a:rPr lang="en-US" sz="4200" dirty="0"/>
               <a:t>	}</a:t>
             </a:r>
+            <a:endParaRPr lang="ru-RU" sz="4200" dirty="0"/>
+          </a:p>
+          <a:p>
+            <a:pPr>
+              <a:buNone/>
+            </a:pPr>
+            <a:r>
+              <a:rPr lang="en-US" sz="4200" dirty="0"/>
+              <a:t>}</a:t>
+            </a:r>
+          </a:p>
+          <a:p>
+            <a:pPr>
+              <a:buNone/>
+            </a:pPr>
+            <a:r>
+              <a:rPr lang="ru-RU" sz="4200" dirty="0"/>
+              <a:t>В каких случаях, данный код не будет работать корректно?</a:t>
+            </a:r>
+            <a:endParaRPr lang="en-US" sz="4200" dirty="0"/>
           </a:p>
         </p:txBody>
       </p:sp>
@@ -4533,14 +4331,14 @@
               <a:pPr/>
               <a:t>4</a:t>
             </a:fld>
-            <a:endParaRPr lang="ru-RU"/>
+            <a:endParaRPr lang="ru-RU" dirty="0"/>
           </a:p>
         </p:txBody>
       </p:sp>
     </p:spTree>
     <p:extLst>
       <p:ext uri="{BB962C8B-B14F-4D97-AF65-F5344CB8AC3E}">
-        <p14:creationId xmlns:p14="http://schemas.microsoft.com/office/powerpoint/2010/main" val="2321678846"/>
+        <p14:creationId xmlns:p14="http://schemas.microsoft.com/office/powerpoint/2010/main" val="4258497918"/>
       </p:ext>
     </p:extLst>
   </p:cSld>
@@ -4580,16 +4378,305 @@
         <p:spPr>
           <a:xfrm>
             <a:off x="467544" y="0"/>
-            <a:ext cx="8229600" cy="1143000"/>
+            <a:ext cx="8229600" cy="764704"/>
           </a:xfrm>
         </p:spPr>
         <p:txBody>
-          <a:bodyPr/>
+          <a:bodyPr>
+            <a:normAutofit/>
+          </a:bodyPr>
           <a:lstStyle/>
           <a:p>
             <a:r>
               <a:rPr lang="ru-RU" dirty="0"/>
               <a:t>Статические классы</a:t>
+            </a:r>
+          </a:p>
+        </p:txBody>
+      </p:sp>
+      <p:sp>
+        <p:nvSpPr>
+          <p:cNvPr id="3" name="Содержимое 2"/>
+          <p:cNvSpPr>
+            <a:spLocks noGrp="1"/>
+          </p:cNvSpPr>
+          <p:nvPr>
+            <p:ph idx="1"/>
+          </p:nvPr>
+        </p:nvSpPr>
+        <p:spPr>
+          <a:xfrm>
+            <a:off x="0" y="764704"/>
+            <a:ext cx="9144000" cy="6093296"/>
+          </a:xfrm>
+        </p:spPr>
+        <p:txBody>
+          <a:bodyPr>
+            <a:normAutofit fontScale="55000" lnSpcReduction="20000"/>
+          </a:bodyPr>
+          <a:lstStyle/>
+          <a:p>
+            <a:pPr>
+              <a:buNone/>
+            </a:pPr>
+            <a:r>
+              <a:rPr lang="en-US" sz="4200" dirty="0"/>
+              <a:t>using System.IO;</a:t>
+            </a:r>
+            <a:endParaRPr lang="ru-RU" sz="4200" dirty="0"/>
+          </a:p>
+          <a:p>
+            <a:pPr>
+              <a:buNone/>
+            </a:pPr>
+            <a:r>
+              <a:rPr lang="en-US" sz="4200" dirty="0"/>
+              <a:t>public static class Log</a:t>
+            </a:r>
+            <a:endParaRPr lang="ru-RU" sz="4200" dirty="0"/>
+          </a:p>
+          <a:p>
+            <a:pPr>
+              <a:buNone/>
+            </a:pPr>
+            <a:r>
+              <a:rPr lang="ru-RU" sz="4200" dirty="0"/>
+              <a:t>{</a:t>
+            </a:r>
+          </a:p>
+          <a:p>
+            <a:pPr>
+              <a:buNone/>
+            </a:pPr>
+            <a:r>
+              <a:rPr lang="ru-RU" sz="4200" dirty="0"/>
+              <a:t>	</a:t>
+            </a:r>
+            <a:r>
+              <a:rPr lang="en-US" sz="4200" dirty="0"/>
+              <a:t> static string  _</a:t>
+            </a:r>
+            <a:r>
+              <a:rPr lang="en-US" sz="4200" dirty="0" err="1"/>
+              <a:t>fileName</a:t>
+            </a:r>
+            <a:r>
+              <a:rPr lang="en-US" sz="4200" dirty="0"/>
+              <a:t> = “mylog.log”;</a:t>
+            </a:r>
+          </a:p>
+          <a:p>
+            <a:pPr>
+              <a:buNone/>
+            </a:pPr>
+            <a:r>
+              <a:rPr lang="en-US" sz="4200" dirty="0"/>
+              <a:t>      static </a:t>
+            </a:r>
+            <a:r>
+              <a:rPr lang="en-US" sz="4200" dirty="0" err="1"/>
+              <a:t>StreamWriter</a:t>
+            </a:r>
+            <a:r>
+              <a:rPr lang="en-US" sz="4200" dirty="0"/>
+              <a:t>   _writer;</a:t>
+            </a:r>
+          </a:p>
+          <a:p>
+            <a:pPr>
+              <a:buNone/>
+            </a:pPr>
+            <a:r>
+              <a:rPr lang="en-US" sz="4200" dirty="0"/>
+              <a:t>	 static </a:t>
+            </a:r>
+            <a:r>
+              <a:rPr lang="en-US" sz="4200" dirty="0" err="1"/>
+              <a:t>int</a:t>
+            </a:r>
+            <a:r>
+              <a:rPr lang="en-US" sz="4200" dirty="0"/>
+              <a:t>  _</a:t>
+            </a:r>
+            <a:r>
+              <a:rPr lang="en-US" sz="4200" dirty="0" err="1"/>
+              <a:t>eventId</a:t>
+            </a:r>
+            <a:r>
+              <a:rPr lang="en-US" sz="4200" dirty="0"/>
+              <a:t>;</a:t>
+            </a:r>
+          </a:p>
+          <a:p>
+            <a:pPr>
+              <a:buNone/>
+            </a:pPr>
+            <a:r>
+              <a:rPr lang="en-US" sz="4200" dirty="0"/>
+              <a:t>	 public static void Write( </a:t>
+            </a:r>
+            <a:r>
+              <a:rPr lang="en-US" sz="4200" dirty="0" err="1"/>
+              <a:t>int</a:t>
+            </a:r>
+            <a:r>
+              <a:rPr lang="en-US" sz="4200" dirty="0"/>
+              <a:t> </a:t>
+            </a:r>
+            <a:r>
+              <a:rPr lang="en-US" sz="4200" dirty="0" err="1"/>
+              <a:t>eventType</a:t>
+            </a:r>
+            <a:r>
+              <a:rPr lang="en-US" sz="4200" dirty="0"/>
+              <a:t>, string message ) </a:t>
+            </a:r>
+          </a:p>
+          <a:p>
+            <a:pPr>
+              <a:buNone/>
+            </a:pPr>
+            <a:r>
+              <a:rPr lang="en-US" sz="4200" dirty="0"/>
+              <a:t>       {</a:t>
+            </a:r>
+            <a:endParaRPr lang="ru-RU" sz="4200" dirty="0"/>
+          </a:p>
+          <a:p>
+            <a:pPr>
+              <a:buNone/>
+            </a:pPr>
+            <a:r>
+              <a:rPr lang="ru-RU" sz="4200" dirty="0"/>
+              <a:t>		</a:t>
+            </a:r>
+            <a:r>
+              <a:rPr lang="en-US" sz="4200" dirty="0"/>
+              <a:t>lock( _writer) </a:t>
+            </a:r>
+          </a:p>
+          <a:p>
+            <a:pPr>
+              <a:buNone/>
+            </a:pPr>
+            <a:r>
+              <a:rPr lang="en-US" sz="4200" dirty="0"/>
+              <a:t>		{</a:t>
+            </a:r>
+          </a:p>
+          <a:p>
+            <a:pPr>
+              <a:buNone/>
+            </a:pPr>
+            <a:r>
+              <a:rPr lang="en-US" sz="4200" dirty="0"/>
+              <a:t>		     </a:t>
+            </a:r>
+            <a:r>
+              <a:rPr lang="en-US" sz="4200" dirty="0" err="1"/>
+              <a:t>writer.WriteLine</a:t>
+            </a:r>
+            <a:r>
+              <a:rPr lang="en-US" sz="4200" dirty="0"/>
+              <a:t>( “{0,20} {1,5},{2,5}, {3,50}", </a:t>
+            </a:r>
+          </a:p>
+          <a:p>
+            <a:pPr>
+              <a:buNone/>
+            </a:pPr>
+            <a:r>
+              <a:rPr lang="en-US" sz="4200" dirty="0"/>
+              <a:t>		     </a:t>
+            </a:r>
+            <a:r>
+              <a:rPr lang="en-US" sz="4200" dirty="0" err="1"/>
+              <a:t>DateTime.Now</a:t>
+            </a:r>
+            <a:r>
+              <a:rPr lang="en-US" sz="4200" dirty="0"/>
+              <a:t>, _</a:t>
+            </a:r>
+            <a:r>
+              <a:rPr lang="en-US" sz="4200" dirty="0" err="1"/>
+              <a:t>eventId</a:t>
+            </a:r>
+            <a:r>
+              <a:rPr lang="en-US" sz="4200" dirty="0"/>
+              <a:t>, </a:t>
+            </a:r>
+            <a:r>
+              <a:rPr lang="en-US" sz="4200" dirty="0" err="1"/>
+              <a:t>eventType</a:t>
+            </a:r>
+            <a:r>
+              <a:rPr lang="en-US" sz="4200" dirty="0"/>
+              <a:t>, message );</a:t>
+            </a:r>
+          </a:p>
+          <a:p>
+            <a:pPr>
+              <a:buNone/>
+            </a:pPr>
+            <a:r>
+              <a:rPr lang="en-US" sz="4200" dirty="0"/>
+              <a:t>          	     </a:t>
+            </a:r>
+            <a:r>
+              <a:rPr lang="en-US" sz="4200" dirty="0" err="1"/>
+              <a:t>writer.Flush</a:t>
+            </a:r>
+            <a:r>
+              <a:rPr lang="en-US" sz="4200" dirty="0"/>
+              <a:t>( );</a:t>
+            </a:r>
+            <a:r>
+              <a:rPr lang="ru-RU" sz="4200" dirty="0"/>
+              <a:t> </a:t>
+            </a:r>
+            <a:endParaRPr lang="en-US" sz="4200" dirty="0"/>
+          </a:p>
+          <a:p>
+            <a:pPr>
+              <a:buNone/>
+            </a:pPr>
+            <a:r>
+              <a:rPr lang="en-US" sz="4200" dirty="0"/>
+              <a:t>		}	</a:t>
+            </a:r>
+          </a:p>
+          <a:p>
+            <a:pPr>
+              <a:buNone/>
+            </a:pPr>
+            <a:r>
+              <a:rPr lang="en-US" sz="4200" dirty="0"/>
+              <a:t>              </a:t>
+            </a:r>
+            <a:r>
+              <a:rPr lang="en-US" sz="4200" dirty="0" err="1"/>
+              <a:t>Interlocked.Increment</a:t>
+            </a:r>
+            <a:r>
+              <a:rPr lang="en-US" sz="4200" dirty="0"/>
+              <a:t>( ref </a:t>
+            </a:r>
+            <a:r>
+              <a:rPr lang="en-US" sz="4200" dirty="0" err="1"/>
+              <a:t>eventId</a:t>
+            </a:r>
+            <a:r>
+              <a:rPr lang="en-US" sz="4200" dirty="0"/>
+              <a:t> );        </a:t>
+            </a:r>
+          </a:p>
+          <a:p>
+            <a:pPr>
+              <a:buNone/>
+            </a:pPr>
+            <a:r>
+              <a:rPr lang="en-US" sz="4200" dirty="0"/>
+              <a:t>	}</a:t>
             </a:r>
           </a:p>
         </p:txBody>
@@ -4618,165 +4705,10 @@
           </a:p>
         </p:txBody>
       </p:sp>
-      <p:sp>
-        <p:nvSpPr>
-          <p:cNvPr id="5" name="Содержимое 2"/>
-          <p:cNvSpPr>
-            <a:spLocks noGrp="1"/>
-          </p:cNvSpPr>
-          <p:nvPr>
-            <p:ph idx="1"/>
-          </p:nvPr>
-        </p:nvSpPr>
-        <p:spPr>
-          <a:xfrm>
-            <a:off x="179512" y="1052736"/>
-            <a:ext cx="8784976" cy="5805264"/>
-          </a:xfrm>
-        </p:spPr>
-        <p:txBody>
-          <a:bodyPr>
-            <a:normAutofit/>
-          </a:bodyPr>
-          <a:lstStyle/>
-          <a:p>
-            <a:r>
-              <a:rPr lang="ru-RU" dirty="0"/>
-              <a:t>Предусмотрен статический конструктор класса по умолчанию</a:t>
-            </a:r>
-          </a:p>
-          <a:p>
-            <a:r>
-              <a:rPr lang="ru-RU" dirty="0"/>
-              <a:t>Вызывается при загрузке сборки, ошибки в нем могут привести к «поломке» приложения</a:t>
-            </a:r>
-            <a:endParaRPr lang="en-US" dirty="0"/>
-          </a:p>
-          <a:p>
-            <a:pPr>
-              <a:buNone/>
-            </a:pPr>
-            <a:r>
-              <a:rPr lang="en-US" sz="2600" dirty="0"/>
-              <a:t>static Log()</a:t>
-            </a:r>
-          </a:p>
-          <a:p>
-            <a:pPr>
-              <a:buNone/>
-            </a:pPr>
-            <a:r>
-              <a:rPr lang="en-US" sz="2600" dirty="0"/>
-              <a:t>{</a:t>
-            </a:r>
-          </a:p>
-          <a:p>
-            <a:pPr>
-              <a:buNone/>
-            </a:pPr>
-            <a:r>
-              <a:rPr lang="en-US" sz="2600" dirty="0"/>
-              <a:t>     _ writer = new </a:t>
-            </a:r>
-            <a:r>
-              <a:rPr lang="en-US" sz="2600" dirty="0" err="1"/>
-              <a:t>System.IO.StreamWriter</a:t>
-            </a:r>
-            <a:r>
-              <a:rPr lang="en-US" sz="2600" dirty="0"/>
-              <a:t>( _</a:t>
-            </a:r>
-            <a:r>
-              <a:rPr lang="en-US" sz="2600" dirty="0" err="1"/>
-              <a:t>fileName</a:t>
-            </a:r>
-            <a:r>
-              <a:rPr lang="en-US" sz="2600" dirty="0"/>
-              <a:t> );</a:t>
-            </a:r>
-          </a:p>
-          <a:p>
-            <a:pPr>
-              <a:buNone/>
-            </a:pPr>
-            <a:r>
-              <a:rPr lang="en-US" sz="2600" dirty="0"/>
-              <a:t> </a:t>
-            </a:r>
-            <a:r>
-              <a:rPr lang="ru-RU" sz="2600" dirty="0"/>
-              <a:t>	_</a:t>
-            </a:r>
-            <a:r>
-              <a:rPr lang="en-US" sz="2600" dirty="0" err="1"/>
-              <a:t>writer.WriteLine</a:t>
-            </a:r>
-            <a:r>
-              <a:rPr lang="en-US" sz="2600" dirty="0"/>
-              <a:t>( “{0,20} {1,5},{2,5}, {3,50}", </a:t>
-            </a:r>
-          </a:p>
-          <a:p>
-            <a:pPr>
-              <a:buNone/>
-            </a:pPr>
-            <a:r>
-              <a:rPr lang="en-US" sz="2600" dirty="0"/>
-              <a:t>				</a:t>
-            </a:r>
-            <a:r>
-              <a:rPr lang="ru-RU" sz="2600" dirty="0"/>
-              <a:t>Дата</a:t>
-            </a:r>
-            <a:r>
-              <a:rPr lang="en-US" sz="2600" dirty="0"/>
-              <a:t>, </a:t>
-            </a:r>
-            <a:r>
-              <a:rPr lang="ru-RU" sz="2600" dirty="0"/>
-              <a:t>№</a:t>
-            </a:r>
-            <a:r>
-              <a:rPr lang="en-US" sz="2600" dirty="0"/>
-              <a:t>, </a:t>
-            </a:r>
-            <a:r>
-              <a:rPr lang="ru-RU" sz="2600" dirty="0"/>
-              <a:t>Тип</a:t>
-            </a:r>
-            <a:r>
-              <a:rPr lang="en-US" sz="2600" dirty="0"/>
-              <a:t>, </a:t>
-            </a:r>
-            <a:r>
-              <a:rPr lang="ru-RU" sz="2600" dirty="0"/>
-              <a:t>Сообщение</a:t>
-            </a:r>
-            <a:r>
-              <a:rPr lang="en-US" sz="2600" dirty="0"/>
-              <a:t>);</a:t>
-            </a:r>
-            <a:r>
-              <a:rPr lang="ru-RU" sz="2600" dirty="0"/>
-              <a:t>	</a:t>
-            </a:r>
-          </a:p>
-          <a:p>
-            <a:pPr>
-              <a:buNone/>
-            </a:pPr>
-            <a:r>
-              <a:rPr lang="en-US" sz="2600" dirty="0"/>
-              <a:t>}</a:t>
-            </a:r>
-            <a:endParaRPr lang="ru-RU" sz="2600" dirty="0"/>
-          </a:p>
-        </p:txBody>
-      </p:sp>
     </p:spTree>
     <p:extLst>
       <p:ext uri="{BB962C8B-B14F-4D97-AF65-F5344CB8AC3E}">
-        <p14:creationId xmlns:p14="http://schemas.microsoft.com/office/powerpoint/2010/main" val="3126089312"/>
+        <p14:creationId xmlns:p14="http://schemas.microsoft.com/office/powerpoint/2010/main" val="2321678846"/>
       </p:ext>
     </p:extLst>
   </p:cSld>
@@ -4816,7 +4748,7 @@
         <p:spPr>
           <a:xfrm>
             <a:off x="467544" y="0"/>
-            <a:ext cx="8229600" cy="778098"/>
+            <a:ext cx="8229600" cy="1143000"/>
           </a:xfrm>
         </p:spPr>
         <p:txBody>
@@ -4825,110 +4757,8 @@
           <a:p>
             <a:r>
               <a:rPr lang="ru-RU" dirty="0"/>
-              <a:t>Перегрузка операторов</a:t>
-            </a:r>
-          </a:p>
-        </p:txBody>
-      </p:sp>
-      <p:sp>
-        <p:nvSpPr>
-          <p:cNvPr id="3" name="Содержимое 2"/>
-          <p:cNvSpPr>
-            <a:spLocks noGrp="1"/>
-          </p:cNvSpPr>
-          <p:nvPr>
-            <p:ph idx="1"/>
-          </p:nvPr>
-        </p:nvSpPr>
-        <p:spPr>
-          <a:xfrm>
-            <a:off x="0" y="908720"/>
-            <a:ext cx="9144000" cy="5949280"/>
-          </a:xfrm>
-        </p:spPr>
-        <p:txBody>
-          <a:bodyPr>
-            <a:normAutofit fontScale="85000" lnSpcReduction="20000"/>
-          </a:bodyPr>
-          <a:lstStyle/>
-          <a:p>
-            <a:r>
-              <a:rPr lang="ru-RU" b="1" dirty="0"/>
-              <a:t>перегрузка оператора</a:t>
-            </a:r>
-            <a:r>
-              <a:rPr lang="ru-RU" dirty="0"/>
-              <a:t> - это реализация своего собственного функционала этого оператора для конкретного класса.</a:t>
-            </a:r>
-          </a:p>
-          <a:p>
-            <a:r>
-              <a:rPr lang="ru-RU" dirty="0"/>
-              <a:t>Оператор по сути - обычная функция с более удобным для пользователя синтаксисом</a:t>
-            </a:r>
-          </a:p>
-          <a:p>
-            <a:r>
-              <a:rPr lang="ru-RU" dirty="0"/>
-              <a:t>Можно перегружать:</a:t>
-            </a:r>
-          </a:p>
-          <a:p>
-            <a:pPr lvl="1"/>
-            <a:r>
-              <a:rPr lang="ru-RU" dirty="0"/>
-              <a:t>Унарные операторы: +, -, !, ++, —, </a:t>
-            </a:r>
-            <a:r>
-              <a:rPr lang="ru-RU" dirty="0" err="1"/>
-              <a:t>true</a:t>
-            </a:r>
-            <a:r>
-              <a:rPr lang="ru-RU" dirty="0"/>
-              <a:t>, </a:t>
-            </a:r>
-            <a:r>
-              <a:rPr lang="ru-RU" dirty="0" err="1"/>
-              <a:t>false</a:t>
-            </a:r>
-            <a:br>
-              <a:rPr lang="ru-RU" dirty="0"/>
-            </a:br>
-            <a:r>
-              <a:rPr lang="ru-RU" dirty="0"/>
-              <a:t>Бинарные операторы: +, -, *, /, %, &amp;, |, ^, &lt;&lt;, &gt;&gt;, ==, !=, &lt;, &gt;, &lt;=, &gt;=</a:t>
-            </a:r>
-          </a:p>
-          <a:p>
-            <a:r>
-              <a:rPr lang="ru-RU" dirty="0"/>
-              <a:t>Нельзя перегружать:</a:t>
-            </a:r>
-          </a:p>
-          <a:p>
-            <a:pPr lvl="1"/>
-            <a:r>
-              <a:rPr lang="ru-RU" dirty="0"/>
-              <a:t>[] – функционал этого оператора предоставляют индексаторы</a:t>
-            </a:r>
-            <a:br>
-              <a:rPr lang="ru-RU" dirty="0"/>
-            </a:br>
-            <a:r>
-              <a:rPr lang="ru-RU" dirty="0"/>
-              <a:t>() – функционал этого оператора предоставляют методы преобразования типов</a:t>
-            </a:r>
-            <a:br>
-              <a:rPr lang="ru-RU" dirty="0"/>
-            </a:br>
-            <a:r>
-              <a:rPr lang="ru-RU" dirty="0"/>
-              <a:t>+=, -=, *=, /=, %=, &amp;=, |=, ^=, &lt;&lt;=, &gt;&gt;= краткие формы оператора присваивания будут автоматически доступны при перегрузке соответствующих операторов (+, -, * …).</a:t>
-            </a:r>
-            <a:br>
-              <a:rPr lang="ru-RU" dirty="0"/>
-            </a:br>
-            <a:endParaRPr lang="ru-RU" dirty="0"/>
+              <a:t>Статические классы</a:t>
+            </a:r>
           </a:p>
         </p:txBody>
       </p:sp>
@@ -4956,10 +4786,165 @@
           </a:p>
         </p:txBody>
       </p:sp>
+      <p:sp>
+        <p:nvSpPr>
+          <p:cNvPr id="5" name="Содержимое 2"/>
+          <p:cNvSpPr>
+            <a:spLocks noGrp="1"/>
+          </p:cNvSpPr>
+          <p:nvPr>
+            <p:ph idx="1"/>
+          </p:nvPr>
+        </p:nvSpPr>
+        <p:spPr>
+          <a:xfrm>
+            <a:off x="179512" y="1052736"/>
+            <a:ext cx="8784976" cy="5805264"/>
+          </a:xfrm>
+        </p:spPr>
+        <p:txBody>
+          <a:bodyPr>
+            <a:normAutofit/>
+          </a:bodyPr>
+          <a:lstStyle/>
+          <a:p>
+            <a:r>
+              <a:rPr lang="ru-RU" dirty="0"/>
+              <a:t>Предусмотрен статический конструктор класса по умолчанию</a:t>
+            </a:r>
+          </a:p>
+          <a:p>
+            <a:r>
+              <a:rPr lang="ru-RU" dirty="0"/>
+              <a:t>Вызывается при загрузке сборки, ошибки в нем могут привести к «поломке» приложения</a:t>
+            </a:r>
+            <a:endParaRPr lang="en-US" dirty="0"/>
+          </a:p>
+          <a:p>
+            <a:pPr>
+              <a:buNone/>
+            </a:pPr>
+            <a:r>
+              <a:rPr lang="en-US" sz="2600" dirty="0"/>
+              <a:t>static Log()</a:t>
+            </a:r>
+          </a:p>
+          <a:p>
+            <a:pPr>
+              <a:buNone/>
+            </a:pPr>
+            <a:r>
+              <a:rPr lang="en-US" sz="2600" dirty="0"/>
+              <a:t>{</a:t>
+            </a:r>
+          </a:p>
+          <a:p>
+            <a:pPr>
+              <a:buNone/>
+            </a:pPr>
+            <a:r>
+              <a:rPr lang="en-US" sz="2600" dirty="0"/>
+              <a:t>     _ writer = new </a:t>
+            </a:r>
+            <a:r>
+              <a:rPr lang="en-US" sz="2600" dirty="0" err="1"/>
+              <a:t>System.IO.StreamWriter</a:t>
+            </a:r>
+            <a:r>
+              <a:rPr lang="en-US" sz="2600" dirty="0"/>
+              <a:t>( _</a:t>
+            </a:r>
+            <a:r>
+              <a:rPr lang="en-US" sz="2600" dirty="0" err="1"/>
+              <a:t>fileName</a:t>
+            </a:r>
+            <a:r>
+              <a:rPr lang="en-US" sz="2600" dirty="0"/>
+              <a:t> );</a:t>
+            </a:r>
+          </a:p>
+          <a:p>
+            <a:pPr>
+              <a:buNone/>
+            </a:pPr>
+            <a:r>
+              <a:rPr lang="en-US" sz="2600" dirty="0"/>
+              <a:t> </a:t>
+            </a:r>
+            <a:r>
+              <a:rPr lang="ru-RU" sz="2600" dirty="0"/>
+              <a:t>	_</a:t>
+            </a:r>
+            <a:r>
+              <a:rPr lang="en-US" sz="2600" dirty="0" err="1"/>
+              <a:t>writer.WriteLine</a:t>
+            </a:r>
+            <a:r>
+              <a:rPr lang="en-US" sz="2600" dirty="0"/>
+              <a:t>( “{0,20} {1,5},{2,5}, {3,50}", </a:t>
+            </a:r>
+          </a:p>
+          <a:p>
+            <a:pPr>
+              <a:buNone/>
+            </a:pPr>
+            <a:r>
+              <a:rPr lang="en-US" sz="2600" dirty="0"/>
+              <a:t>				</a:t>
+            </a:r>
+            <a:r>
+              <a:rPr lang="ru-RU" sz="2600" dirty="0"/>
+              <a:t>Дата</a:t>
+            </a:r>
+            <a:r>
+              <a:rPr lang="en-US" sz="2600" dirty="0"/>
+              <a:t>, </a:t>
+            </a:r>
+            <a:r>
+              <a:rPr lang="ru-RU" sz="2600" dirty="0"/>
+              <a:t>№</a:t>
+            </a:r>
+            <a:r>
+              <a:rPr lang="en-US" sz="2600" dirty="0"/>
+              <a:t>, </a:t>
+            </a:r>
+            <a:r>
+              <a:rPr lang="ru-RU" sz="2600" dirty="0"/>
+              <a:t>Тип</a:t>
+            </a:r>
+            <a:r>
+              <a:rPr lang="en-US" sz="2600" dirty="0"/>
+              <a:t>, </a:t>
+            </a:r>
+            <a:r>
+              <a:rPr lang="ru-RU" sz="2600" dirty="0"/>
+              <a:t>Сообщение</a:t>
+            </a:r>
+            <a:r>
+              <a:rPr lang="en-US" sz="2600" dirty="0"/>
+              <a:t>);</a:t>
+            </a:r>
+            <a:r>
+              <a:rPr lang="ru-RU" sz="2600" dirty="0"/>
+              <a:t>	</a:t>
+            </a:r>
+          </a:p>
+          <a:p>
+            <a:pPr>
+              <a:buNone/>
+            </a:pPr>
+            <a:r>
+              <a:rPr lang="en-US" sz="2600" dirty="0"/>
+              <a:t>}</a:t>
+            </a:r>
+            <a:endParaRPr lang="ru-RU" sz="2600" dirty="0"/>
+          </a:p>
+        </p:txBody>
+      </p:sp>
     </p:spTree>
     <p:extLst>
       <p:ext uri="{BB962C8B-B14F-4D97-AF65-F5344CB8AC3E}">
-        <p14:creationId xmlns:p14="http://schemas.microsoft.com/office/powerpoint/2010/main" val="2617852040"/>
+        <p14:creationId xmlns:p14="http://schemas.microsoft.com/office/powerpoint/2010/main" val="3126089312"/>
       </p:ext>
     </p:extLst>
   </p:cSld>
@@ -4988,441 +4973,130 @@
       </p:grpSpPr>
       <p:sp>
         <p:nvSpPr>
-          <p:cNvPr id="3" name="Содержимое 2"/>
-          <p:cNvSpPr>
-            <a:spLocks noGrp="1"/>
-          </p:cNvSpPr>
-          <p:nvPr>
-            <p:ph idx="1"/>
+          <p:cNvPr id="2" name="Заголовок 1"/>
+          <p:cNvSpPr>
+            <a:spLocks noGrp="1"/>
+          </p:cNvSpPr>
+          <p:nvPr>
+            <p:ph type="title"/>
           </p:nvPr>
         </p:nvSpPr>
         <p:spPr>
           <a:xfrm>
-            <a:off x="179512" y="188640"/>
-            <a:ext cx="8784976" cy="6669360"/>
+            <a:off x="467544" y="0"/>
+            <a:ext cx="8229600" cy="778098"/>
           </a:xfrm>
         </p:spPr>
         <p:txBody>
+          <a:bodyPr/>
+          <a:lstStyle/>
+          <a:p>
+            <a:r>
+              <a:rPr lang="ru-RU" dirty="0"/>
+              <a:t>Перегрузка операторов</a:t>
+            </a:r>
+          </a:p>
+        </p:txBody>
+      </p:sp>
+      <p:sp>
+        <p:nvSpPr>
+          <p:cNvPr id="3" name="Содержимое 2"/>
+          <p:cNvSpPr>
+            <a:spLocks noGrp="1"/>
+          </p:cNvSpPr>
+          <p:nvPr>
+            <p:ph idx="1"/>
+          </p:nvPr>
+        </p:nvSpPr>
+        <p:spPr>
+          <a:xfrm>
+            <a:off x="0" y="908720"/>
+            <a:ext cx="9144000" cy="5949280"/>
+          </a:xfrm>
+        </p:spPr>
+        <p:txBody>
           <a:bodyPr>
-            <a:normAutofit fontScale="62500" lnSpcReduction="20000"/>
+            <a:normAutofit fontScale="85000" lnSpcReduction="20000"/>
           </a:bodyPr>
           <a:lstStyle/>
           <a:p>
-            <a:pPr>
-              <a:buNone/>
-            </a:pPr>
-            <a:r>
-              <a:rPr lang="en-US" dirty="0">
-                <a:latin typeface="Consolas" pitchFamily="49" charset="0"/>
-                <a:cs typeface="Consolas" pitchFamily="49" charset="0"/>
-              </a:rPr>
-              <a:t>public class Digit</a:t>
-            </a:r>
-          </a:p>
-          <a:p>
-            <a:pPr>
-              <a:buNone/>
-            </a:pPr>
-            <a:r>
-              <a:rPr lang="ru-RU" dirty="0">
-                <a:latin typeface="Consolas" pitchFamily="49" charset="0"/>
-                <a:cs typeface="Consolas" pitchFamily="49" charset="0"/>
-              </a:rPr>
-              <a:t>{</a:t>
-            </a:r>
-          </a:p>
-          <a:p>
-            <a:pPr>
-              <a:buNone/>
-            </a:pPr>
-            <a:r>
-              <a:rPr lang="en-US" dirty="0">
-                <a:latin typeface="Consolas" pitchFamily="49" charset="0"/>
-                <a:cs typeface="Consolas" pitchFamily="49" charset="0"/>
-              </a:rPr>
-              <a:t>    public </a:t>
-            </a:r>
-            <a:r>
-              <a:rPr lang="en-US" dirty="0" err="1">
-                <a:latin typeface="Consolas" pitchFamily="49" charset="0"/>
-                <a:cs typeface="Consolas" pitchFamily="49" charset="0"/>
-              </a:rPr>
-              <a:t>int</a:t>
-            </a:r>
-            <a:r>
-              <a:rPr lang="en-US" dirty="0">
-                <a:latin typeface="Consolas" pitchFamily="49" charset="0"/>
-                <a:cs typeface="Consolas" pitchFamily="49" charset="0"/>
-              </a:rPr>
-              <a:t> Value{ </a:t>
-            </a:r>
-            <a:r>
-              <a:rPr lang="en-US" dirty="0" err="1">
-                <a:latin typeface="Consolas" pitchFamily="49" charset="0"/>
-                <a:cs typeface="Consolas" pitchFamily="49" charset="0"/>
-              </a:rPr>
-              <a:t>get;set</a:t>
-            </a:r>
-            <a:r>
-              <a:rPr lang="en-US" dirty="0">
-                <a:latin typeface="Consolas" pitchFamily="49" charset="0"/>
-                <a:cs typeface="Consolas" pitchFamily="49" charset="0"/>
-              </a:rPr>
-              <a:t>; }</a:t>
-            </a:r>
-          </a:p>
-          <a:p>
-            <a:pPr>
-              <a:buNone/>
-            </a:pPr>
-            <a:r>
-              <a:rPr lang="en-US" dirty="0">
-                <a:latin typeface="Consolas" pitchFamily="49" charset="0"/>
-                <a:cs typeface="Consolas" pitchFamily="49" charset="0"/>
-              </a:rPr>
-              <a:t>    public Digit ( </a:t>
-            </a:r>
-            <a:r>
-              <a:rPr lang="en-US" dirty="0" err="1">
-                <a:latin typeface="Consolas" pitchFamily="49" charset="0"/>
-                <a:cs typeface="Consolas" pitchFamily="49" charset="0"/>
-              </a:rPr>
-              <a:t>int</a:t>
-            </a:r>
-            <a:r>
-              <a:rPr lang="en-US" dirty="0">
-                <a:latin typeface="Consolas" pitchFamily="49" charset="0"/>
-                <a:cs typeface="Consolas" pitchFamily="49" charset="0"/>
-              </a:rPr>
-              <a:t> value )</a:t>
-            </a:r>
-          </a:p>
-          <a:p>
-            <a:pPr>
-              <a:buNone/>
-            </a:pPr>
-            <a:r>
-              <a:rPr lang="en-US" dirty="0">
-                <a:latin typeface="Consolas" pitchFamily="49" charset="0"/>
-                <a:cs typeface="Consolas" pitchFamily="49" charset="0"/>
-              </a:rPr>
-              <a:t> </a:t>
-            </a:r>
-            <a:r>
-              <a:rPr lang="ru-RU" dirty="0">
-                <a:latin typeface="Consolas" pitchFamily="49" charset="0"/>
-                <a:cs typeface="Consolas" pitchFamily="49" charset="0"/>
-              </a:rPr>
-              <a:t>   {</a:t>
-            </a:r>
-          </a:p>
-          <a:p>
-            <a:pPr>
-              <a:buNone/>
-            </a:pPr>
-            <a:r>
-              <a:rPr lang="en-US" dirty="0">
-                <a:latin typeface="Consolas" pitchFamily="49" charset="0"/>
-                <a:cs typeface="Consolas" pitchFamily="49" charset="0"/>
-              </a:rPr>
-              <a:t>         Value = value;</a:t>
-            </a:r>
-          </a:p>
-          <a:p>
-            <a:pPr>
-              <a:buNone/>
-            </a:pPr>
-            <a:r>
-              <a:rPr lang="ru-RU" dirty="0">
-                <a:latin typeface="Consolas" pitchFamily="49" charset="0"/>
-                <a:cs typeface="Consolas" pitchFamily="49" charset="0"/>
-              </a:rPr>
-              <a:t>    }</a:t>
-            </a:r>
-          </a:p>
-          <a:p>
-            <a:pPr>
-              <a:buNone/>
-            </a:pPr>
-            <a:r>
-              <a:rPr lang="en-US" dirty="0">
-                <a:latin typeface="Consolas" pitchFamily="49" charset="0"/>
-                <a:cs typeface="Consolas" pitchFamily="49" charset="0"/>
-              </a:rPr>
-              <a:t>	  //</a:t>
-            </a:r>
-            <a:r>
-              <a:rPr lang="ru-RU" dirty="0">
-                <a:latin typeface="Consolas" pitchFamily="49" charset="0"/>
-                <a:cs typeface="Consolas" pitchFamily="49" charset="0"/>
-              </a:rPr>
-              <a:t>перегрузка оператора «+»</a:t>
-            </a:r>
-          </a:p>
-          <a:p>
-            <a:pPr>
-              <a:buNone/>
-            </a:pPr>
-            <a:r>
-              <a:rPr lang="en-US" dirty="0">
-                <a:latin typeface="Consolas" pitchFamily="49" charset="0"/>
-                <a:cs typeface="Consolas" pitchFamily="49" charset="0"/>
-              </a:rPr>
-              <a:t>    public static Digit operator + ( Digit a, Digit b )</a:t>
-            </a:r>
-          </a:p>
-          <a:p>
-            <a:pPr>
-              <a:buNone/>
-            </a:pPr>
-            <a:r>
-              <a:rPr lang="en-US" dirty="0">
-                <a:latin typeface="Consolas" pitchFamily="49" charset="0"/>
-                <a:cs typeface="Consolas" pitchFamily="49" charset="0"/>
-              </a:rPr>
-              <a:t>	  </a:t>
-            </a:r>
-            <a:r>
-              <a:rPr lang="ru-RU" dirty="0">
-                <a:latin typeface="Consolas" pitchFamily="49" charset="0"/>
-                <a:cs typeface="Consolas" pitchFamily="49" charset="0"/>
-              </a:rPr>
-              <a:t>{</a:t>
-            </a:r>
-          </a:p>
-          <a:p>
-            <a:pPr>
-              <a:buNone/>
-            </a:pPr>
-            <a:r>
-              <a:rPr lang="en-US" dirty="0">
-                <a:latin typeface="Consolas" pitchFamily="49" charset="0"/>
-                <a:cs typeface="Consolas" pitchFamily="49" charset="0"/>
-              </a:rPr>
-              <a:t>         return new Digit( </a:t>
-            </a:r>
-            <a:r>
-              <a:rPr lang="en-US" dirty="0" err="1">
-                <a:latin typeface="Consolas" pitchFamily="49" charset="0"/>
-                <a:cs typeface="Consolas" pitchFamily="49" charset="0"/>
-              </a:rPr>
-              <a:t>a.Value</a:t>
-            </a:r>
-            <a:r>
-              <a:rPr lang="en-US" dirty="0">
-                <a:latin typeface="Consolas" pitchFamily="49" charset="0"/>
-                <a:cs typeface="Consolas" pitchFamily="49" charset="0"/>
-              </a:rPr>
-              <a:t> + </a:t>
-            </a:r>
-            <a:r>
-              <a:rPr lang="en-US" dirty="0" err="1">
-                <a:latin typeface="Consolas" pitchFamily="49" charset="0"/>
-                <a:cs typeface="Consolas" pitchFamily="49" charset="0"/>
-              </a:rPr>
-              <a:t>b.Value</a:t>
-            </a:r>
-            <a:r>
-              <a:rPr lang="en-US" dirty="0">
-                <a:latin typeface="Consolas" pitchFamily="49" charset="0"/>
-                <a:cs typeface="Consolas" pitchFamily="49" charset="0"/>
-              </a:rPr>
-              <a:t> );</a:t>
-            </a:r>
-          </a:p>
-          <a:p>
-            <a:pPr>
-              <a:buNone/>
-            </a:pPr>
-            <a:r>
-              <a:rPr lang="en-US" dirty="0">
-                <a:latin typeface="Consolas" pitchFamily="49" charset="0"/>
-                <a:cs typeface="Consolas" pitchFamily="49" charset="0"/>
-              </a:rPr>
-              <a:t>     </a:t>
-            </a:r>
-            <a:r>
-              <a:rPr lang="ru-RU" dirty="0">
-                <a:latin typeface="Consolas" pitchFamily="49" charset="0"/>
-                <a:cs typeface="Consolas" pitchFamily="49" charset="0"/>
-              </a:rPr>
-              <a:t>}</a:t>
-            </a:r>
-          </a:p>
-          <a:p>
-            <a:pPr>
-              <a:buNone/>
-            </a:pPr>
-            <a:r>
-              <a:rPr lang="en-US" dirty="0">
-                <a:latin typeface="Consolas" pitchFamily="49" charset="0"/>
-                <a:cs typeface="Consolas" pitchFamily="49" charset="0"/>
-              </a:rPr>
-              <a:t>     public static Digit operator ++ (Digit a)</a:t>
-            </a:r>
-          </a:p>
-          <a:p>
-            <a:pPr>
-              <a:buNone/>
-            </a:pPr>
-            <a:r>
-              <a:rPr lang="ru-RU" dirty="0">
-                <a:latin typeface="Consolas" pitchFamily="49" charset="0"/>
-                <a:cs typeface="Consolas" pitchFamily="49" charset="0"/>
-              </a:rPr>
-              <a:t>     {</a:t>
-            </a:r>
-          </a:p>
-          <a:p>
-            <a:pPr>
-              <a:buNone/>
-            </a:pPr>
-            <a:r>
-              <a:rPr lang="en-US" dirty="0">
-                <a:latin typeface="Consolas" pitchFamily="49" charset="0"/>
-                <a:cs typeface="Consolas" pitchFamily="49" charset="0"/>
-              </a:rPr>
-              <a:t>          return new Digit( </a:t>
-            </a:r>
-            <a:r>
-              <a:rPr lang="en-US" dirty="0" err="1">
-                <a:latin typeface="Consolas" pitchFamily="49" charset="0"/>
-                <a:cs typeface="Consolas" pitchFamily="49" charset="0"/>
-              </a:rPr>
-              <a:t>a.Value</a:t>
-            </a:r>
-            <a:r>
-              <a:rPr lang="en-US" dirty="0">
-                <a:latin typeface="Consolas" pitchFamily="49" charset="0"/>
-                <a:cs typeface="Consolas" pitchFamily="49" charset="0"/>
-              </a:rPr>
-              <a:t> + 1 );</a:t>
-            </a:r>
-          </a:p>
-          <a:p>
-            <a:pPr>
-              <a:buNone/>
-            </a:pPr>
-            <a:r>
-              <a:rPr lang="ru-RU" dirty="0">
-                <a:latin typeface="Consolas" pitchFamily="49" charset="0"/>
-                <a:cs typeface="Consolas" pitchFamily="49" charset="0"/>
-              </a:rPr>
-              <a:t>     }</a:t>
-            </a:r>
-          </a:p>
-          <a:p>
-            <a:pPr>
-              <a:buNone/>
-            </a:pPr>
-            <a:r>
-              <a:rPr lang="ru-RU" dirty="0">
-                <a:latin typeface="Consolas" pitchFamily="49" charset="0"/>
-                <a:cs typeface="Consolas" pitchFamily="49" charset="0"/>
-              </a:rPr>
-              <a:t>	   </a:t>
-            </a:r>
-            <a:r>
-              <a:rPr lang="en-US" dirty="0">
-                <a:latin typeface="Consolas" pitchFamily="49" charset="0"/>
-                <a:cs typeface="Consolas" pitchFamily="49" charset="0"/>
-              </a:rPr>
-              <a:t>public static </a:t>
-            </a:r>
-            <a:r>
-              <a:rPr lang="en-US" dirty="0" err="1">
-                <a:latin typeface="Consolas" pitchFamily="49" charset="0"/>
-                <a:cs typeface="Consolas" pitchFamily="49" charset="0"/>
-              </a:rPr>
-              <a:t>bool</a:t>
-            </a:r>
-            <a:r>
-              <a:rPr lang="en-US" dirty="0">
-                <a:latin typeface="Consolas" pitchFamily="49" charset="0"/>
-                <a:cs typeface="Consolas" pitchFamily="49" charset="0"/>
-              </a:rPr>
-              <a:t> operator &gt; ( Digit a, Digit b )</a:t>
-            </a:r>
-          </a:p>
-          <a:p>
-            <a:pPr>
-              <a:buNone/>
-            </a:pPr>
-            <a:r>
-              <a:rPr lang="en-US" dirty="0">
-                <a:latin typeface="Consolas" pitchFamily="49" charset="0"/>
-                <a:cs typeface="Consolas" pitchFamily="49" charset="0"/>
-              </a:rPr>
-              <a:t>	   {</a:t>
-            </a:r>
-          </a:p>
-          <a:p>
-            <a:pPr>
-              <a:buNone/>
-            </a:pPr>
-            <a:r>
-              <a:rPr lang="en-US" dirty="0">
-                <a:latin typeface="Consolas" pitchFamily="49" charset="0"/>
-                <a:cs typeface="Consolas" pitchFamily="49" charset="0"/>
-              </a:rPr>
-              <a:t>		   return </a:t>
-            </a:r>
-            <a:r>
-              <a:rPr lang="en-US" dirty="0" err="1">
-                <a:latin typeface="Consolas" pitchFamily="49" charset="0"/>
-                <a:cs typeface="Consolas" pitchFamily="49" charset="0"/>
-              </a:rPr>
-              <a:t>a.Value</a:t>
-            </a:r>
-            <a:r>
-              <a:rPr lang="en-US" dirty="0">
-                <a:latin typeface="Consolas" pitchFamily="49" charset="0"/>
-                <a:cs typeface="Consolas" pitchFamily="49" charset="0"/>
-              </a:rPr>
-              <a:t> &gt; </a:t>
-            </a:r>
-            <a:r>
-              <a:rPr lang="en-US" dirty="0" err="1">
-                <a:latin typeface="Consolas" pitchFamily="49" charset="0"/>
-                <a:cs typeface="Consolas" pitchFamily="49" charset="0"/>
-              </a:rPr>
-              <a:t>b.Value</a:t>
-            </a:r>
-            <a:r>
-              <a:rPr lang="en-US" dirty="0">
-                <a:latin typeface="Consolas" pitchFamily="49" charset="0"/>
-                <a:cs typeface="Consolas" pitchFamily="49" charset="0"/>
-              </a:rPr>
-              <a:t>;</a:t>
-            </a:r>
-          </a:p>
-          <a:p>
-            <a:pPr>
-              <a:buNone/>
-            </a:pPr>
-            <a:r>
-              <a:rPr lang="en-US" dirty="0">
-                <a:latin typeface="Consolas" pitchFamily="49" charset="0"/>
-                <a:cs typeface="Consolas" pitchFamily="49" charset="0"/>
-              </a:rPr>
-              <a:t> 	   }</a:t>
-            </a:r>
-            <a:endParaRPr lang="ru-RU" dirty="0">
-              <a:latin typeface="Consolas" pitchFamily="49" charset="0"/>
-              <a:cs typeface="Consolas" pitchFamily="49" charset="0"/>
-            </a:endParaRPr>
-          </a:p>
-          <a:p>
-            <a:pPr>
-              <a:buNone/>
-            </a:pPr>
-            <a:r>
-              <a:rPr lang="ru-RU" dirty="0">
-                <a:latin typeface="Consolas" pitchFamily="49" charset="0"/>
-                <a:cs typeface="Consolas" pitchFamily="49" charset="0"/>
-              </a:rPr>
-              <a:t>}</a:t>
-            </a:r>
+            <a:r>
+              <a:rPr lang="ru-RU" b="1" dirty="0"/>
+              <a:t>перегрузка оператора</a:t>
+            </a:r>
+            <a:r>
+              <a:rPr lang="ru-RU" dirty="0"/>
+              <a:t> - это реализация своего собственного функционала этого оператора для конкретного класса.</a:t>
+            </a:r>
+          </a:p>
+          <a:p>
+            <a:r>
+              <a:rPr lang="ru-RU" dirty="0"/>
+              <a:t>Оператор по сути - обычная функция с более удобным для пользователя синтаксисом</a:t>
+            </a:r>
+          </a:p>
+          <a:p>
+            <a:r>
+              <a:rPr lang="ru-RU" dirty="0"/>
+              <a:t>Можно перегружать:</a:t>
+            </a:r>
+          </a:p>
+          <a:p>
+            <a:pPr lvl="1"/>
+            <a:r>
+              <a:rPr lang="ru-RU" dirty="0"/>
+              <a:t>Унарные операторы: +, -, !, ++, —, </a:t>
+            </a:r>
+            <a:r>
+              <a:rPr lang="ru-RU" dirty="0" err="1"/>
+              <a:t>true</a:t>
+            </a:r>
+            <a:r>
+              <a:rPr lang="ru-RU" dirty="0"/>
+              <a:t>, </a:t>
+            </a:r>
+            <a:r>
+              <a:rPr lang="ru-RU" dirty="0" err="1"/>
+              <a:t>false</a:t>
+            </a:r>
+            <a:br>
+              <a:rPr lang="ru-RU" dirty="0"/>
+            </a:br>
+            <a:r>
+              <a:rPr lang="ru-RU" dirty="0"/>
+              <a:t>Бинарные операторы: +, -, *, /, %, &amp;, |, ^, &lt;&lt;, &gt;&gt;, ==, !=, &lt;, &gt;, &lt;=, &gt;=</a:t>
+            </a:r>
+          </a:p>
+          <a:p>
+            <a:r>
+              <a:rPr lang="ru-RU" dirty="0"/>
+              <a:t>Нельзя перегружать:</a:t>
+            </a:r>
+          </a:p>
+          <a:p>
+            <a:pPr lvl="1"/>
+            <a:r>
+              <a:rPr lang="ru-RU" dirty="0"/>
+              <a:t>[] – функционал этого оператора предоставляют индексаторы</a:t>
+            </a:r>
+            <a:br>
+              <a:rPr lang="ru-RU" dirty="0"/>
+            </a:br>
+            <a:r>
+              <a:rPr lang="ru-RU" dirty="0"/>
+              <a:t>() – функционал этого оператора предоставляют методы преобразования типов</a:t>
+            </a:r>
+            <a:br>
+              <a:rPr lang="ru-RU" dirty="0"/>
+            </a:br>
+            <a:r>
+              <a:rPr lang="ru-RU" dirty="0"/>
+              <a:t>+=, -=, *=, /=, %=, &amp;=, |=, ^=, &lt;&lt;=, &gt;&gt;= краткие формы оператора присваивания будут автоматически доступны при перегрузке соответствующих операторов (+, -, * …).</a:t>
+            </a:r>
+            <a:br>
+              <a:rPr lang="ru-RU" dirty="0"/>
+            </a:br>
+            <a:endParaRPr lang="ru-RU" dirty="0"/>
           </a:p>
         </p:txBody>
       </p:sp>
@@ -5453,7 +5127,7 @@
     </p:spTree>
     <p:extLst>
       <p:ext uri="{BB962C8B-B14F-4D97-AF65-F5344CB8AC3E}">
-        <p14:creationId xmlns:p14="http://schemas.microsoft.com/office/powerpoint/2010/main" val="1307681115"/>
+        <p14:creationId xmlns:p14="http://schemas.microsoft.com/office/powerpoint/2010/main" val="2617852040"/>
       </p:ext>
     </p:extLst>
   </p:cSld>
@@ -5482,6 +5156,500 @@
       </p:grpSpPr>
       <p:sp>
         <p:nvSpPr>
+          <p:cNvPr id="3" name="Содержимое 2"/>
+          <p:cNvSpPr>
+            <a:spLocks noGrp="1"/>
+          </p:cNvSpPr>
+          <p:nvPr>
+            <p:ph idx="1"/>
+          </p:nvPr>
+        </p:nvSpPr>
+        <p:spPr>
+          <a:xfrm>
+            <a:off x="179512" y="188640"/>
+            <a:ext cx="8784976" cy="6669360"/>
+          </a:xfrm>
+        </p:spPr>
+        <p:txBody>
+          <a:bodyPr>
+            <a:normAutofit fontScale="62500" lnSpcReduction="20000"/>
+          </a:bodyPr>
+          <a:lstStyle/>
+          <a:p>
+            <a:pPr>
+              <a:buNone/>
+            </a:pPr>
+            <a:r>
+              <a:rPr lang="en-US" dirty="0">
+                <a:latin typeface="Consolas" pitchFamily="49" charset="0"/>
+                <a:cs typeface="Consolas" pitchFamily="49" charset="0"/>
+              </a:rPr>
+              <a:t>public class Digit</a:t>
+            </a:r>
+          </a:p>
+          <a:p>
+            <a:pPr>
+              <a:buNone/>
+            </a:pPr>
+            <a:r>
+              <a:rPr lang="ru-RU" dirty="0">
+                <a:latin typeface="Consolas" pitchFamily="49" charset="0"/>
+                <a:cs typeface="Consolas" pitchFamily="49" charset="0"/>
+              </a:rPr>
+              <a:t>{</a:t>
+            </a:r>
+          </a:p>
+          <a:p>
+            <a:pPr>
+              <a:buNone/>
+            </a:pPr>
+            <a:r>
+              <a:rPr lang="en-US" dirty="0">
+                <a:latin typeface="Consolas" pitchFamily="49" charset="0"/>
+                <a:cs typeface="Consolas" pitchFamily="49" charset="0"/>
+              </a:rPr>
+              <a:t>    public </a:t>
+            </a:r>
+            <a:r>
+              <a:rPr lang="en-US" dirty="0" err="1">
+                <a:latin typeface="Consolas" pitchFamily="49" charset="0"/>
+                <a:cs typeface="Consolas" pitchFamily="49" charset="0"/>
+              </a:rPr>
+              <a:t>int</a:t>
+            </a:r>
+            <a:r>
+              <a:rPr lang="en-US" dirty="0">
+                <a:latin typeface="Consolas" pitchFamily="49" charset="0"/>
+                <a:cs typeface="Consolas" pitchFamily="49" charset="0"/>
+              </a:rPr>
+              <a:t> Value{ </a:t>
+            </a:r>
+            <a:r>
+              <a:rPr lang="en-US" dirty="0" err="1">
+                <a:latin typeface="Consolas" pitchFamily="49" charset="0"/>
+                <a:cs typeface="Consolas" pitchFamily="49" charset="0"/>
+              </a:rPr>
+              <a:t>get;set</a:t>
+            </a:r>
+            <a:r>
+              <a:rPr lang="en-US" dirty="0">
+                <a:latin typeface="Consolas" pitchFamily="49" charset="0"/>
+                <a:cs typeface="Consolas" pitchFamily="49" charset="0"/>
+              </a:rPr>
+              <a:t>; }</a:t>
+            </a:r>
+          </a:p>
+          <a:p>
+            <a:pPr>
+              <a:buNone/>
+            </a:pPr>
+            <a:r>
+              <a:rPr lang="en-US" dirty="0">
+                <a:latin typeface="Consolas" pitchFamily="49" charset="0"/>
+                <a:cs typeface="Consolas" pitchFamily="49" charset="0"/>
+              </a:rPr>
+              <a:t>    public Digit ( </a:t>
+            </a:r>
+            <a:r>
+              <a:rPr lang="en-US" dirty="0" err="1">
+                <a:latin typeface="Consolas" pitchFamily="49" charset="0"/>
+                <a:cs typeface="Consolas" pitchFamily="49" charset="0"/>
+              </a:rPr>
+              <a:t>int</a:t>
+            </a:r>
+            <a:r>
+              <a:rPr lang="en-US" dirty="0">
+                <a:latin typeface="Consolas" pitchFamily="49" charset="0"/>
+                <a:cs typeface="Consolas" pitchFamily="49" charset="0"/>
+              </a:rPr>
+              <a:t> value )</a:t>
+            </a:r>
+          </a:p>
+          <a:p>
+            <a:pPr>
+              <a:buNone/>
+            </a:pPr>
+            <a:r>
+              <a:rPr lang="en-US" dirty="0">
+                <a:latin typeface="Consolas" pitchFamily="49" charset="0"/>
+                <a:cs typeface="Consolas" pitchFamily="49" charset="0"/>
+              </a:rPr>
+              <a:t> </a:t>
+            </a:r>
+            <a:r>
+              <a:rPr lang="ru-RU" dirty="0">
+                <a:latin typeface="Consolas" pitchFamily="49" charset="0"/>
+                <a:cs typeface="Consolas" pitchFamily="49" charset="0"/>
+              </a:rPr>
+              <a:t>   {</a:t>
+            </a:r>
+          </a:p>
+          <a:p>
+            <a:pPr>
+              <a:buNone/>
+            </a:pPr>
+            <a:r>
+              <a:rPr lang="en-US" dirty="0">
+                <a:latin typeface="Consolas" pitchFamily="49" charset="0"/>
+                <a:cs typeface="Consolas" pitchFamily="49" charset="0"/>
+              </a:rPr>
+              <a:t>         Value = value;</a:t>
+            </a:r>
+          </a:p>
+          <a:p>
+            <a:pPr>
+              <a:buNone/>
+            </a:pPr>
+            <a:r>
+              <a:rPr lang="ru-RU" dirty="0">
+                <a:latin typeface="Consolas" pitchFamily="49" charset="0"/>
+                <a:cs typeface="Consolas" pitchFamily="49" charset="0"/>
+              </a:rPr>
+              <a:t>    }</a:t>
+            </a:r>
+          </a:p>
+          <a:p>
+            <a:pPr>
+              <a:buNone/>
+            </a:pPr>
+            <a:r>
+              <a:rPr lang="en-US" dirty="0">
+                <a:latin typeface="Consolas" pitchFamily="49" charset="0"/>
+                <a:cs typeface="Consolas" pitchFamily="49" charset="0"/>
+              </a:rPr>
+              <a:t>	  //</a:t>
+            </a:r>
+            <a:r>
+              <a:rPr lang="ru-RU" dirty="0">
+                <a:latin typeface="Consolas" pitchFamily="49" charset="0"/>
+                <a:cs typeface="Consolas" pitchFamily="49" charset="0"/>
+              </a:rPr>
+              <a:t>перегрузка оператора «+»</a:t>
+            </a:r>
+          </a:p>
+          <a:p>
+            <a:pPr>
+              <a:buNone/>
+            </a:pPr>
+            <a:r>
+              <a:rPr lang="en-US" dirty="0">
+                <a:latin typeface="Consolas" pitchFamily="49" charset="0"/>
+                <a:cs typeface="Consolas" pitchFamily="49" charset="0"/>
+              </a:rPr>
+              <a:t>    public static Digit operator + ( Digit a, Digit b )</a:t>
+            </a:r>
+          </a:p>
+          <a:p>
+            <a:pPr>
+              <a:buNone/>
+            </a:pPr>
+            <a:r>
+              <a:rPr lang="en-US" dirty="0">
+                <a:latin typeface="Consolas" pitchFamily="49" charset="0"/>
+                <a:cs typeface="Consolas" pitchFamily="49" charset="0"/>
+              </a:rPr>
+              <a:t>	  </a:t>
+            </a:r>
+            <a:r>
+              <a:rPr lang="ru-RU" dirty="0">
+                <a:latin typeface="Consolas" pitchFamily="49" charset="0"/>
+                <a:cs typeface="Consolas" pitchFamily="49" charset="0"/>
+              </a:rPr>
+              <a:t>{</a:t>
+            </a:r>
+          </a:p>
+          <a:p>
+            <a:pPr>
+              <a:buNone/>
+            </a:pPr>
+            <a:r>
+              <a:rPr lang="en-US" dirty="0">
+                <a:latin typeface="Consolas" pitchFamily="49" charset="0"/>
+                <a:cs typeface="Consolas" pitchFamily="49" charset="0"/>
+              </a:rPr>
+              <a:t>         return new Digit( </a:t>
+            </a:r>
+            <a:r>
+              <a:rPr lang="en-US" dirty="0" err="1">
+                <a:latin typeface="Consolas" pitchFamily="49" charset="0"/>
+                <a:cs typeface="Consolas" pitchFamily="49" charset="0"/>
+              </a:rPr>
+              <a:t>a.Value</a:t>
+            </a:r>
+            <a:r>
+              <a:rPr lang="en-US" dirty="0">
+                <a:latin typeface="Consolas" pitchFamily="49" charset="0"/>
+                <a:cs typeface="Consolas" pitchFamily="49" charset="0"/>
+              </a:rPr>
+              <a:t> + </a:t>
+            </a:r>
+            <a:r>
+              <a:rPr lang="en-US" dirty="0" err="1">
+                <a:latin typeface="Consolas" pitchFamily="49" charset="0"/>
+                <a:cs typeface="Consolas" pitchFamily="49" charset="0"/>
+              </a:rPr>
+              <a:t>b.Value</a:t>
+            </a:r>
+            <a:r>
+              <a:rPr lang="en-US" dirty="0">
+                <a:latin typeface="Consolas" pitchFamily="49" charset="0"/>
+                <a:cs typeface="Consolas" pitchFamily="49" charset="0"/>
+              </a:rPr>
+              <a:t> );</a:t>
+            </a:r>
+          </a:p>
+          <a:p>
+            <a:pPr>
+              <a:buNone/>
+            </a:pPr>
+            <a:r>
+              <a:rPr lang="en-US" dirty="0">
+                <a:latin typeface="Consolas" pitchFamily="49" charset="0"/>
+                <a:cs typeface="Consolas" pitchFamily="49" charset="0"/>
+              </a:rPr>
+              <a:t>     </a:t>
+            </a:r>
+            <a:r>
+              <a:rPr lang="ru-RU" dirty="0">
+                <a:latin typeface="Consolas" pitchFamily="49" charset="0"/>
+                <a:cs typeface="Consolas" pitchFamily="49" charset="0"/>
+              </a:rPr>
+              <a:t>}</a:t>
+            </a:r>
+          </a:p>
+          <a:p>
+            <a:pPr>
+              <a:buNone/>
+            </a:pPr>
+            <a:r>
+              <a:rPr lang="en-US" dirty="0">
+                <a:latin typeface="Consolas" pitchFamily="49" charset="0"/>
+                <a:cs typeface="Consolas" pitchFamily="49" charset="0"/>
+              </a:rPr>
+              <a:t>     public static Digit operator ++ (Digit a)</a:t>
+            </a:r>
+          </a:p>
+          <a:p>
+            <a:pPr>
+              <a:buNone/>
+            </a:pPr>
+            <a:r>
+              <a:rPr lang="ru-RU" dirty="0">
+                <a:latin typeface="Consolas" pitchFamily="49" charset="0"/>
+                <a:cs typeface="Consolas" pitchFamily="49" charset="0"/>
+              </a:rPr>
+              <a:t>     {</a:t>
+            </a:r>
+          </a:p>
+          <a:p>
+            <a:pPr>
+              <a:buNone/>
+            </a:pPr>
+            <a:r>
+              <a:rPr lang="en-US" dirty="0">
+                <a:latin typeface="Consolas" pitchFamily="49" charset="0"/>
+                <a:cs typeface="Consolas" pitchFamily="49" charset="0"/>
+              </a:rPr>
+              <a:t>          return new Digit( </a:t>
+            </a:r>
+            <a:r>
+              <a:rPr lang="en-US" dirty="0" err="1">
+                <a:latin typeface="Consolas" pitchFamily="49" charset="0"/>
+                <a:cs typeface="Consolas" pitchFamily="49" charset="0"/>
+              </a:rPr>
+              <a:t>a.Value</a:t>
+            </a:r>
+            <a:r>
+              <a:rPr lang="en-US" dirty="0">
+                <a:latin typeface="Consolas" pitchFamily="49" charset="0"/>
+                <a:cs typeface="Consolas" pitchFamily="49" charset="0"/>
+              </a:rPr>
+              <a:t> + 1 );</a:t>
+            </a:r>
+          </a:p>
+          <a:p>
+            <a:pPr>
+              <a:buNone/>
+            </a:pPr>
+            <a:r>
+              <a:rPr lang="ru-RU" dirty="0">
+                <a:latin typeface="Consolas" pitchFamily="49" charset="0"/>
+                <a:cs typeface="Consolas" pitchFamily="49" charset="0"/>
+              </a:rPr>
+              <a:t>     }</a:t>
+            </a:r>
+          </a:p>
+          <a:p>
+            <a:pPr>
+              <a:buNone/>
+            </a:pPr>
+            <a:r>
+              <a:rPr lang="ru-RU" dirty="0">
+                <a:latin typeface="Consolas" pitchFamily="49" charset="0"/>
+                <a:cs typeface="Consolas" pitchFamily="49" charset="0"/>
+              </a:rPr>
+              <a:t>	   </a:t>
+            </a:r>
+            <a:r>
+              <a:rPr lang="en-US" dirty="0">
+                <a:latin typeface="Consolas" pitchFamily="49" charset="0"/>
+                <a:cs typeface="Consolas" pitchFamily="49" charset="0"/>
+              </a:rPr>
+              <a:t>public static </a:t>
+            </a:r>
+            <a:r>
+              <a:rPr lang="en-US" dirty="0" err="1">
+                <a:latin typeface="Consolas" pitchFamily="49" charset="0"/>
+                <a:cs typeface="Consolas" pitchFamily="49" charset="0"/>
+              </a:rPr>
+              <a:t>bool</a:t>
+            </a:r>
+            <a:r>
+              <a:rPr lang="en-US" dirty="0">
+                <a:latin typeface="Consolas" pitchFamily="49" charset="0"/>
+                <a:cs typeface="Consolas" pitchFamily="49" charset="0"/>
+              </a:rPr>
+              <a:t> operator &gt; ( Digit a, Digit b )</a:t>
+            </a:r>
+          </a:p>
+          <a:p>
+            <a:pPr>
+              <a:buNone/>
+            </a:pPr>
+            <a:r>
+              <a:rPr lang="en-US" dirty="0">
+                <a:latin typeface="Consolas" pitchFamily="49" charset="0"/>
+                <a:cs typeface="Consolas" pitchFamily="49" charset="0"/>
+              </a:rPr>
+              <a:t>	   {</a:t>
+            </a:r>
+          </a:p>
+          <a:p>
+            <a:pPr>
+              <a:buNone/>
+            </a:pPr>
+            <a:r>
+              <a:rPr lang="en-US" dirty="0">
+                <a:latin typeface="Consolas" pitchFamily="49" charset="0"/>
+                <a:cs typeface="Consolas" pitchFamily="49" charset="0"/>
+              </a:rPr>
+              <a:t>		   return </a:t>
+            </a:r>
+            <a:r>
+              <a:rPr lang="en-US" dirty="0" err="1">
+                <a:latin typeface="Consolas" pitchFamily="49" charset="0"/>
+                <a:cs typeface="Consolas" pitchFamily="49" charset="0"/>
+              </a:rPr>
+              <a:t>a.Value</a:t>
+            </a:r>
+            <a:r>
+              <a:rPr lang="en-US" dirty="0">
+                <a:latin typeface="Consolas" pitchFamily="49" charset="0"/>
+                <a:cs typeface="Consolas" pitchFamily="49" charset="0"/>
+              </a:rPr>
+              <a:t> &gt; </a:t>
+            </a:r>
+            <a:r>
+              <a:rPr lang="en-US" dirty="0" err="1">
+                <a:latin typeface="Consolas" pitchFamily="49" charset="0"/>
+                <a:cs typeface="Consolas" pitchFamily="49" charset="0"/>
+              </a:rPr>
+              <a:t>b.Value</a:t>
+            </a:r>
+            <a:r>
+              <a:rPr lang="en-US" dirty="0">
+                <a:latin typeface="Consolas" pitchFamily="49" charset="0"/>
+                <a:cs typeface="Consolas" pitchFamily="49" charset="0"/>
+              </a:rPr>
+              <a:t>;</a:t>
+            </a:r>
+          </a:p>
+          <a:p>
+            <a:pPr>
+              <a:buNone/>
+            </a:pPr>
+            <a:r>
+              <a:rPr lang="en-US" dirty="0">
+                <a:latin typeface="Consolas" pitchFamily="49" charset="0"/>
+                <a:cs typeface="Consolas" pitchFamily="49" charset="0"/>
+              </a:rPr>
+              <a:t> 	   }</a:t>
+            </a:r>
+            <a:endParaRPr lang="ru-RU" dirty="0">
+              <a:latin typeface="Consolas" pitchFamily="49" charset="0"/>
+              <a:cs typeface="Consolas" pitchFamily="49" charset="0"/>
+            </a:endParaRPr>
+          </a:p>
+          <a:p>
+            <a:pPr>
+              <a:buNone/>
+            </a:pPr>
+            <a:r>
+              <a:rPr lang="ru-RU" dirty="0">
+                <a:latin typeface="Consolas" pitchFamily="49" charset="0"/>
+                <a:cs typeface="Consolas" pitchFamily="49" charset="0"/>
+              </a:rPr>
+              <a:t>}</a:t>
+            </a:r>
+          </a:p>
+        </p:txBody>
+      </p:sp>
+      <p:sp>
+        <p:nvSpPr>
+          <p:cNvPr id="4" name="Номер слайда 3"/>
+          <p:cNvSpPr>
+            <a:spLocks noGrp="1"/>
+          </p:cNvSpPr>
+          <p:nvPr>
+            <p:ph type="sldNum" sz="quarter" idx="12"/>
+          </p:nvPr>
+        </p:nvSpPr>
+        <p:spPr/>
+        <p:txBody>
+          <a:bodyPr/>
+          <a:lstStyle/>
+          <a:p>
+            <a:fld id="{194E9D9E-8475-4C3D-B07C-FDD1702DB06B}" type="slidenum">
+              <a:rPr lang="ru-RU" smtClean="0"/>
+              <a:pPr/>
+              <a:t>8</a:t>
+            </a:fld>
+            <a:endParaRPr lang="ru-RU"/>
+          </a:p>
+        </p:txBody>
+      </p:sp>
+    </p:spTree>
+    <p:extLst>
+      <p:ext uri="{BB962C8B-B14F-4D97-AF65-F5344CB8AC3E}">
+        <p14:creationId xmlns:p14="http://schemas.microsoft.com/office/powerpoint/2010/main" val="1307681115"/>
+      </p:ext>
+    </p:extLst>
+  </p:cSld>
+  <p:clrMapOvr>
+    <a:masterClrMapping/>
+  </p:clrMapOvr>
+</p:sld>
+</file>
+
+<file path=ppt/slides/slide9.xml><?xml version="1.0" encoding="utf-8"?>
+<p:sld xmlns:a="http://schemas.openxmlformats.org/drawingml/2006/main" xmlns:r="http://schemas.openxmlformats.org/officeDocument/2006/relationships" xmlns:p="http://schemas.openxmlformats.org/presentationml/2006/main">
+  <p:cSld>
+    <p:spTree>
+      <p:nvGrpSpPr>
+        <p:cNvPr id="1" name=""/>
+        <p:cNvGrpSpPr/>
+        <p:nvPr/>
+      </p:nvGrpSpPr>
+      <p:grpSpPr>
+        <a:xfrm>
+          <a:off x="0" y="0"/>
+          <a:ext cx="0" cy="0"/>
+          <a:chOff x="0" y="0"/>
+          <a:chExt cx="0" cy="0"/>
+        </a:xfrm>
+      </p:grpSpPr>
+      <p:sp>
+        <p:nvSpPr>
           <p:cNvPr id="2" name="Заголовок 1"/>
           <p:cNvSpPr>
             <a:spLocks noGrp="1"/>
@@ -5568,7 +5736,7 @@
             <a:fld id="{194E9D9E-8475-4C3D-B07C-FDD1702DB06B}" type="slidenum">
               <a:rPr lang="ru-RU" smtClean="0"/>
               <a:pPr/>
-              <a:t>8</a:t>
+              <a:t>9</a:t>
             </a:fld>
             <a:endParaRPr lang="ru-RU"/>
           </a:p>
